--- a/NYC Parking Tickets EDA/FayizMayamVeettil_DDA1730041_main.pptx
+++ b/NYC Parking Tickets EDA/FayizMayamVeettil_DDA1730041_main.pptx
@@ -5,7 +5,7 @@
     <p:sldMasterId id="2147483660" r:id="rId1"/>
   </p:sldMasterIdLst>
   <p:notesMasterIdLst>
-    <p:notesMasterId r:id="rId14"/>
+    <p:notesMasterId r:id="rId17"/>
   </p:notesMasterIdLst>
   <p:sldIdLst>
     <p:sldId id="256" r:id="rId2"/>
@@ -20,6 +20,9 @@
     <p:sldId id="321" r:id="rId11"/>
     <p:sldId id="318" r:id="rId12"/>
     <p:sldId id="319" r:id="rId13"/>
+    <p:sldId id="322" r:id="rId14"/>
+    <p:sldId id="325" r:id="rId15"/>
+    <p:sldId id="326" r:id="rId16"/>
   </p:sldIdLst>
   <p:sldSz cx="12192000" cy="6858000"/>
   <p:notesSz cx="6858000" cy="9144000"/>
@@ -215,7 +218,7 @@
           <a:p>
             <a:fld id="{2E309023-AF2B-4043-B228-F191CADC9BB1}" type="datetimeFigureOut">
               <a:rPr lang="en-IN" smtClean="0"/>
-              <a:t>11-07-2018</a:t>
+              <a:t>12-07-2018</a:t>
             </a:fld>
             <a:endParaRPr lang="en-IN"/>
           </a:p>
@@ -614,7 +617,7 @@
           <a:p>
             <a:fld id="{70C018FE-C8D6-4A9C-A702-41F1E0C1C452}" type="datetimeFigureOut">
               <a:rPr lang="en-IN" smtClean="0"/>
-              <a:t>11-07-2018</a:t>
+              <a:t>12-07-2018</a:t>
             </a:fld>
             <a:endParaRPr lang="en-IN"/>
           </a:p>
@@ -784,7 +787,7 @@
           <a:p>
             <a:fld id="{70C018FE-C8D6-4A9C-A702-41F1E0C1C452}" type="datetimeFigureOut">
               <a:rPr lang="en-IN" smtClean="0"/>
-              <a:t>11-07-2018</a:t>
+              <a:t>12-07-2018</a:t>
             </a:fld>
             <a:endParaRPr lang="en-IN"/>
           </a:p>
@@ -964,7 +967,7 @@
           <a:p>
             <a:fld id="{70C018FE-C8D6-4A9C-A702-41F1E0C1C452}" type="datetimeFigureOut">
               <a:rPr lang="en-IN" smtClean="0"/>
-              <a:t>11-07-2018</a:t>
+              <a:t>12-07-2018</a:t>
             </a:fld>
             <a:endParaRPr lang="en-IN"/>
           </a:p>
@@ -1396,7 +1399,7 @@
           <a:p>
             <a:fld id="{70C018FE-C8D6-4A9C-A702-41F1E0C1C452}" type="datetimeFigureOut">
               <a:rPr lang="en-IN" smtClean="0"/>
-              <a:t>11-07-2018</a:t>
+              <a:t>12-07-2018</a:t>
             </a:fld>
             <a:endParaRPr lang="en-IN"/>
           </a:p>
@@ -1628,7 +1631,7 @@
           <a:p>
             <a:fld id="{70C018FE-C8D6-4A9C-A702-41F1E0C1C452}" type="datetimeFigureOut">
               <a:rPr lang="en-IN" smtClean="0"/>
-              <a:t>11-07-2018</a:t>
+              <a:t>12-07-2018</a:t>
             </a:fld>
             <a:endParaRPr lang="en-IN"/>
           </a:p>
@@ -1995,7 +1998,7 @@
           <a:p>
             <a:fld id="{70C018FE-C8D6-4A9C-A702-41F1E0C1C452}" type="datetimeFigureOut">
               <a:rPr lang="en-IN" smtClean="0"/>
-              <a:t>11-07-2018</a:t>
+              <a:t>12-07-2018</a:t>
             </a:fld>
             <a:endParaRPr lang="en-IN"/>
           </a:p>
@@ -2113,7 +2116,7 @@
           <a:p>
             <a:fld id="{70C018FE-C8D6-4A9C-A702-41F1E0C1C452}" type="datetimeFigureOut">
               <a:rPr lang="en-IN" smtClean="0"/>
-              <a:t>11-07-2018</a:t>
+              <a:t>12-07-2018</a:t>
             </a:fld>
             <a:endParaRPr lang="en-IN"/>
           </a:p>
@@ -2208,7 +2211,7 @@
           <a:p>
             <a:fld id="{70C018FE-C8D6-4A9C-A702-41F1E0C1C452}" type="datetimeFigureOut">
               <a:rPr lang="en-IN" smtClean="0"/>
-              <a:t>11-07-2018</a:t>
+              <a:t>12-07-2018</a:t>
             </a:fld>
             <a:endParaRPr lang="en-IN"/>
           </a:p>
@@ -2484,7 +2487,7 @@
           <a:p>
             <a:fld id="{70C018FE-C8D6-4A9C-A702-41F1E0C1C452}" type="datetimeFigureOut">
               <a:rPr lang="en-IN" smtClean="0"/>
-              <a:t>11-07-2018</a:t>
+              <a:t>12-07-2018</a:t>
             </a:fld>
             <a:endParaRPr lang="en-IN"/>
           </a:p>
@@ -2741,7 +2744,7 @@
           <a:p>
             <a:fld id="{70C018FE-C8D6-4A9C-A702-41F1E0C1C452}" type="datetimeFigureOut">
               <a:rPr lang="en-IN" smtClean="0"/>
-              <a:t>11-07-2018</a:t>
+              <a:t>12-07-2018</a:t>
             </a:fld>
             <a:endParaRPr lang="en-IN"/>
           </a:p>
@@ -2952,7 +2955,7 @@
           <a:p>
             <a:fld id="{70C018FE-C8D6-4A9C-A702-41F1E0C1C452}" type="datetimeFigureOut">
               <a:rPr lang="en-IN" smtClean="0"/>
-              <a:t>11-07-2018</a:t>
+              <a:t>12-07-2018</a:t>
             </a:fld>
             <a:endParaRPr lang="en-IN" dirty="0"/>
           </a:p>
@@ -3750,7 +3753,7 @@
               <a:rPr lang="en-IN" sz="1700" dirty="0">
                 <a:latin typeface="Lato" panose="020F0502020204030203"/>
               </a:rPr>
-              <a:t>25 Mar 2018</a:t>
+              <a:t>15 Jul 2018</a:t>
             </a:r>
           </a:p>
           <a:p>
@@ -4026,6 +4029,16 @@
           <a:prstGeom prst="rect">
             <a:avLst/>
           </a:prstGeom>
+          <a:ln>
+            <a:noFill/>
+          </a:ln>
+          <a:effectLst>
+            <a:outerShdw blurRad="292100" dist="139700" dir="2700000" algn="tl" rotWithShape="0">
+              <a:srgbClr val="333333">
+                <a:alpha val="65000"/>
+              </a:srgbClr>
+            </a:outerShdw>
+          </a:effectLst>
         </p:spPr>
       </p:pic>
     </p:spTree>
@@ -4042,6 +4055,418 @@
 </file>
 
 <file path=ppt/slides/slide11.xml><?xml version="1.0" encoding="utf-8"?>
+<p:sld xmlns:a="http://schemas.openxmlformats.org/drawingml/2006/main" xmlns:r="http://schemas.openxmlformats.org/officeDocument/2006/relationships" xmlns:p="http://schemas.openxmlformats.org/presentationml/2006/main">
+  <p:cSld>
+    <p:spTree>
+      <p:nvGrpSpPr>
+        <p:cNvPr id="1" name=""/>
+        <p:cNvGrpSpPr/>
+        <p:nvPr/>
+      </p:nvGrpSpPr>
+      <p:grpSpPr>
+        <a:xfrm>
+          <a:off x="0" y="0"/>
+          <a:ext cx="0" cy="0"/>
+          <a:chOff x="0" y="0"/>
+          <a:chExt cx="0" cy="0"/>
+        </a:xfrm>
+      </p:grpSpPr>
+      <p:pic>
+        <p:nvPicPr>
+          <p:cNvPr id="9" name="Picture 8">
+            <a:extLst>
+              <a:ext uri="{FF2B5EF4-FFF2-40B4-BE49-F238E27FC236}">
+                <a16:creationId xmlns:a16="http://schemas.microsoft.com/office/drawing/2014/main" id="{4DAC0F71-6466-48C3-9D58-92A7BE440043}"/>
+              </a:ext>
+            </a:extLst>
+          </p:cNvPr>
+          <p:cNvPicPr>
+            <a:picLocks noChangeAspect="1"/>
+          </p:cNvPicPr>
+          <p:nvPr/>
+        </p:nvPicPr>
+        <p:blipFill>
+          <a:blip r:embed="rId2"/>
+          <a:stretch>
+            <a:fillRect/>
+          </a:stretch>
+        </p:blipFill>
+        <p:spPr>
+          <a:xfrm>
+            <a:off x="7943119" y="2237589"/>
+            <a:ext cx="3497514" cy="4578713"/>
+          </a:xfrm>
+          <a:prstGeom prst="rect">
+            <a:avLst/>
+          </a:prstGeom>
+        </p:spPr>
+      </p:pic>
+      <p:pic>
+        <p:nvPicPr>
+          <p:cNvPr id="2" name="Picture 1">
+            <a:extLst>
+              <a:ext uri="{FF2B5EF4-FFF2-40B4-BE49-F238E27FC236}">
+                <a16:creationId xmlns:a16="http://schemas.microsoft.com/office/drawing/2014/main" id="{57F6BE02-E3BF-4DC8-924E-1458146E6110}"/>
+              </a:ext>
+            </a:extLst>
+          </p:cNvPr>
+          <p:cNvPicPr>
+            <a:picLocks noChangeAspect="1"/>
+          </p:cNvPicPr>
+          <p:nvPr/>
+        </p:nvPicPr>
+        <p:blipFill>
+          <a:blip r:embed="rId3"/>
+          <a:stretch>
+            <a:fillRect/>
+          </a:stretch>
+        </p:blipFill>
+        <p:spPr>
+          <a:xfrm>
+            <a:off x="714862" y="2239362"/>
+            <a:ext cx="3465316" cy="4515412"/>
+          </a:xfrm>
+          <a:prstGeom prst="rect">
+            <a:avLst/>
+          </a:prstGeom>
+          <a:ln>
+            <a:noFill/>
+          </a:ln>
+          <a:effectLst>
+            <a:outerShdw blurRad="292100" dist="139700" dir="2700000" algn="tl" rotWithShape="0">
+              <a:srgbClr val="333333">
+                <a:alpha val="65000"/>
+              </a:srgbClr>
+            </a:outerShdw>
+          </a:effectLst>
+        </p:spPr>
+      </p:pic>
+      <p:grpSp>
+        <p:nvGrpSpPr>
+          <p:cNvPr id="11" name="Group 10">
+            <a:extLst>
+              <a:ext uri="{FF2B5EF4-FFF2-40B4-BE49-F238E27FC236}">
+                <a16:creationId xmlns:a16="http://schemas.microsoft.com/office/drawing/2014/main" id="{EBBA25A6-360E-4B6F-B6E1-CF2014CF9962}"/>
+              </a:ext>
+            </a:extLst>
+          </p:cNvPr>
+          <p:cNvGrpSpPr/>
+          <p:nvPr/>
+        </p:nvGrpSpPr>
+        <p:grpSpPr>
+          <a:xfrm>
+            <a:off x="0" y="990600"/>
+            <a:ext cx="12192000" cy="807291"/>
+            <a:chOff x="0" y="895350"/>
+            <a:chExt cx="12192000" cy="807291"/>
+          </a:xfrm>
+        </p:grpSpPr>
+        <p:pic>
+          <p:nvPicPr>
+            <p:cNvPr id="12" name="Picture 11">
+              <a:extLst>
+                <a:ext uri="{FF2B5EF4-FFF2-40B4-BE49-F238E27FC236}">
+                  <a16:creationId xmlns:a16="http://schemas.microsoft.com/office/drawing/2014/main" id="{1152C58B-7A3D-453B-BEF5-0D6A80241D16}"/>
+                </a:ext>
+              </a:extLst>
+            </p:cNvPr>
+            <p:cNvPicPr>
+              <a:picLocks noChangeAspect="1"/>
+            </p:cNvPicPr>
+            <p:nvPr/>
+          </p:nvPicPr>
+          <p:blipFill>
+            <a:blip r:embed="rId4">
+              <a:extLst>
+                <a:ext uri="{28A0092B-C50C-407E-A947-70E740481C1C}">
+                  <a14:useLocalDpi xmlns:a14="http://schemas.microsoft.com/office/drawing/2010/main" val="0"/>
+                </a:ext>
+              </a:extLst>
+            </a:blip>
+            <a:stretch>
+              <a:fillRect/>
+            </a:stretch>
+          </p:blipFill>
+          <p:spPr>
+            <a:xfrm>
+              <a:off x="0" y="895350"/>
+              <a:ext cx="12192000" cy="807291"/>
+            </a:xfrm>
+            <a:prstGeom prst="rect">
+              <a:avLst/>
+            </a:prstGeom>
+          </p:spPr>
+        </p:pic>
+        <p:sp>
+          <p:nvSpPr>
+            <p:cNvPr id="13" name="Rectangle 12">
+              <a:extLst>
+                <a:ext uri="{FF2B5EF4-FFF2-40B4-BE49-F238E27FC236}">
+                  <a16:creationId xmlns:a16="http://schemas.microsoft.com/office/drawing/2014/main" id="{CF7573B2-FDB7-41CD-8FE1-311DF7F4E7B3}"/>
+                </a:ext>
+              </a:extLst>
+            </p:cNvPr>
+            <p:cNvSpPr/>
+            <p:nvPr/>
+          </p:nvSpPr>
+          <p:spPr>
+            <a:xfrm>
+              <a:off x="210706" y="1148643"/>
+              <a:ext cx="3526415" cy="553998"/>
+            </a:xfrm>
+            <a:prstGeom prst="rect">
+              <a:avLst/>
+            </a:prstGeom>
+          </p:spPr>
+          <p:txBody>
+            <a:bodyPr wrap="none">
+              <a:spAutoFit/>
+            </a:bodyPr>
+            <a:lstStyle/>
+            <a:p>
+              <a:r>
+                <a:rPr lang="en-US" sz="3000" b="1" dirty="0">
+                  <a:solidFill>
+                    <a:schemeClr val="bg1"/>
+                  </a:solidFill>
+                  <a:latin typeface="Lato" charset="0"/>
+                </a:rPr>
+                <a:t>Aggregation Tasks</a:t>
+              </a:r>
+              <a:endParaRPr lang="en-US" sz="2400" b="1" dirty="0">
+                <a:solidFill>
+                  <a:schemeClr val="bg1"/>
+                </a:solidFill>
+                <a:latin typeface="Lato" charset="0"/>
+              </a:endParaRPr>
+            </a:p>
+          </p:txBody>
+        </p:sp>
+      </p:grpSp>
+      <p:sp>
+        <p:nvSpPr>
+          <p:cNvPr id="8" name="TextBox 7">
+            <a:extLst>
+              <a:ext uri="{FF2B5EF4-FFF2-40B4-BE49-F238E27FC236}">
+                <a16:creationId xmlns:a16="http://schemas.microsoft.com/office/drawing/2014/main" id="{C4728C7A-92DB-470B-B9B8-52D86CEDDDF8}"/>
+              </a:ext>
+            </a:extLst>
+          </p:cNvPr>
+          <p:cNvSpPr txBox="1"/>
+          <p:nvPr/>
+        </p:nvSpPr>
+        <p:spPr>
+          <a:xfrm>
+            <a:off x="210706" y="1797891"/>
+            <a:ext cx="11799587" cy="369332"/>
+          </a:xfrm>
+          <a:prstGeom prst="rect">
+            <a:avLst/>
+          </a:prstGeom>
+          <a:noFill/>
+        </p:spPr>
+        <p:txBody>
+          <a:bodyPr wrap="square" rtlCol="0">
+            <a:spAutoFit/>
+          </a:bodyPr>
+          <a:lstStyle/>
+          <a:p>
+            <a:r>
+              <a:rPr lang="en-US" b="1" dirty="0"/>
+              <a:t>3. A precinct is a police station that has a certain zone of the city under its command. Find the (5 highest) frequencies of:	</a:t>
+            </a:r>
+          </a:p>
+        </p:txBody>
+      </p:sp>
+      <p:sp>
+        <p:nvSpPr>
+          <p:cNvPr id="7" name="TextBox 6">
+            <a:extLst>
+              <a:ext uri="{FF2B5EF4-FFF2-40B4-BE49-F238E27FC236}">
+                <a16:creationId xmlns:a16="http://schemas.microsoft.com/office/drawing/2014/main" id="{B63E00D9-5758-4DD6-8144-44EFC93EEED1}"/>
+              </a:ext>
+            </a:extLst>
+          </p:cNvPr>
+          <p:cNvSpPr txBox="1"/>
+          <p:nvPr/>
+        </p:nvSpPr>
+        <p:spPr>
+          <a:xfrm>
+            <a:off x="4721314" y="2510151"/>
+            <a:ext cx="2749371" cy="3970318"/>
+          </a:xfrm>
+          <a:prstGeom prst="rect">
+            <a:avLst/>
+          </a:prstGeom>
+          <a:noFill/>
+        </p:spPr>
+        <p:txBody>
+          <a:bodyPr wrap="square" rtlCol="0">
+            <a:spAutoFit/>
+          </a:bodyPr>
+          <a:lstStyle/>
+          <a:p>
+            <a:pPr marL="342900" indent="-342900">
+              <a:buAutoNum type="arabicPeriod"/>
+            </a:pPr>
+            <a:r>
+              <a:rPr lang="en-US" b="1" dirty="0"/>
+              <a:t>Violating Precincts (this is the precinct of the zone where the violation occurred)</a:t>
+            </a:r>
+          </a:p>
+          <a:p>
+            <a:pPr marL="342900" indent="-342900">
+              <a:buAutoNum type="arabicPeriod"/>
+            </a:pPr>
+            <a:endParaRPr lang="en-US" b="1" dirty="0"/>
+          </a:p>
+          <a:p>
+            <a:pPr marL="342900" indent="-342900">
+              <a:buAutoNum type="arabicPeriod"/>
+            </a:pPr>
+            <a:endParaRPr lang="en-US" b="1" dirty="0"/>
+          </a:p>
+          <a:p>
+            <a:pPr marL="342900" indent="-342900">
+              <a:buAutoNum type="arabicPeriod"/>
+            </a:pPr>
+            <a:endParaRPr lang="en-US" b="1" dirty="0"/>
+          </a:p>
+          <a:p>
+            <a:endParaRPr lang="en-US" b="1" dirty="0"/>
+          </a:p>
+          <a:p>
+            <a:pPr marL="342900" indent="-342900">
+              <a:buAutoNum type="arabicPeriod" startAt="2"/>
+            </a:pPr>
+            <a:r>
+              <a:rPr lang="en-US" b="1" dirty="0"/>
+              <a:t>Issuing Precincts (this is the precinct that issued the ticket)</a:t>
+            </a:r>
+          </a:p>
+          <a:p>
+            <a:pPr marL="342900" indent="-342900">
+              <a:buAutoNum type="arabicPeriod" startAt="2"/>
+            </a:pPr>
+            <a:endParaRPr lang="en-US" b="1" dirty="0"/>
+          </a:p>
+          <a:p>
+            <a:pPr marL="342900" indent="-342900">
+              <a:buAutoNum type="arabicPeriod" startAt="2"/>
+            </a:pPr>
+            <a:endParaRPr lang="en-US" b="1" dirty="0"/>
+          </a:p>
+          <a:p>
+            <a:endParaRPr lang="en-US" b="1" dirty="0"/>
+          </a:p>
+        </p:txBody>
+      </p:sp>
+      <p:sp>
+        <p:nvSpPr>
+          <p:cNvPr id="5" name="Arrow: Left 4">
+            <a:extLst>
+              <a:ext uri="{FF2B5EF4-FFF2-40B4-BE49-F238E27FC236}">
+                <a16:creationId xmlns:a16="http://schemas.microsoft.com/office/drawing/2014/main" id="{202B900D-1426-4B35-92FF-3640AFC5AFBF}"/>
+              </a:ext>
+            </a:extLst>
+          </p:cNvPr>
+          <p:cNvSpPr/>
+          <p:nvPr/>
+        </p:nvSpPr>
+        <p:spPr>
+          <a:xfrm>
+            <a:off x="4721314" y="3643676"/>
+            <a:ext cx="829339" cy="435935"/>
+          </a:xfrm>
+          <a:prstGeom prst="leftArrow">
+            <a:avLst/>
+          </a:prstGeom>
+        </p:spPr>
+        <p:style>
+          <a:lnRef idx="2">
+            <a:schemeClr val="accent1">
+              <a:shade val="50000"/>
+            </a:schemeClr>
+          </a:lnRef>
+          <a:fillRef idx="1">
+            <a:schemeClr val="accent1"/>
+          </a:fillRef>
+          <a:effectRef idx="0">
+            <a:schemeClr val="accent1"/>
+          </a:effectRef>
+          <a:fontRef idx="minor">
+            <a:schemeClr val="lt1"/>
+          </a:fontRef>
+        </p:style>
+        <p:txBody>
+          <a:bodyPr rtlCol="0" anchor="ctr"/>
+          <a:lstStyle/>
+          <a:p>
+            <a:pPr algn="ctr"/>
+            <a:endParaRPr lang="en-US"/>
+          </a:p>
+        </p:txBody>
+      </p:sp>
+      <p:sp>
+        <p:nvSpPr>
+          <p:cNvPr id="6" name="Arrow: Right 5">
+            <a:extLst>
+              <a:ext uri="{FF2B5EF4-FFF2-40B4-BE49-F238E27FC236}">
+                <a16:creationId xmlns:a16="http://schemas.microsoft.com/office/drawing/2014/main" id="{C7DBB1E5-A677-469C-8169-4BF357D37DF4}"/>
+              </a:ext>
+            </a:extLst>
+          </p:cNvPr>
+          <p:cNvSpPr/>
+          <p:nvPr/>
+        </p:nvSpPr>
+        <p:spPr>
+          <a:xfrm>
+            <a:off x="6647138" y="5521150"/>
+            <a:ext cx="823547" cy="465992"/>
+          </a:xfrm>
+          <a:prstGeom prst="rightArrow">
+            <a:avLst/>
+          </a:prstGeom>
+        </p:spPr>
+        <p:style>
+          <a:lnRef idx="2">
+            <a:schemeClr val="accent1">
+              <a:shade val="50000"/>
+            </a:schemeClr>
+          </a:lnRef>
+          <a:fillRef idx="1">
+            <a:schemeClr val="accent1"/>
+          </a:fillRef>
+          <a:effectRef idx="0">
+            <a:schemeClr val="accent1"/>
+          </a:effectRef>
+          <a:fontRef idx="minor">
+            <a:schemeClr val="lt1"/>
+          </a:fontRef>
+        </p:style>
+        <p:txBody>
+          <a:bodyPr rtlCol="0" anchor="ctr"/>
+          <a:lstStyle/>
+          <a:p>
+            <a:pPr algn="ctr"/>
+            <a:endParaRPr lang="en-US"/>
+          </a:p>
+        </p:txBody>
+      </p:sp>
+    </p:spTree>
+    <p:extLst>
+      <p:ext uri="{BB962C8B-B14F-4D97-AF65-F5344CB8AC3E}">
+        <p14:creationId xmlns:p14="http://schemas.microsoft.com/office/powerpoint/2010/main" val="3867679965"/>
+      </p:ext>
+    </p:extLst>
+  </p:cSld>
+  <p:clrMapOvr>
+    <a:masterClrMapping/>
+  </p:clrMapOvr>
+</p:sld>
+</file>
+
+<file path=ppt/slides/slide12.xml><?xml version="1.0" encoding="utf-8"?>
 <p:sld xmlns:a="http://schemas.openxmlformats.org/drawingml/2006/main" xmlns:r="http://schemas.openxmlformats.org/officeDocument/2006/relationships" xmlns:p="http://schemas.openxmlformats.org/presentationml/2006/main">
   <p:cSld>
     <p:spTree>
@@ -4174,8 +4599,8 @@
         </p:nvSpPr>
         <p:spPr>
           <a:xfrm>
-            <a:off x="210706" y="1797891"/>
-            <a:ext cx="11799587" cy="369332"/>
+            <a:off x="196206" y="1797891"/>
+            <a:ext cx="11799587" cy="646331"/>
           </a:xfrm>
           <a:prstGeom prst="rect">
             <a:avLst/>
@@ -4188,252 +4613,27 @@
           </a:bodyPr>
           <a:lstStyle/>
           <a:p>
+            <a:pPr marL="0" lvl="1"/>
+            <a:r>
+              <a:rPr lang="en-US" b="1" dirty="0">
+                <a:latin typeface="Lato"/>
+              </a:rPr>
+              <a:t>4.	</a:t>
+            </a:r>
             <a:r>
               <a:rPr lang="en-US" b="1" dirty="0"/>
-              <a:t>3. A precinct is a police station that has a certain zone of the city under its command. Find the (5 highest) frequencies of:	</a:t>
-            </a:r>
-          </a:p>
-        </p:txBody>
-      </p:sp>
-      <p:sp>
-        <p:nvSpPr>
-          <p:cNvPr id="7" name="TextBox 6">
-            <a:extLst>
-              <a:ext uri="{FF2B5EF4-FFF2-40B4-BE49-F238E27FC236}">
-                <a16:creationId xmlns:a16="http://schemas.microsoft.com/office/drawing/2014/main" id="{B63E00D9-5758-4DD6-8144-44EFC93EEED1}"/>
-              </a:ext>
-            </a:extLst>
-          </p:cNvPr>
-          <p:cNvSpPr txBox="1"/>
-          <p:nvPr/>
-        </p:nvSpPr>
-        <p:spPr>
-          <a:xfrm>
-            <a:off x="4721314" y="2510151"/>
-            <a:ext cx="2749371" cy="3970318"/>
-          </a:xfrm>
-          <a:prstGeom prst="rect">
-            <a:avLst/>
-          </a:prstGeom>
-          <a:noFill/>
-        </p:spPr>
-        <p:txBody>
-          <a:bodyPr wrap="square" rtlCol="0">
-            <a:spAutoFit/>
-          </a:bodyPr>
-          <a:lstStyle/>
-          <a:p>
-            <a:pPr marL="342900" indent="-342900">
-              <a:buAutoNum type="arabicPeriod"/>
-            </a:pPr>
-            <a:r>
-              <a:rPr lang="en-US" b="1" dirty="0"/>
-              <a:t>Violating Precincts (this is the precinct of the zone where the violation occurred)</a:t>
-            </a:r>
-          </a:p>
-          <a:p>
-            <a:pPr marL="342900" indent="-342900">
-              <a:buAutoNum type="arabicPeriod"/>
-            </a:pPr>
-            <a:endParaRPr lang="en-US" b="1" dirty="0"/>
-          </a:p>
-          <a:p>
-            <a:pPr marL="342900" indent="-342900">
-              <a:buAutoNum type="arabicPeriod"/>
-            </a:pPr>
-            <a:endParaRPr lang="en-US" b="1" dirty="0"/>
-          </a:p>
-          <a:p>
-            <a:pPr marL="342900" indent="-342900">
-              <a:buAutoNum type="arabicPeriod"/>
-            </a:pPr>
-            <a:endParaRPr lang="en-US" b="1" dirty="0"/>
-          </a:p>
-          <a:p>
-            <a:endParaRPr lang="en-US" b="1" dirty="0"/>
-          </a:p>
-          <a:p>
-            <a:pPr marL="342900" indent="-342900">
-              <a:buAutoNum type="arabicPeriod" startAt="2"/>
-            </a:pPr>
-            <a:r>
-              <a:rPr lang="en-US" b="1" dirty="0"/>
-              <a:t>Issuing Precincts (this is the precinct that issued the ticket)</a:t>
-            </a:r>
-          </a:p>
-          <a:p>
-            <a:pPr marL="342900" indent="-342900">
-              <a:buAutoNum type="arabicPeriod" startAt="2"/>
-            </a:pPr>
-            <a:endParaRPr lang="en-US" b="1" dirty="0"/>
-          </a:p>
-          <a:p>
-            <a:pPr marL="342900" indent="-342900">
-              <a:buAutoNum type="arabicPeriod" startAt="2"/>
-            </a:pPr>
-            <a:endParaRPr lang="en-US" b="1" dirty="0"/>
-          </a:p>
-          <a:p>
-            <a:endParaRPr lang="en-US" b="1" dirty="0"/>
-          </a:p>
-        </p:txBody>
-      </p:sp>
-      <p:pic>
-        <p:nvPicPr>
-          <p:cNvPr id="3" name="Picture 2">
-            <a:extLst>
-              <a:ext uri="{FF2B5EF4-FFF2-40B4-BE49-F238E27FC236}">
-                <a16:creationId xmlns:a16="http://schemas.microsoft.com/office/drawing/2014/main" id="{E6D14982-453A-40EA-897F-741ABEE709ED}"/>
-              </a:ext>
-            </a:extLst>
-          </p:cNvPr>
-          <p:cNvPicPr>
-            <a:picLocks noChangeAspect="1"/>
-          </p:cNvPicPr>
-          <p:nvPr/>
-        </p:nvPicPr>
-        <p:blipFill>
-          <a:blip r:embed="rId3"/>
-          <a:stretch>
-            <a:fillRect/>
-          </a:stretch>
-        </p:blipFill>
-        <p:spPr>
-          <a:xfrm>
-            <a:off x="702439" y="2237589"/>
-            <a:ext cx="3466677" cy="4517184"/>
-          </a:xfrm>
-          <a:prstGeom prst="rect">
-            <a:avLst/>
-          </a:prstGeom>
-        </p:spPr>
-      </p:pic>
-      <p:pic>
-        <p:nvPicPr>
-          <p:cNvPr id="4" name="Picture 3">
-            <a:extLst>
-              <a:ext uri="{FF2B5EF4-FFF2-40B4-BE49-F238E27FC236}">
-                <a16:creationId xmlns:a16="http://schemas.microsoft.com/office/drawing/2014/main" id="{750481F7-6A29-4367-ABA2-78C48F8CF817}"/>
-              </a:ext>
-            </a:extLst>
-          </p:cNvPr>
-          <p:cNvPicPr>
-            <a:picLocks noChangeAspect="1"/>
-          </p:cNvPicPr>
-          <p:nvPr/>
-        </p:nvPicPr>
-        <p:blipFill>
-          <a:blip r:embed="rId4"/>
-          <a:stretch>
-            <a:fillRect/>
-          </a:stretch>
-        </p:blipFill>
-        <p:spPr>
-          <a:xfrm>
-            <a:off x="7945511" y="2237589"/>
-            <a:ext cx="3495121" cy="4549334"/>
-          </a:xfrm>
-          <a:prstGeom prst="rect">
-            <a:avLst/>
-          </a:prstGeom>
-        </p:spPr>
-      </p:pic>
-      <p:sp>
-        <p:nvSpPr>
-          <p:cNvPr id="5" name="Arrow: Left 4">
-            <a:extLst>
-              <a:ext uri="{FF2B5EF4-FFF2-40B4-BE49-F238E27FC236}">
-                <a16:creationId xmlns:a16="http://schemas.microsoft.com/office/drawing/2014/main" id="{202B900D-1426-4B35-92FF-3640AFC5AFBF}"/>
-              </a:ext>
-            </a:extLst>
-          </p:cNvPr>
-          <p:cNvSpPr/>
-          <p:nvPr/>
-        </p:nvSpPr>
-        <p:spPr>
-          <a:xfrm>
-            <a:off x="4721314" y="3643676"/>
-            <a:ext cx="829339" cy="435935"/>
-          </a:xfrm>
-          <a:prstGeom prst="leftArrow">
-            <a:avLst/>
-          </a:prstGeom>
-        </p:spPr>
-        <p:style>
-          <a:lnRef idx="2">
-            <a:schemeClr val="accent1">
-              <a:shade val="50000"/>
-            </a:schemeClr>
-          </a:lnRef>
-          <a:fillRef idx="1">
-            <a:schemeClr val="accent1"/>
-          </a:fillRef>
-          <a:effectRef idx="0">
-            <a:schemeClr val="accent1"/>
-          </a:effectRef>
-          <a:fontRef idx="minor">
-            <a:schemeClr val="lt1"/>
-          </a:fontRef>
-        </p:style>
-        <p:txBody>
-          <a:bodyPr rtlCol="0" anchor="ctr"/>
-          <a:lstStyle/>
-          <a:p>
-            <a:pPr algn="ctr"/>
-            <a:endParaRPr lang="en-US"/>
-          </a:p>
-        </p:txBody>
-      </p:sp>
-      <p:sp>
-        <p:nvSpPr>
-          <p:cNvPr id="6" name="Arrow: Right 5">
-            <a:extLst>
-              <a:ext uri="{FF2B5EF4-FFF2-40B4-BE49-F238E27FC236}">
-                <a16:creationId xmlns:a16="http://schemas.microsoft.com/office/drawing/2014/main" id="{C7DBB1E5-A677-469C-8169-4BF357D37DF4}"/>
-              </a:ext>
-            </a:extLst>
-          </p:cNvPr>
-          <p:cNvSpPr/>
-          <p:nvPr/>
-        </p:nvSpPr>
-        <p:spPr>
-          <a:xfrm>
-            <a:off x="6647138" y="5521150"/>
-            <a:ext cx="823547" cy="465992"/>
-          </a:xfrm>
-          <a:prstGeom prst="rightArrow">
-            <a:avLst/>
-          </a:prstGeom>
-        </p:spPr>
-        <p:style>
-          <a:lnRef idx="2">
-            <a:schemeClr val="accent1">
-              <a:shade val="50000"/>
-            </a:schemeClr>
-          </a:lnRef>
-          <a:fillRef idx="1">
-            <a:schemeClr val="accent1"/>
-          </a:fillRef>
-          <a:effectRef idx="0">
-            <a:schemeClr val="accent1"/>
-          </a:effectRef>
-          <a:fontRef idx="minor">
-            <a:schemeClr val="lt1"/>
-          </a:fontRef>
-        </p:style>
-        <p:txBody>
-          <a:bodyPr rtlCol="0" anchor="ctr"/>
-          <a:lstStyle/>
-          <a:p>
-            <a:pPr algn="ctr"/>
-            <a:endParaRPr lang="en-US"/>
+              <a:t>Find the violation code frequency across 3 precincts which have issued the most number of tickets - do these precinct 	zones have an exceptionally high frequency of certain violation codes? Are these codes common across precincts?</a:t>
+            </a:r>
+            <a:endParaRPr lang="en-US" b="1" dirty="0">
+              <a:latin typeface="Lato"/>
+            </a:endParaRPr>
           </a:p>
         </p:txBody>
       </p:sp>
     </p:spTree>
     <p:extLst>
       <p:ext uri="{BB962C8B-B14F-4D97-AF65-F5344CB8AC3E}">
-        <p14:creationId xmlns:p14="http://schemas.microsoft.com/office/powerpoint/2010/main" val="3867679965"/>
+        <p14:creationId xmlns:p14="http://schemas.microsoft.com/office/powerpoint/2010/main" val="1296301190"/>
       </p:ext>
     </p:extLst>
   </p:cSld>
@@ -4443,7 +4643,7 @@
 </p:sld>
 </file>
 
-<file path=ppt/slides/slide12.xml><?xml version="1.0" encoding="utf-8"?>
+<file path=ppt/slides/slide13.xml><?xml version="1.0" encoding="utf-8"?>
 <p:sld xmlns:a="http://schemas.openxmlformats.org/drawingml/2006/main" xmlns:r="http://schemas.openxmlformats.org/officeDocument/2006/relationships" xmlns:p="http://schemas.openxmlformats.org/presentationml/2006/main">
   <p:cSld>
     <p:spTree>
@@ -4577,7 +4777,7 @@
         <p:spPr>
           <a:xfrm>
             <a:off x="196206" y="1797891"/>
-            <a:ext cx="11799587" cy="646331"/>
+            <a:ext cx="11799587" cy="1938992"/>
           </a:xfrm>
           <a:prstGeom prst="rect">
             <a:avLst/>
@@ -4590,17 +4790,52 @@
           </a:bodyPr>
           <a:lstStyle/>
           <a:p>
+            <a:pPr marL="342900" indent="-342900">
+              <a:buAutoNum type="arabicPeriod" startAt="5"/>
+            </a:pPr>
+            <a:r>
+              <a:rPr lang="en-US" b="1" dirty="0"/>
+              <a:t>You’d want to find out the properties of parking violations across different times of the day:</a:t>
+            </a:r>
+          </a:p>
+          <a:p>
+            <a:pPr marL="800100" lvl="1" indent="-342900">
+              <a:buAutoNum type="alphaLcParenR"/>
+            </a:pPr>
+            <a:r>
+              <a:rPr lang="en-US" sz="1400" b="1" dirty="0"/>
+              <a:t>The Violation Time field is specified in a strange format. Find a way to make this into a time attribute that you can use to divide into groups.</a:t>
+            </a:r>
+          </a:p>
+          <a:p>
+            <a:pPr marL="800100" lvl="1" indent="-342900">
+              <a:buAutoNum type="alphaLcParenR"/>
+            </a:pPr>
+            <a:r>
+              <a:rPr lang="en-US" sz="1400" b="1" dirty="0"/>
+              <a:t>Find a way to deal with missing values, if any.</a:t>
+            </a:r>
+          </a:p>
+          <a:p>
+            <a:pPr marL="800100" lvl="1" indent="-342900">
+              <a:buAutoNum type="alphaLcParenR"/>
+            </a:pPr>
+            <a:r>
+              <a:rPr lang="en-US" sz="1400" b="1" dirty="0"/>
+              <a:t>Divide 24 hours into 6 equal discrete bins of time. The intervals you choose are at your discretion. For each of these groups, find the 3 most commonly occurring violations</a:t>
+            </a:r>
+          </a:p>
+          <a:p>
+            <a:pPr marL="800100" lvl="1" indent="-342900">
+              <a:buAutoNum type="alphaLcParenR"/>
+            </a:pPr>
+            <a:r>
+              <a:rPr lang="en-US" sz="1400" b="1" dirty="0"/>
+              <a:t>Now, try another direction. For the 3 most commonly occurring violation codes, find the most common times of day (in terms of the bins from the previous part)</a:t>
+            </a:r>
+          </a:p>
+          <a:p>
             <a:pPr marL="0" lvl="1"/>
-            <a:r>
-              <a:rPr lang="en-US" b="1" dirty="0">
-                <a:latin typeface="Lato"/>
-              </a:rPr>
-              <a:t>4.	</a:t>
-            </a:r>
-            <a:r>
-              <a:rPr lang="en-US" b="1" dirty="0"/>
-              <a:t>Find the violation code frequency across 3 precincts which have issued the most number of tickets - do these precinct 	zones have an exceptionally high frequency of certain violation codes? Are these codes common across precincts?</a:t>
-            </a:r>
             <a:endParaRPr lang="en-US" b="1" dirty="0">
               <a:latin typeface="Lato"/>
             </a:endParaRPr>
@@ -4610,7 +4845,417 @@
     </p:spTree>
     <p:extLst>
       <p:ext uri="{BB962C8B-B14F-4D97-AF65-F5344CB8AC3E}">
-        <p14:creationId xmlns:p14="http://schemas.microsoft.com/office/powerpoint/2010/main" val="1296301190"/>
+        <p14:creationId xmlns:p14="http://schemas.microsoft.com/office/powerpoint/2010/main" val="1596211054"/>
+      </p:ext>
+    </p:extLst>
+  </p:cSld>
+  <p:clrMapOvr>
+    <a:masterClrMapping/>
+  </p:clrMapOvr>
+</p:sld>
+</file>
+
+<file path=ppt/slides/slide14.xml><?xml version="1.0" encoding="utf-8"?>
+<p:sld xmlns:a="http://schemas.openxmlformats.org/drawingml/2006/main" xmlns:r="http://schemas.openxmlformats.org/officeDocument/2006/relationships" xmlns:p="http://schemas.openxmlformats.org/presentationml/2006/main">
+  <p:cSld>
+    <p:spTree>
+      <p:nvGrpSpPr>
+        <p:cNvPr id="1" name=""/>
+        <p:cNvGrpSpPr/>
+        <p:nvPr/>
+      </p:nvGrpSpPr>
+      <p:grpSpPr>
+        <a:xfrm>
+          <a:off x="0" y="0"/>
+          <a:ext cx="0" cy="0"/>
+          <a:chOff x="0" y="0"/>
+          <a:chExt cx="0" cy="0"/>
+        </a:xfrm>
+      </p:grpSpPr>
+      <p:grpSp>
+        <p:nvGrpSpPr>
+          <p:cNvPr id="11" name="Group 10">
+            <a:extLst>
+              <a:ext uri="{FF2B5EF4-FFF2-40B4-BE49-F238E27FC236}">
+                <a16:creationId xmlns:a16="http://schemas.microsoft.com/office/drawing/2014/main" id="{EBBA25A6-360E-4B6F-B6E1-CF2014CF9962}"/>
+              </a:ext>
+            </a:extLst>
+          </p:cNvPr>
+          <p:cNvGrpSpPr/>
+          <p:nvPr/>
+        </p:nvGrpSpPr>
+        <p:grpSpPr>
+          <a:xfrm>
+            <a:off x="0" y="990600"/>
+            <a:ext cx="12192000" cy="807291"/>
+            <a:chOff x="0" y="895350"/>
+            <a:chExt cx="12192000" cy="807291"/>
+          </a:xfrm>
+        </p:grpSpPr>
+        <p:pic>
+          <p:nvPicPr>
+            <p:cNvPr id="12" name="Picture 11">
+              <a:extLst>
+                <a:ext uri="{FF2B5EF4-FFF2-40B4-BE49-F238E27FC236}">
+                  <a16:creationId xmlns:a16="http://schemas.microsoft.com/office/drawing/2014/main" id="{1152C58B-7A3D-453B-BEF5-0D6A80241D16}"/>
+                </a:ext>
+              </a:extLst>
+            </p:cNvPr>
+            <p:cNvPicPr>
+              <a:picLocks noChangeAspect="1"/>
+            </p:cNvPicPr>
+            <p:nvPr/>
+          </p:nvPicPr>
+          <p:blipFill>
+            <a:blip r:embed="rId2">
+              <a:extLst>
+                <a:ext uri="{28A0092B-C50C-407E-A947-70E740481C1C}">
+                  <a14:useLocalDpi xmlns:a14="http://schemas.microsoft.com/office/drawing/2010/main" val="0"/>
+                </a:ext>
+              </a:extLst>
+            </a:blip>
+            <a:stretch>
+              <a:fillRect/>
+            </a:stretch>
+          </p:blipFill>
+          <p:spPr>
+            <a:xfrm>
+              <a:off x="0" y="895350"/>
+              <a:ext cx="12192000" cy="807291"/>
+            </a:xfrm>
+            <a:prstGeom prst="rect">
+              <a:avLst/>
+            </a:prstGeom>
+          </p:spPr>
+        </p:pic>
+        <p:sp>
+          <p:nvSpPr>
+            <p:cNvPr id="13" name="Rectangle 12">
+              <a:extLst>
+                <a:ext uri="{FF2B5EF4-FFF2-40B4-BE49-F238E27FC236}">
+                  <a16:creationId xmlns:a16="http://schemas.microsoft.com/office/drawing/2014/main" id="{CF7573B2-FDB7-41CD-8FE1-311DF7F4E7B3}"/>
+                </a:ext>
+              </a:extLst>
+            </p:cNvPr>
+            <p:cNvSpPr/>
+            <p:nvPr/>
+          </p:nvSpPr>
+          <p:spPr>
+            <a:xfrm>
+              <a:off x="210706" y="1148643"/>
+              <a:ext cx="3526415" cy="553998"/>
+            </a:xfrm>
+            <a:prstGeom prst="rect">
+              <a:avLst/>
+            </a:prstGeom>
+          </p:spPr>
+          <p:txBody>
+            <a:bodyPr wrap="none">
+              <a:spAutoFit/>
+            </a:bodyPr>
+            <a:lstStyle/>
+            <a:p>
+              <a:r>
+                <a:rPr lang="en-US" sz="3000" b="1" dirty="0">
+                  <a:solidFill>
+                    <a:schemeClr val="bg1"/>
+                  </a:solidFill>
+                  <a:latin typeface="Lato" charset="0"/>
+                </a:rPr>
+                <a:t>Aggregation Tasks</a:t>
+              </a:r>
+              <a:endParaRPr lang="en-US" sz="2400" b="1" dirty="0">
+                <a:solidFill>
+                  <a:schemeClr val="bg1"/>
+                </a:solidFill>
+                <a:latin typeface="Lato" charset="0"/>
+              </a:endParaRPr>
+            </a:p>
+          </p:txBody>
+        </p:sp>
+      </p:grpSp>
+      <p:sp>
+        <p:nvSpPr>
+          <p:cNvPr id="8" name="TextBox 7">
+            <a:extLst>
+              <a:ext uri="{FF2B5EF4-FFF2-40B4-BE49-F238E27FC236}">
+                <a16:creationId xmlns:a16="http://schemas.microsoft.com/office/drawing/2014/main" id="{C4728C7A-92DB-470B-B9B8-52D86CEDDDF8}"/>
+              </a:ext>
+            </a:extLst>
+          </p:cNvPr>
+          <p:cNvSpPr txBox="1"/>
+          <p:nvPr/>
+        </p:nvSpPr>
+        <p:spPr>
+          <a:xfrm>
+            <a:off x="196206" y="1797891"/>
+            <a:ext cx="11799587" cy="800219"/>
+          </a:xfrm>
+          <a:prstGeom prst="rect">
+            <a:avLst/>
+          </a:prstGeom>
+          <a:noFill/>
+        </p:spPr>
+        <p:txBody>
+          <a:bodyPr wrap="square" rtlCol="0">
+            <a:spAutoFit/>
+          </a:bodyPr>
+          <a:lstStyle/>
+          <a:p>
+            <a:r>
+              <a:rPr lang="en-US" b="1" dirty="0"/>
+              <a:t>6.	Let’s try and find some seasonality in this data</a:t>
+            </a:r>
+          </a:p>
+          <a:p>
+            <a:pPr marL="800100" lvl="1" indent="-342900">
+              <a:buAutoNum type="alphaLcParenR"/>
+            </a:pPr>
+            <a:r>
+              <a:rPr lang="en-US" sz="1400" b="1" dirty="0"/>
+              <a:t>First, divide the year into some number of seasons, and find frequencies of tickets for each season.</a:t>
+            </a:r>
+          </a:p>
+          <a:p>
+            <a:pPr marL="800100" lvl="1" indent="-342900">
+              <a:buAutoNum type="alphaLcParenR"/>
+            </a:pPr>
+            <a:r>
+              <a:rPr lang="en-US" sz="1400" b="1" dirty="0"/>
+              <a:t>Then, find the 3 most common violations for each of these season</a:t>
+            </a:r>
+            <a:endParaRPr lang="en-US" b="1" dirty="0">
+              <a:latin typeface="Lato"/>
+            </a:endParaRPr>
+          </a:p>
+        </p:txBody>
+      </p:sp>
+    </p:spTree>
+    <p:extLst>
+      <p:ext uri="{BB962C8B-B14F-4D97-AF65-F5344CB8AC3E}">
+        <p14:creationId xmlns:p14="http://schemas.microsoft.com/office/powerpoint/2010/main" val="2063804990"/>
+      </p:ext>
+    </p:extLst>
+  </p:cSld>
+  <p:clrMapOvr>
+    <a:masterClrMapping/>
+  </p:clrMapOvr>
+</p:sld>
+</file>
+
+<file path=ppt/slides/slide15.xml><?xml version="1.0" encoding="utf-8"?>
+<p:sld xmlns:a="http://schemas.openxmlformats.org/drawingml/2006/main" xmlns:r="http://schemas.openxmlformats.org/officeDocument/2006/relationships" xmlns:p="http://schemas.openxmlformats.org/presentationml/2006/main">
+  <p:cSld>
+    <p:spTree>
+      <p:nvGrpSpPr>
+        <p:cNvPr id="1" name=""/>
+        <p:cNvGrpSpPr/>
+        <p:nvPr/>
+      </p:nvGrpSpPr>
+      <p:grpSpPr>
+        <a:xfrm>
+          <a:off x="0" y="0"/>
+          <a:ext cx="0" cy="0"/>
+          <a:chOff x="0" y="0"/>
+          <a:chExt cx="0" cy="0"/>
+        </a:xfrm>
+      </p:grpSpPr>
+      <p:grpSp>
+        <p:nvGrpSpPr>
+          <p:cNvPr id="11" name="Group 10">
+            <a:extLst>
+              <a:ext uri="{FF2B5EF4-FFF2-40B4-BE49-F238E27FC236}">
+                <a16:creationId xmlns:a16="http://schemas.microsoft.com/office/drawing/2014/main" id="{EBBA25A6-360E-4B6F-B6E1-CF2014CF9962}"/>
+              </a:ext>
+            </a:extLst>
+          </p:cNvPr>
+          <p:cNvGrpSpPr/>
+          <p:nvPr/>
+        </p:nvGrpSpPr>
+        <p:grpSpPr>
+          <a:xfrm>
+            <a:off x="0" y="990600"/>
+            <a:ext cx="12192000" cy="807291"/>
+            <a:chOff x="0" y="895350"/>
+            <a:chExt cx="12192000" cy="807291"/>
+          </a:xfrm>
+        </p:grpSpPr>
+        <p:pic>
+          <p:nvPicPr>
+            <p:cNvPr id="12" name="Picture 11">
+              <a:extLst>
+                <a:ext uri="{FF2B5EF4-FFF2-40B4-BE49-F238E27FC236}">
+                  <a16:creationId xmlns:a16="http://schemas.microsoft.com/office/drawing/2014/main" id="{1152C58B-7A3D-453B-BEF5-0D6A80241D16}"/>
+                </a:ext>
+              </a:extLst>
+            </p:cNvPr>
+            <p:cNvPicPr>
+              <a:picLocks noChangeAspect="1"/>
+            </p:cNvPicPr>
+            <p:nvPr/>
+          </p:nvPicPr>
+          <p:blipFill>
+            <a:blip r:embed="rId2">
+              <a:extLst>
+                <a:ext uri="{28A0092B-C50C-407E-A947-70E740481C1C}">
+                  <a14:useLocalDpi xmlns:a14="http://schemas.microsoft.com/office/drawing/2010/main" val="0"/>
+                </a:ext>
+              </a:extLst>
+            </a:blip>
+            <a:stretch>
+              <a:fillRect/>
+            </a:stretch>
+          </p:blipFill>
+          <p:spPr>
+            <a:xfrm>
+              <a:off x="0" y="895350"/>
+              <a:ext cx="12192000" cy="807291"/>
+            </a:xfrm>
+            <a:prstGeom prst="rect">
+              <a:avLst/>
+            </a:prstGeom>
+          </p:spPr>
+        </p:pic>
+        <p:sp>
+          <p:nvSpPr>
+            <p:cNvPr id="13" name="Rectangle 12">
+              <a:extLst>
+                <a:ext uri="{FF2B5EF4-FFF2-40B4-BE49-F238E27FC236}">
+                  <a16:creationId xmlns:a16="http://schemas.microsoft.com/office/drawing/2014/main" id="{CF7573B2-FDB7-41CD-8FE1-311DF7F4E7B3}"/>
+                </a:ext>
+              </a:extLst>
+            </p:cNvPr>
+            <p:cNvSpPr/>
+            <p:nvPr/>
+          </p:nvSpPr>
+          <p:spPr>
+            <a:xfrm>
+              <a:off x="210706" y="1148643"/>
+              <a:ext cx="3526415" cy="553998"/>
+            </a:xfrm>
+            <a:prstGeom prst="rect">
+              <a:avLst/>
+            </a:prstGeom>
+          </p:spPr>
+          <p:txBody>
+            <a:bodyPr wrap="none">
+              <a:spAutoFit/>
+            </a:bodyPr>
+            <a:lstStyle/>
+            <a:p>
+              <a:r>
+                <a:rPr lang="en-US" sz="3000" b="1" dirty="0">
+                  <a:solidFill>
+                    <a:schemeClr val="bg1"/>
+                  </a:solidFill>
+                  <a:latin typeface="Lato" charset="0"/>
+                </a:rPr>
+                <a:t>Aggregation Tasks</a:t>
+              </a:r>
+              <a:endParaRPr lang="en-US" sz="2400" b="1" dirty="0">
+                <a:solidFill>
+                  <a:schemeClr val="bg1"/>
+                </a:solidFill>
+                <a:latin typeface="Lato" charset="0"/>
+              </a:endParaRPr>
+            </a:p>
+          </p:txBody>
+        </p:sp>
+      </p:grpSp>
+      <p:sp>
+        <p:nvSpPr>
+          <p:cNvPr id="8" name="TextBox 7">
+            <a:extLst>
+              <a:ext uri="{FF2B5EF4-FFF2-40B4-BE49-F238E27FC236}">
+                <a16:creationId xmlns:a16="http://schemas.microsoft.com/office/drawing/2014/main" id="{C4728C7A-92DB-470B-B9B8-52D86CEDDDF8}"/>
+              </a:ext>
+            </a:extLst>
+          </p:cNvPr>
+          <p:cNvSpPr txBox="1"/>
+          <p:nvPr/>
+        </p:nvSpPr>
+        <p:spPr>
+          <a:xfrm>
+            <a:off x="196206" y="1797891"/>
+            <a:ext cx="11799587" cy="2215991"/>
+          </a:xfrm>
+          <a:prstGeom prst="rect">
+            <a:avLst/>
+          </a:prstGeom>
+          <a:noFill/>
+        </p:spPr>
+        <p:txBody>
+          <a:bodyPr wrap="square" rtlCol="0">
+            <a:spAutoFit/>
+          </a:bodyPr>
+          <a:lstStyle/>
+          <a:p>
+            <a:r>
+              <a:rPr lang="en-US" b="1" dirty="0"/>
+              <a:t>6.	The fines collected from all the parking violation constitute a revenue source for the NYC police department. Let’s 	take an example of estimating that for the 3 most commonly occurring codes.</a:t>
+            </a:r>
+          </a:p>
+          <a:p>
+            <a:pPr marL="800100" lvl="1" indent="-342900">
+              <a:buFontTx/>
+              <a:buAutoNum type="alphaLcParenR"/>
+            </a:pPr>
+            <a:r>
+              <a:rPr lang="en-US" sz="1400" b="1" dirty="0"/>
+              <a:t>Find total occurrences of the 3 most common violation code</a:t>
+            </a:r>
+          </a:p>
+          <a:p>
+            <a:pPr marL="800100" lvl="1" indent="-342900">
+              <a:buFontTx/>
+              <a:buAutoNum type="alphaLcParenR"/>
+            </a:pPr>
+            <a:r>
+              <a:rPr lang="en-US" sz="1400" b="1" dirty="0"/>
+              <a:t>Then, search the internet for NYC parking violation code fines. You will find a website (on the nyc.gov URL) that lists these fines. They’re divided into two categories, one for the highest-density locations of the city, the other for the rest of the city. For simplicity, take an average of the two. </a:t>
+            </a:r>
+          </a:p>
+          <a:p>
+            <a:pPr marL="800100" lvl="1" indent="-342900">
+              <a:buFontTx/>
+              <a:buAutoNum type="alphaLcParenR"/>
+            </a:pPr>
+            <a:r>
+              <a:rPr lang="en-US" sz="1400" b="1" dirty="0"/>
+              <a:t>Using this information, find the total amount collected for all of the fines. State the code which has the highest total collection. </a:t>
+            </a:r>
+          </a:p>
+          <a:p>
+            <a:pPr marL="800100" lvl="1" indent="-342900">
+              <a:buFontTx/>
+              <a:buAutoNum type="alphaLcParenR"/>
+            </a:pPr>
+            <a:r>
+              <a:rPr lang="en-US" sz="1400" b="1" dirty="0"/>
+              <a:t>What can you intuitively infer from these findings?</a:t>
+            </a:r>
+          </a:p>
+          <a:p>
+            <a:pPr marL="800100" lvl="1" indent="-342900">
+              <a:buFontTx/>
+              <a:buAutoNum type="alphaLcParenR"/>
+            </a:pPr>
+            <a:endParaRPr lang="en-US" sz="1400" b="1" dirty="0"/>
+          </a:p>
+          <a:p>
+            <a:pPr marL="800100" lvl="1" indent="-342900">
+              <a:buAutoNum type="alphaLcParenR"/>
+            </a:pPr>
+            <a:endParaRPr lang="en-US" b="1" dirty="0">
+              <a:latin typeface="Lato"/>
+            </a:endParaRPr>
+          </a:p>
+        </p:txBody>
+      </p:sp>
+    </p:spTree>
+    <p:extLst>
+      <p:ext uri="{BB962C8B-B14F-4D97-AF65-F5344CB8AC3E}">
+        <p14:creationId xmlns:p14="http://schemas.microsoft.com/office/powerpoint/2010/main" val="2215763449"/>
       </p:ext>
     </p:extLst>
   </p:cSld>
@@ -4846,10 +5491,10 @@
       </p:grpSpPr>
       <p:pic>
         <p:nvPicPr>
-          <p:cNvPr id="6" name="Picture 5">
+          <p:cNvPr id="3" name="Picture 2">
             <a:extLst>
               <a:ext uri="{FF2B5EF4-FFF2-40B4-BE49-F238E27FC236}">
-                <a16:creationId xmlns:a16="http://schemas.microsoft.com/office/drawing/2014/main" id="{BBFF3EA0-AC66-4359-BDA4-E2C2C89A47CD}"/>
+                <a16:creationId xmlns:a16="http://schemas.microsoft.com/office/drawing/2014/main" id="{754D45CD-10F4-4A51-9F17-F230168F9198}"/>
               </a:ext>
             </a:extLst>
           </p:cNvPr>
@@ -4859,120 +5504,15 @@
           <p:nvPr/>
         </p:nvPicPr>
         <p:blipFill>
-          <a:blip r:embed="rId2">
-            <a:extLst>
-              <a:ext uri="{28A0092B-C50C-407E-A947-70E740481C1C}">
-                <a14:useLocalDpi xmlns:a14="http://schemas.microsoft.com/office/drawing/2010/main" val="0"/>
-              </a:ext>
-            </a:extLst>
-          </a:blip>
+          <a:blip r:embed="rId2"/>
           <a:stretch>
             <a:fillRect/>
           </a:stretch>
         </p:blipFill>
         <p:spPr>
           <a:xfrm>
-            <a:off x="0" y="895350"/>
-            <a:ext cx="12192000" cy="807291"/>
-          </a:xfrm>
-          <a:prstGeom prst="rect">
-            <a:avLst/>
-          </a:prstGeom>
-        </p:spPr>
-      </p:pic>
-      <p:sp>
-        <p:nvSpPr>
-          <p:cNvPr id="9" name="Rectangle 8">
-            <a:extLst>
-              <a:ext uri="{FF2B5EF4-FFF2-40B4-BE49-F238E27FC236}">
-                <a16:creationId xmlns:a16="http://schemas.microsoft.com/office/drawing/2014/main" id="{7E0C540B-58B3-4E69-B5EF-11090BB39535}"/>
-              </a:ext>
-            </a:extLst>
-          </p:cNvPr>
-          <p:cNvSpPr/>
-          <p:nvPr/>
-        </p:nvSpPr>
-        <p:spPr>
-          <a:xfrm>
-            <a:off x="210705" y="1148643"/>
-            <a:ext cx="11729249" cy="553998"/>
-          </a:xfrm>
-          <a:prstGeom prst="rect">
-            <a:avLst/>
-          </a:prstGeom>
-        </p:spPr>
-        <p:txBody>
-          <a:bodyPr wrap="square">
-            <a:spAutoFit/>
-          </a:bodyPr>
-          <a:lstStyle/>
-          <a:p>
-            <a:r>
-              <a:rPr lang="en-US" sz="2800" b="1" dirty="0">
-                <a:solidFill>
-                  <a:schemeClr val="bg1"/>
-                </a:solidFill>
-                <a:latin typeface="Lato" charset="0"/>
-              </a:rPr>
-              <a:t>S3 Bucket: Deepak </a:t>
-            </a:r>
-            <a:r>
-              <a:rPr lang="en-US" sz="2800" b="1" dirty="0" err="1">
-                <a:solidFill>
-                  <a:schemeClr val="bg1"/>
-                </a:solidFill>
-                <a:latin typeface="Lato" charset="0"/>
-              </a:rPr>
-              <a:t>Aneja</a:t>
-            </a:r>
-            <a:r>
-              <a:rPr lang="en-US" sz="3000" b="1" dirty="0">
-                <a:solidFill>
-                  <a:schemeClr val="bg1"/>
-                </a:solidFill>
-                <a:latin typeface="Lato" charset="0"/>
-              </a:rPr>
-              <a:t> </a:t>
-            </a:r>
-            <a:r>
-              <a:rPr lang="en-US" sz="1400" dirty="0">
-                <a:solidFill>
-                  <a:schemeClr val="bg1"/>
-                </a:solidFill>
-              </a:rPr>
-              <a:t>(Bucket Path: s3://???????/nyc-parking-case-study/)</a:t>
-            </a:r>
-            <a:endParaRPr lang="en-US" sz="2400" b="1" dirty="0">
-              <a:solidFill>
-                <a:schemeClr val="bg1"/>
-              </a:solidFill>
-              <a:latin typeface="Lato" charset="0"/>
-            </a:endParaRPr>
-          </a:p>
-        </p:txBody>
-      </p:sp>
-      <p:pic>
-        <p:nvPicPr>
-          <p:cNvPr id="7" name="Picture 6">
-            <a:extLst>
-              <a:ext uri="{FF2B5EF4-FFF2-40B4-BE49-F238E27FC236}">
-                <a16:creationId xmlns:a16="http://schemas.microsoft.com/office/drawing/2014/main" id="{E5CCA517-41F6-46C3-A508-8FA179E87B26}"/>
-              </a:ext>
-            </a:extLst>
-          </p:cNvPr>
-          <p:cNvPicPr/>
-          <p:nvPr/>
-        </p:nvPicPr>
-        <p:blipFill>
-          <a:blip r:embed="rId3"/>
-          <a:stretch>
-            <a:fillRect/>
-          </a:stretch>
-        </p:blipFill>
-        <p:spPr>
-          <a:xfrm>
             <a:off x="691515" y="1955934"/>
-            <a:ext cx="10808970" cy="4529043"/>
+            <a:ext cx="10808970" cy="4496819"/>
           </a:xfrm>
           <a:prstGeom prst="rect">
             <a:avLst/>
@@ -4989,6 +5529,113 @@
           </a:effectLst>
         </p:spPr>
       </p:pic>
+      <p:pic>
+        <p:nvPicPr>
+          <p:cNvPr id="6" name="Picture 5">
+            <a:extLst>
+              <a:ext uri="{FF2B5EF4-FFF2-40B4-BE49-F238E27FC236}">
+                <a16:creationId xmlns:a16="http://schemas.microsoft.com/office/drawing/2014/main" id="{BBFF3EA0-AC66-4359-BDA4-E2C2C89A47CD}"/>
+              </a:ext>
+            </a:extLst>
+          </p:cNvPr>
+          <p:cNvPicPr>
+            <a:picLocks noChangeAspect="1"/>
+          </p:cNvPicPr>
+          <p:nvPr/>
+        </p:nvPicPr>
+        <p:blipFill>
+          <a:blip r:embed="rId3">
+            <a:extLst>
+              <a:ext uri="{28A0092B-C50C-407E-A947-70E740481C1C}">
+                <a14:useLocalDpi xmlns:a14="http://schemas.microsoft.com/office/drawing/2010/main" val="0"/>
+              </a:ext>
+            </a:extLst>
+          </a:blip>
+          <a:stretch>
+            <a:fillRect/>
+          </a:stretch>
+        </p:blipFill>
+        <p:spPr>
+          <a:xfrm>
+            <a:off x="0" y="895350"/>
+            <a:ext cx="12192000" cy="807291"/>
+          </a:xfrm>
+          <a:prstGeom prst="rect">
+            <a:avLst/>
+          </a:prstGeom>
+        </p:spPr>
+      </p:pic>
+      <p:sp>
+        <p:nvSpPr>
+          <p:cNvPr id="9" name="Rectangle 8">
+            <a:extLst>
+              <a:ext uri="{FF2B5EF4-FFF2-40B4-BE49-F238E27FC236}">
+                <a16:creationId xmlns:a16="http://schemas.microsoft.com/office/drawing/2014/main" id="{7E0C540B-58B3-4E69-B5EF-11090BB39535}"/>
+              </a:ext>
+            </a:extLst>
+          </p:cNvPr>
+          <p:cNvSpPr/>
+          <p:nvPr/>
+        </p:nvSpPr>
+        <p:spPr>
+          <a:xfrm>
+            <a:off x="210705" y="1148643"/>
+            <a:ext cx="11729249" cy="553998"/>
+          </a:xfrm>
+          <a:prstGeom prst="rect">
+            <a:avLst/>
+          </a:prstGeom>
+        </p:spPr>
+        <p:txBody>
+          <a:bodyPr wrap="square">
+            <a:spAutoFit/>
+          </a:bodyPr>
+          <a:lstStyle/>
+          <a:p>
+            <a:r>
+              <a:rPr lang="en-US" sz="2800" b="1" dirty="0">
+                <a:solidFill>
+                  <a:schemeClr val="bg1"/>
+                </a:solidFill>
+                <a:latin typeface="Lato" charset="0"/>
+              </a:rPr>
+              <a:t>S3 Bucket: Deepak </a:t>
+            </a:r>
+            <a:r>
+              <a:rPr lang="en-US" sz="2800" b="1" dirty="0" err="1">
+                <a:solidFill>
+                  <a:schemeClr val="bg1"/>
+                </a:solidFill>
+                <a:latin typeface="Lato" charset="0"/>
+              </a:rPr>
+              <a:t>Aneja</a:t>
+            </a:r>
+            <a:r>
+              <a:rPr lang="en-US" sz="3000" b="1" dirty="0">
+                <a:solidFill>
+                  <a:schemeClr val="bg1"/>
+                </a:solidFill>
+                <a:latin typeface="Lato" charset="0"/>
+              </a:rPr>
+              <a:t> </a:t>
+            </a:r>
+            <a:r>
+              <a:rPr lang="en-US" sz="1400" dirty="0">
+                <a:solidFill>
+                  <a:schemeClr val="bg1"/>
+                </a:solidFill>
+              </a:rPr>
+              <a:t>(Bucket Path: s3://ds-bigdata-analytics/BigdataAssign/nyc-parking-case-study/)</a:t>
+            </a:r>
+            <a:endParaRPr lang="en-US" sz="2400" b="1" dirty="0">
+              <a:solidFill>
+                <a:schemeClr val="bg1"/>
+              </a:solidFill>
+              <a:latin typeface="Lato" charset="0"/>
+            </a:endParaRPr>
+          </a:p>
+        </p:txBody>
+      </p:sp>
       <p:sp>
         <p:nvSpPr>
           <p:cNvPr id="2" name="TextBox 1">
@@ -5060,6 +5707,36 @@
       </p:grpSpPr>
       <p:pic>
         <p:nvPicPr>
+          <p:cNvPr id="3" name="Picture 2">
+            <a:extLst>
+              <a:ext uri="{FF2B5EF4-FFF2-40B4-BE49-F238E27FC236}">
+                <a16:creationId xmlns:a16="http://schemas.microsoft.com/office/drawing/2014/main" id="{096350DA-12C2-450A-ADA5-788747612993}"/>
+              </a:ext>
+            </a:extLst>
+          </p:cNvPr>
+          <p:cNvPicPr>
+            <a:picLocks noChangeAspect="1"/>
+          </p:cNvPicPr>
+          <p:nvPr/>
+        </p:nvPicPr>
+        <p:blipFill>
+          <a:blip r:embed="rId2"/>
+          <a:stretch>
+            <a:fillRect/>
+          </a:stretch>
+        </p:blipFill>
+        <p:spPr>
+          <a:xfrm>
+            <a:off x="691515" y="1955933"/>
+            <a:ext cx="10808970" cy="4529043"/>
+          </a:xfrm>
+          <a:prstGeom prst="rect">
+            <a:avLst/>
+          </a:prstGeom>
+        </p:spPr>
+      </p:pic>
+      <p:pic>
+        <p:nvPicPr>
           <p:cNvPr id="6" name="Picture 5">
             <a:extLst>
               <a:ext uri="{FF2B5EF4-FFF2-40B4-BE49-F238E27FC236}">
@@ -5073,7 +5750,7 @@
           <p:nvPr/>
         </p:nvPicPr>
         <p:blipFill>
-          <a:blip r:embed="rId2">
+          <a:blip r:embed="rId3">
             <a:extLst>
               <a:ext uri="{28A0092B-C50C-407E-A947-70E740481C1C}">
                 <a14:useLocalDpi xmlns:a14="http://schemas.microsoft.com/office/drawing/2010/main" val="0"/>
@@ -5165,44 +5842,6 @@
           </a:p>
         </p:txBody>
       </p:sp>
-      <p:pic>
-        <p:nvPicPr>
-          <p:cNvPr id="7" name="Picture 6">
-            <a:extLst>
-              <a:ext uri="{FF2B5EF4-FFF2-40B4-BE49-F238E27FC236}">
-                <a16:creationId xmlns:a16="http://schemas.microsoft.com/office/drawing/2014/main" id="{E5CCA517-41F6-46C3-A508-8FA179E87B26}"/>
-              </a:ext>
-            </a:extLst>
-          </p:cNvPr>
-          <p:cNvPicPr/>
-          <p:nvPr/>
-        </p:nvPicPr>
-        <p:blipFill>
-          <a:blip r:embed="rId3"/>
-          <a:stretch>
-            <a:fillRect/>
-          </a:stretch>
-        </p:blipFill>
-        <p:spPr>
-          <a:xfrm>
-            <a:off x="691515" y="1955934"/>
-            <a:ext cx="10808970" cy="4529043"/>
-          </a:xfrm>
-          <a:prstGeom prst="rect">
-            <a:avLst/>
-          </a:prstGeom>
-          <a:ln>
-            <a:noFill/>
-          </a:ln>
-          <a:effectLst>
-            <a:outerShdw blurRad="292100" dist="139700" dir="2700000" algn="tl" rotWithShape="0">
-              <a:srgbClr val="333333">
-                <a:alpha val="65000"/>
-              </a:srgbClr>
-            </a:outerShdw>
-          </a:effectLst>
-        </p:spPr>
-      </p:pic>
       <p:sp>
         <p:nvSpPr>
           <p:cNvPr id="2" name="TextBox 1">
@@ -5279,14 +5918,16 @@
       </p:grpSpPr>
       <p:pic>
         <p:nvPicPr>
-          <p:cNvPr id="8" name="Picture 7">
+          <p:cNvPr id="3" name="Picture 2">
             <a:extLst>
               <a:ext uri="{FF2B5EF4-FFF2-40B4-BE49-F238E27FC236}">
-                <a16:creationId xmlns:a16="http://schemas.microsoft.com/office/drawing/2014/main" id="{D01B0929-748E-4980-AB2A-EB153FA3585F}"/>
+                <a16:creationId xmlns:a16="http://schemas.microsoft.com/office/drawing/2014/main" id="{CA724003-3AE3-4C66-88E7-65645D614758}"/>
               </a:ext>
             </a:extLst>
           </p:cNvPr>
-          <p:cNvPicPr/>
+          <p:cNvPicPr>
+            <a:picLocks noChangeAspect="1"/>
+          </p:cNvPicPr>
           <p:nvPr/>
         </p:nvPicPr>
         <p:blipFill>
@@ -5484,10 +6125,10 @@
       </p:grpSpPr>
       <p:pic>
         <p:nvPicPr>
-          <p:cNvPr id="6" name="Picture 5">
+          <p:cNvPr id="3" name="Picture 2">
             <a:extLst>
               <a:ext uri="{FF2B5EF4-FFF2-40B4-BE49-F238E27FC236}">
-                <a16:creationId xmlns:a16="http://schemas.microsoft.com/office/drawing/2014/main" id="{BBFF3EA0-AC66-4359-BDA4-E2C2C89A47CD}"/>
+                <a16:creationId xmlns:a16="http://schemas.microsoft.com/office/drawing/2014/main" id="{F18CD155-FF8D-436D-8F7C-BA3DAD495EC6}"/>
               </a:ext>
             </a:extLst>
           </p:cNvPr>
@@ -5497,94 +6138,7 @@
           <p:nvPr/>
         </p:nvPicPr>
         <p:blipFill>
-          <a:blip r:embed="rId2">
-            <a:extLst>
-              <a:ext uri="{28A0092B-C50C-407E-A947-70E740481C1C}">
-                <a14:useLocalDpi xmlns:a14="http://schemas.microsoft.com/office/drawing/2010/main" val="0"/>
-              </a:ext>
-            </a:extLst>
-          </a:blip>
-          <a:stretch>
-            <a:fillRect/>
-          </a:stretch>
-        </p:blipFill>
-        <p:spPr>
-          <a:xfrm>
-            <a:off x="0" y="895350"/>
-            <a:ext cx="12192000" cy="807291"/>
-          </a:xfrm>
-          <a:prstGeom prst="rect">
-            <a:avLst/>
-          </a:prstGeom>
-        </p:spPr>
-      </p:pic>
-      <p:sp>
-        <p:nvSpPr>
-          <p:cNvPr id="9" name="Rectangle 8">
-            <a:extLst>
-              <a:ext uri="{FF2B5EF4-FFF2-40B4-BE49-F238E27FC236}">
-                <a16:creationId xmlns:a16="http://schemas.microsoft.com/office/drawing/2014/main" id="{7E0C540B-58B3-4E69-B5EF-11090BB39535}"/>
-              </a:ext>
-            </a:extLst>
-          </p:cNvPr>
-          <p:cNvSpPr/>
-          <p:nvPr/>
-        </p:nvSpPr>
-        <p:spPr>
-          <a:xfrm>
-            <a:off x="210705" y="1148643"/>
-            <a:ext cx="11729249" cy="523220"/>
-          </a:xfrm>
-          <a:prstGeom prst="rect">
-            <a:avLst/>
-          </a:prstGeom>
-        </p:spPr>
-        <p:txBody>
-          <a:bodyPr wrap="square">
-            <a:spAutoFit/>
-          </a:bodyPr>
-          <a:lstStyle/>
-          <a:p>
-            <a:r>
-              <a:rPr lang="en-US" sz="2800" b="1" dirty="0">
-                <a:solidFill>
-                  <a:schemeClr val="bg1"/>
-                </a:solidFill>
-                <a:latin typeface="Lato" charset="0"/>
-              </a:rPr>
-              <a:t>S3 Bucket: Fayiz Mayam Veettil </a:t>
-            </a:r>
-            <a:r>
-              <a:rPr lang="en-US" sz="1400" dirty="0">
-                <a:solidFill>
-                  <a:schemeClr val="bg1"/>
-                </a:solidFill>
-              </a:rPr>
-              <a:t>(Bucket Path: s3://fayiz-bigdata-assignment/nyc-parking-case-study/)</a:t>
-            </a:r>
-            <a:endParaRPr lang="en-US" sz="2400" b="1" dirty="0">
-              <a:solidFill>
-                <a:schemeClr val="bg1"/>
-              </a:solidFill>
-              <a:latin typeface="Lato" charset="0"/>
-            </a:endParaRPr>
-          </a:p>
-        </p:txBody>
-      </p:sp>
-      <p:pic>
-        <p:nvPicPr>
-          <p:cNvPr id="7" name="Picture 6">
-            <a:extLst>
-              <a:ext uri="{FF2B5EF4-FFF2-40B4-BE49-F238E27FC236}">
-                <a16:creationId xmlns:a16="http://schemas.microsoft.com/office/drawing/2014/main" id="{E5CCA517-41F6-46C3-A508-8FA179E87B26}"/>
-              </a:ext>
-            </a:extLst>
-          </p:cNvPr>
-          <p:cNvPicPr/>
-          <p:nvPr/>
-        </p:nvPicPr>
-        <p:blipFill>
-          <a:blip r:embed="rId3"/>
+          <a:blip r:embed="rId2"/>
           <a:stretch>
             <a:fillRect/>
           </a:stretch>
@@ -5609,6 +6163,95 @@
           </a:effectLst>
         </p:spPr>
       </p:pic>
+      <p:pic>
+        <p:nvPicPr>
+          <p:cNvPr id="6" name="Picture 5">
+            <a:extLst>
+              <a:ext uri="{FF2B5EF4-FFF2-40B4-BE49-F238E27FC236}">
+                <a16:creationId xmlns:a16="http://schemas.microsoft.com/office/drawing/2014/main" id="{BBFF3EA0-AC66-4359-BDA4-E2C2C89A47CD}"/>
+              </a:ext>
+            </a:extLst>
+          </p:cNvPr>
+          <p:cNvPicPr>
+            <a:picLocks noChangeAspect="1"/>
+          </p:cNvPicPr>
+          <p:nvPr/>
+        </p:nvPicPr>
+        <p:blipFill>
+          <a:blip r:embed="rId3">
+            <a:extLst>
+              <a:ext uri="{28A0092B-C50C-407E-A947-70E740481C1C}">
+                <a14:useLocalDpi xmlns:a14="http://schemas.microsoft.com/office/drawing/2010/main" val="0"/>
+              </a:ext>
+            </a:extLst>
+          </a:blip>
+          <a:stretch>
+            <a:fillRect/>
+          </a:stretch>
+        </p:blipFill>
+        <p:spPr>
+          <a:xfrm>
+            <a:off x="0" y="895350"/>
+            <a:ext cx="12192000" cy="807291"/>
+          </a:xfrm>
+          <a:prstGeom prst="rect">
+            <a:avLst/>
+          </a:prstGeom>
+        </p:spPr>
+      </p:pic>
+      <p:sp>
+        <p:nvSpPr>
+          <p:cNvPr id="9" name="Rectangle 8">
+            <a:extLst>
+              <a:ext uri="{FF2B5EF4-FFF2-40B4-BE49-F238E27FC236}">
+                <a16:creationId xmlns:a16="http://schemas.microsoft.com/office/drawing/2014/main" id="{7E0C540B-58B3-4E69-B5EF-11090BB39535}"/>
+              </a:ext>
+            </a:extLst>
+          </p:cNvPr>
+          <p:cNvSpPr/>
+          <p:nvPr/>
+        </p:nvSpPr>
+        <p:spPr>
+          <a:xfrm>
+            <a:off x="210705" y="1148643"/>
+            <a:ext cx="11729249" cy="523220"/>
+          </a:xfrm>
+          <a:prstGeom prst="rect">
+            <a:avLst/>
+          </a:prstGeom>
+        </p:spPr>
+        <p:txBody>
+          <a:bodyPr wrap="square">
+            <a:spAutoFit/>
+          </a:bodyPr>
+          <a:lstStyle/>
+          <a:p>
+            <a:r>
+              <a:rPr lang="en-US" sz="2800" b="1" dirty="0">
+                <a:solidFill>
+                  <a:schemeClr val="bg1"/>
+                </a:solidFill>
+                <a:latin typeface="Lato" charset="0"/>
+              </a:rPr>
+              <a:t>S3 Bucket: Fayiz Mayam Veettil </a:t>
+            </a:r>
+            <a:r>
+              <a:rPr lang="en-US" sz="1400" dirty="0">
+                <a:solidFill>
+                  <a:schemeClr val="bg1"/>
+                </a:solidFill>
+              </a:rPr>
+              <a:t>(Bucket Path: s3://fayiz-bigdata-assignment/nyc-parking-case-study/)</a:t>
+            </a:r>
+            <a:endParaRPr lang="en-US" sz="2400" b="1" dirty="0">
+              <a:solidFill>
+                <a:schemeClr val="bg1"/>
+              </a:solidFill>
+              <a:latin typeface="Lato" charset="0"/>
+            </a:endParaRPr>
+          </a:p>
+        </p:txBody>
+      </p:sp>
       <p:sp>
         <p:nvSpPr>
           <p:cNvPr id="2" name="TextBox 1">
@@ -6097,6 +6740,16 @@
           <a:prstGeom prst="rect">
             <a:avLst/>
           </a:prstGeom>
+          <a:ln>
+            <a:noFill/>
+          </a:ln>
+          <a:effectLst>
+            <a:outerShdw blurRad="292100" dist="139700" dir="2700000" algn="tl" rotWithShape="0">
+              <a:srgbClr val="333333">
+                <a:alpha val="65000"/>
+              </a:srgbClr>
+            </a:outerShdw>
+          </a:effectLst>
         </p:spPr>
       </p:pic>
       <p:sp>
@@ -6114,7 +6767,7 @@
         <p:spPr>
           <a:xfrm>
             <a:off x="210706" y="3296826"/>
-            <a:ext cx="11386194" cy="646331"/>
+            <a:ext cx="11386194" cy="566886"/>
           </a:xfrm>
           <a:prstGeom prst="rect">
             <a:avLst/>
@@ -6134,7 +6787,7 @@
             </a:pPr>
             <a:r>
               <a:rPr lang="en-US" b="1" dirty="0"/>
-              <a:t>2. How often does each vehicle body type get a parking ticket? How about the vehicle make? (find the top 5 for both)</a:t>
+              <a:t>2. Find out how many unique states the cars which got parking tickets came from.</a:t>
             </a:r>
             <a:endParaRPr lang="en-US" b="1" dirty="0">
               <a:latin typeface="Lato"/>
@@ -6170,6 +6823,16 @@
           <a:prstGeom prst="rect">
             <a:avLst/>
           </a:prstGeom>
+          <a:ln>
+            <a:noFill/>
+          </a:ln>
+          <a:effectLst>
+            <a:outerShdw blurRad="292100" dist="139700" dir="2700000" algn="tl" rotWithShape="0">
+              <a:srgbClr val="333333">
+                <a:alpha val="65000"/>
+              </a:srgbClr>
+            </a:outerShdw>
+          </a:effectLst>
         </p:spPr>
       </p:pic>
       <p:sp>
@@ -6186,7 +6849,7 @@
         </p:nvSpPr>
         <p:spPr>
           <a:xfrm>
-            <a:off x="210706" y="4763103"/>
+            <a:off x="210705" y="4857472"/>
             <a:ext cx="11981295" cy="646331"/>
           </a:xfrm>
           <a:prstGeom prst="rect">
@@ -6243,6 +6906,16 @@
           <a:prstGeom prst="rect">
             <a:avLst/>
           </a:prstGeom>
+          <a:ln>
+            <a:noFill/>
+          </a:ln>
+          <a:effectLst>
+            <a:outerShdw blurRad="292100" dist="139700" dir="2700000" algn="tl" rotWithShape="0">
+              <a:srgbClr val="333333">
+                <a:alpha val="65000"/>
+              </a:srgbClr>
+            </a:outerShdw>
+          </a:effectLst>
         </p:spPr>
       </p:pic>
     </p:spTree>
@@ -6420,66 +7093,107 @@
           </a:p>
         </p:txBody>
       </p:sp>
-      <p:pic>
-        <p:nvPicPr>
-          <p:cNvPr id="3" name="Picture 2">
+      <p:grpSp>
+        <p:nvGrpSpPr>
+          <p:cNvPr id="2" name="Group 1">
             <a:extLst>
               <a:ext uri="{FF2B5EF4-FFF2-40B4-BE49-F238E27FC236}">
-                <a16:creationId xmlns:a16="http://schemas.microsoft.com/office/drawing/2014/main" id="{2D28BA86-3D20-4613-BEFE-B365781E206F}"/>
+                <a16:creationId xmlns:a16="http://schemas.microsoft.com/office/drawing/2014/main" id="{84D04E1B-C02F-44E1-AF7A-AFFE0C7AD69E}"/>
               </a:ext>
             </a:extLst>
           </p:cNvPr>
-          <p:cNvPicPr>
-            <a:picLocks noChangeAspect="1"/>
-          </p:cNvPicPr>
+          <p:cNvGrpSpPr/>
           <p:nvPr/>
-        </p:nvPicPr>
-        <p:blipFill>
-          <a:blip r:embed="rId3"/>
-          <a:stretch>
-            <a:fillRect/>
-          </a:stretch>
-        </p:blipFill>
-        <p:spPr>
+        </p:nvGrpSpPr>
+        <p:grpSpPr>
           <a:xfrm>
             <a:off x="1647825" y="2566987"/>
-            <a:ext cx="8896350" cy="1724025"/>
-          </a:xfrm>
-          <a:prstGeom prst="rect">
-            <a:avLst/>
-          </a:prstGeom>
-        </p:spPr>
-      </p:pic>
-      <p:pic>
-        <p:nvPicPr>
-          <p:cNvPr id="4" name="Picture 3">
-            <a:extLst>
-              <a:ext uri="{FF2B5EF4-FFF2-40B4-BE49-F238E27FC236}">
-                <a16:creationId xmlns:a16="http://schemas.microsoft.com/office/drawing/2014/main" id="{795D05AD-FBB5-4BBA-947A-4E96E06A463D}"/>
-              </a:ext>
-            </a:extLst>
-          </p:cNvPr>
-          <p:cNvPicPr>
-            <a:picLocks noChangeAspect="1"/>
-          </p:cNvPicPr>
-          <p:nvPr/>
-        </p:nvPicPr>
-        <p:blipFill>
-          <a:blip r:embed="rId4"/>
-          <a:stretch>
-            <a:fillRect/>
-          </a:stretch>
-        </p:blipFill>
-        <p:spPr>
-          <a:xfrm>
-            <a:off x="4048125" y="4519612"/>
-            <a:ext cx="4095750" cy="1685925"/>
-          </a:xfrm>
-          <a:prstGeom prst="rect">
-            <a:avLst/>
-          </a:prstGeom>
-        </p:spPr>
-      </p:pic>
+            <a:ext cx="8896350" cy="3638550"/>
+            <a:chOff x="1647825" y="2566987"/>
+            <a:chExt cx="8896350" cy="3638550"/>
+          </a:xfrm>
+        </p:grpSpPr>
+        <p:pic>
+          <p:nvPicPr>
+            <p:cNvPr id="3" name="Picture 2">
+              <a:extLst>
+                <a:ext uri="{FF2B5EF4-FFF2-40B4-BE49-F238E27FC236}">
+                  <a16:creationId xmlns:a16="http://schemas.microsoft.com/office/drawing/2014/main" id="{2D28BA86-3D20-4613-BEFE-B365781E206F}"/>
+                </a:ext>
+              </a:extLst>
+            </p:cNvPr>
+            <p:cNvPicPr>
+              <a:picLocks noChangeAspect="1"/>
+            </p:cNvPicPr>
+            <p:nvPr/>
+          </p:nvPicPr>
+          <p:blipFill>
+            <a:blip r:embed="rId3"/>
+            <a:stretch>
+              <a:fillRect/>
+            </a:stretch>
+          </p:blipFill>
+          <p:spPr>
+            <a:xfrm>
+              <a:off x="1647825" y="2566987"/>
+              <a:ext cx="8896350" cy="1724025"/>
+            </a:xfrm>
+            <a:prstGeom prst="rect">
+              <a:avLst/>
+            </a:prstGeom>
+            <a:ln>
+              <a:noFill/>
+            </a:ln>
+            <a:effectLst>
+              <a:outerShdw blurRad="292100" dist="139700" dir="2700000" algn="tl" rotWithShape="0">
+                <a:srgbClr val="333333">
+                  <a:alpha val="65000"/>
+                </a:srgbClr>
+              </a:outerShdw>
+            </a:effectLst>
+          </p:spPr>
+        </p:pic>
+        <p:pic>
+          <p:nvPicPr>
+            <p:cNvPr id="4" name="Picture 3">
+              <a:extLst>
+                <a:ext uri="{FF2B5EF4-FFF2-40B4-BE49-F238E27FC236}">
+                  <a16:creationId xmlns:a16="http://schemas.microsoft.com/office/drawing/2014/main" id="{795D05AD-FBB5-4BBA-947A-4E96E06A463D}"/>
+                </a:ext>
+              </a:extLst>
+            </p:cNvPr>
+            <p:cNvPicPr>
+              <a:picLocks noChangeAspect="1"/>
+            </p:cNvPicPr>
+            <p:nvPr/>
+          </p:nvPicPr>
+          <p:blipFill>
+            <a:blip r:embed="rId4"/>
+            <a:stretch>
+              <a:fillRect/>
+            </a:stretch>
+          </p:blipFill>
+          <p:spPr>
+            <a:xfrm>
+              <a:off x="4048125" y="4519612"/>
+              <a:ext cx="4095750" cy="1685925"/>
+            </a:xfrm>
+            <a:prstGeom prst="rect">
+              <a:avLst/>
+            </a:prstGeom>
+            <a:ln>
+              <a:noFill/>
+            </a:ln>
+            <a:effectLst>
+              <a:outerShdw blurRad="292100" dist="139700" dir="2700000" algn="tl" rotWithShape="0">
+                <a:srgbClr val="333333">
+                  <a:alpha val="65000"/>
+                </a:srgbClr>
+              </a:outerShdw>
+            </a:effectLst>
+          </p:spPr>
+        </p:pic>
+      </p:grpSp>
     </p:spTree>
     <p:extLst>
       <p:ext uri="{BB962C8B-B14F-4D97-AF65-F5344CB8AC3E}">

--- a/NYC Parking Tickets EDA/FayizMayamVeettil_DDA1730041_main.pptx
+++ b/NYC Parking Tickets EDA/FayizMayamVeettil_DDA1730041_main.pptx
@@ -5,24 +5,29 @@
     <p:sldMasterId id="2147483660" r:id="rId1"/>
   </p:sldMasterIdLst>
   <p:notesMasterIdLst>
-    <p:notesMasterId r:id="rId17"/>
+    <p:notesMasterId r:id="rId22"/>
   </p:notesMasterIdLst>
   <p:sldIdLst>
     <p:sldId id="256" r:id="rId2"/>
     <p:sldId id="257" r:id="rId3"/>
-    <p:sldId id="270" r:id="rId4"/>
-    <p:sldId id="309" r:id="rId5"/>
-    <p:sldId id="310" r:id="rId6"/>
-    <p:sldId id="311" r:id="rId7"/>
-    <p:sldId id="271" r:id="rId8"/>
-    <p:sldId id="283" r:id="rId9"/>
-    <p:sldId id="320" r:id="rId10"/>
-    <p:sldId id="321" r:id="rId11"/>
-    <p:sldId id="318" r:id="rId12"/>
-    <p:sldId id="319" r:id="rId13"/>
-    <p:sldId id="322" r:id="rId14"/>
-    <p:sldId id="325" r:id="rId15"/>
-    <p:sldId id="326" r:id="rId16"/>
+    <p:sldId id="327" r:id="rId4"/>
+    <p:sldId id="270" r:id="rId5"/>
+    <p:sldId id="309" r:id="rId6"/>
+    <p:sldId id="310" r:id="rId7"/>
+    <p:sldId id="311" r:id="rId8"/>
+    <p:sldId id="271" r:id="rId9"/>
+    <p:sldId id="283" r:id="rId10"/>
+    <p:sldId id="320" r:id="rId11"/>
+    <p:sldId id="321" r:id="rId12"/>
+    <p:sldId id="318" r:id="rId13"/>
+    <p:sldId id="319" r:id="rId14"/>
+    <p:sldId id="328" r:id="rId15"/>
+    <p:sldId id="329" r:id="rId16"/>
+    <p:sldId id="330" r:id="rId17"/>
+    <p:sldId id="325" r:id="rId18"/>
+    <p:sldId id="331" r:id="rId19"/>
+    <p:sldId id="326" r:id="rId20"/>
+    <p:sldId id="332" r:id="rId21"/>
   </p:sldIdLst>
   <p:sldSz cx="12192000" cy="6858000"/>
   <p:notesSz cx="6858000" cy="9144000"/>
@@ -218,7 +223,7 @@
           <a:p>
             <a:fld id="{2E309023-AF2B-4043-B228-F191CADC9BB1}" type="datetimeFigureOut">
               <a:rPr lang="en-IN" smtClean="0"/>
-              <a:t>12-07-2018</a:t>
+              <a:t>14-07-2018</a:t>
             </a:fld>
             <a:endParaRPr lang="en-IN"/>
           </a:p>
@@ -617,7 +622,7 @@
           <a:p>
             <a:fld id="{70C018FE-C8D6-4A9C-A702-41F1E0C1C452}" type="datetimeFigureOut">
               <a:rPr lang="en-IN" smtClean="0"/>
-              <a:t>12-07-2018</a:t>
+              <a:t>14-07-2018</a:t>
             </a:fld>
             <a:endParaRPr lang="en-IN"/>
           </a:p>
@@ -787,7 +792,7 @@
           <a:p>
             <a:fld id="{70C018FE-C8D6-4A9C-A702-41F1E0C1C452}" type="datetimeFigureOut">
               <a:rPr lang="en-IN" smtClean="0"/>
-              <a:t>12-07-2018</a:t>
+              <a:t>14-07-2018</a:t>
             </a:fld>
             <a:endParaRPr lang="en-IN"/>
           </a:p>
@@ -967,7 +972,7 @@
           <a:p>
             <a:fld id="{70C018FE-C8D6-4A9C-A702-41F1E0C1C452}" type="datetimeFigureOut">
               <a:rPr lang="en-IN" smtClean="0"/>
-              <a:t>12-07-2018</a:t>
+              <a:t>14-07-2018</a:t>
             </a:fld>
             <a:endParaRPr lang="en-IN"/>
           </a:p>
@@ -1399,7 +1404,7 @@
           <a:p>
             <a:fld id="{70C018FE-C8D6-4A9C-A702-41F1E0C1C452}" type="datetimeFigureOut">
               <a:rPr lang="en-IN" smtClean="0"/>
-              <a:t>12-07-2018</a:t>
+              <a:t>14-07-2018</a:t>
             </a:fld>
             <a:endParaRPr lang="en-IN"/>
           </a:p>
@@ -1631,7 +1636,7 @@
           <a:p>
             <a:fld id="{70C018FE-C8D6-4A9C-A702-41F1E0C1C452}" type="datetimeFigureOut">
               <a:rPr lang="en-IN" smtClean="0"/>
-              <a:t>12-07-2018</a:t>
+              <a:t>14-07-2018</a:t>
             </a:fld>
             <a:endParaRPr lang="en-IN"/>
           </a:p>
@@ -1998,7 +2003,7 @@
           <a:p>
             <a:fld id="{70C018FE-C8D6-4A9C-A702-41F1E0C1C452}" type="datetimeFigureOut">
               <a:rPr lang="en-IN" smtClean="0"/>
-              <a:t>12-07-2018</a:t>
+              <a:t>14-07-2018</a:t>
             </a:fld>
             <a:endParaRPr lang="en-IN"/>
           </a:p>
@@ -2116,7 +2121,7 @@
           <a:p>
             <a:fld id="{70C018FE-C8D6-4A9C-A702-41F1E0C1C452}" type="datetimeFigureOut">
               <a:rPr lang="en-IN" smtClean="0"/>
-              <a:t>12-07-2018</a:t>
+              <a:t>14-07-2018</a:t>
             </a:fld>
             <a:endParaRPr lang="en-IN"/>
           </a:p>
@@ -2211,7 +2216,7 @@
           <a:p>
             <a:fld id="{70C018FE-C8D6-4A9C-A702-41F1E0C1C452}" type="datetimeFigureOut">
               <a:rPr lang="en-IN" smtClean="0"/>
-              <a:t>12-07-2018</a:t>
+              <a:t>14-07-2018</a:t>
             </a:fld>
             <a:endParaRPr lang="en-IN"/>
           </a:p>
@@ -2487,7 +2492,7 @@
           <a:p>
             <a:fld id="{70C018FE-C8D6-4A9C-A702-41F1E0C1C452}" type="datetimeFigureOut">
               <a:rPr lang="en-IN" smtClean="0"/>
-              <a:t>12-07-2018</a:t>
+              <a:t>14-07-2018</a:t>
             </a:fld>
             <a:endParaRPr lang="en-IN"/>
           </a:p>
@@ -2744,7 +2749,7 @@
           <a:p>
             <a:fld id="{70C018FE-C8D6-4A9C-A702-41F1E0C1C452}" type="datetimeFigureOut">
               <a:rPr lang="en-IN" smtClean="0"/>
-              <a:t>12-07-2018</a:t>
+              <a:t>14-07-2018</a:t>
             </a:fld>
             <a:endParaRPr lang="en-IN"/>
           </a:p>
@@ -2955,7 +2960,7 @@
           <a:p>
             <a:fld id="{70C018FE-C8D6-4A9C-A702-41F1E0C1C452}" type="datetimeFigureOut">
               <a:rPr lang="en-IN" smtClean="0"/>
-              <a:t>12-07-2018</a:t>
+              <a:t>14-07-2018</a:t>
             </a:fld>
             <a:endParaRPr lang="en-IN" dirty="0"/>
           </a:p>
@@ -3856,6 +3861,241 @@
           <a:chExt cx="0" cy="0"/>
         </a:xfrm>
       </p:grpSpPr>
+      <p:pic>
+        <p:nvPicPr>
+          <p:cNvPr id="5" name="Picture 4">
+            <a:extLst>
+              <a:ext uri="{FF2B5EF4-FFF2-40B4-BE49-F238E27FC236}">
+                <a16:creationId xmlns:a16="http://schemas.microsoft.com/office/drawing/2014/main" id="{6D1976BB-A7AE-4F5B-90EF-1A9451AB0231}"/>
+              </a:ext>
+            </a:extLst>
+          </p:cNvPr>
+          <p:cNvPicPr>
+            <a:picLocks noChangeAspect="1"/>
+          </p:cNvPicPr>
+          <p:nvPr/>
+        </p:nvPicPr>
+        <p:blipFill>
+          <a:blip r:embed="rId2"/>
+          <a:stretch>
+            <a:fillRect/>
+          </a:stretch>
+        </p:blipFill>
+        <p:spPr>
+          <a:xfrm>
+            <a:off x="1662112" y="2586037"/>
+            <a:ext cx="8867775" cy="1685925"/>
+          </a:xfrm>
+          <a:prstGeom prst="rect">
+            <a:avLst/>
+          </a:prstGeom>
+        </p:spPr>
+      </p:pic>
+      <p:grpSp>
+        <p:nvGrpSpPr>
+          <p:cNvPr id="11" name="Group 10">
+            <a:extLst>
+              <a:ext uri="{FF2B5EF4-FFF2-40B4-BE49-F238E27FC236}">
+                <a16:creationId xmlns:a16="http://schemas.microsoft.com/office/drawing/2014/main" id="{EBBA25A6-360E-4B6F-B6E1-CF2014CF9962}"/>
+              </a:ext>
+            </a:extLst>
+          </p:cNvPr>
+          <p:cNvGrpSpPr/>
+          <p:nvPr/>
+        </p:nvGrpSpPr>
+        <p:grpSpPr>
+          <a:xfrm>
+            <a:off x="0" y="990600"/>
+            <a:ext cx="12192000" cy="807291"/>
+            <a:chOff x="0" y="895350"/>
+            <a:chExt cx="12192000" cy="807291"/>
+          </a:xfrm>
+        </p:grpSpPr>
+        <p:pic>
+          <p:nvPicPr>
+            <p:cNvPr id="12" name="Picture 11">
+              <a:extLst>
+                <a:ext uri="{FF2B5EF4-FFF2-40B4-BE49-F238E27FC236}">
+                  <a16:creationId xmlns:a16="http://schemas.microsoft.com/office/drawing/2014/main" id="{1152C58B-7A3D-453B-BEF5-0D6A80241D16}"/>
+                </a:ext>
+              </a:extLst>
+            </p:cNvPr>
+            <p:cNvPicPr>
+              <a:picLocks noChangeAspect="1"/>
+            </p:cNvPicPr>
+            <p:nvPr/>
+          </p:nvPicPr>
+          <p:blipFill>
+            <a:blip r:embed="rId3">
+              <a:extLst>
+                <a:ext uri="{28A0092B-C50C-407E-A947-70E740481C1C}">
+                  <a14:useLocalDpi xmlns:a14="http://schemas.microsoft.com/office/drawing/2010/main" val="0"/>
+                </a:ext>
+              </a:extLst>
+            </a:blip>
+            <a:stretch>
+              <a:fillRect/>
+            </a:stretch>
+          </p:blipFill>
+          <p:spPr>
+            <a:xfrm>
+              <a:off x="0" y="895350"/>
+              <a:ext cx="12192000" cy="807291"/>
+            </a:xfrm>
+            <a:prstGeom prst="rect">
+              <a:avLst/>
+            </a:prstGeom>
+          </p:spPr>
+        </p:pic>
+        <p:sp>
+          <p:nvSpPr>
+            <p:cNvPr id="13" name="Rectangle 12">
+              <a:extLst>
+                <a:ext uri="{FF2B5EF4-FFF2-40B4-BE49-F238E27FC236}">
+                  <a16:creationId xmlns:a16="http://schemas.microsoft.com/office/drawing/2014/main" id="{CF7573B2-FDB7-41CD-8FE1-311DF7F4E7B3}"/>
+                </a:ext>
+              </a:extLst>
+            </p:cNvPr>
+            <p:cNvSpPr/>
+            <p:nvPr/>
+          </p:nvSpPr>
+          <p:spPr>
+            <a:xfrm>
+              <a:off x="210706" y="1148643"/>
+              <a:ext cx="3526415" cy="553998"/>
+            </a:xfrm>
+            <a:prstGeom prst="rect">
+              <a:avLst/>
+            </a:prstGeom>
+          </p:spPr>
+          <p:txBody>
+            <a:bodyPr wrap="none">
+              <a:spAutoFit/>
+            </a:bodyPr>
+            <a:lstStyle/>
+            <a:p>
+              <a:r>
+                <a:rPr lang="en-US" sz="3000" b="1" dirty="0">
+                  <a:solidFill>
+                    <a:schemeClr val="bg1"/>
+                  </a:solidFill>
+                  <a:latin typeface="Lato" charset="0"/>
+                </a:rPr>
+                <a:t>Aggregation Tasks</a:t>
+              </a:r>
+              <a:endParaRPr lang="en-US" sz="2400" b="1" dirty="0">
+                <a:solidFill>
+                  <a:schemeClr val="bg1"/>
+                </a:solidFill>
+                <a:latin typeface="Lato" charset="0"/>
+              </a:endParaRPr>
+            </a:p>
+          </p:txBody>
+        </p:sp>
+      </p:grpSp>
+      <p:sp>
+        <p:nvSpPr>
+          <p:cNvPr id="8" name="TextBox 7">
+            <a:extLst>
+              <a:ext uri="{FF2B5EF4-FFF2-40B4-BE49-F238E27FC236}">
+                <a16:creationId xmlns:a16="http://schemas.microsoft.com/office/drawing/2014/main" id="{C4728C7A-92DB-470B-B9B8-52D86CEDDDF8}"/>
+              </a:ext>
+            </a:extLst>
+          </p:cNvPr>
+          <p:cNvSpPr txBox="1"/>
+          <p:nvPr/>
+        </p:nvSpPr>
+        <p:spPr>
+          <a:xfrm>
+            <a:off x="210706" y="1665800"/>
+            <a:ext cx="9988371" cy="566886"/>
+          </a:xfrm>
+          <a:prstGeom prst="rect">
+            <a:avLst/>
+          </a:prstGeom>
+          <a:noFill/>
+        </p:spPr>
+        <p:txBody>
+          <a:bodyPr wrap="square" rtlCol="0">
+            <a:spAutoFit/>
+          </a:bodyPr>
+          <a:lstStyle/>
+          <a:p>
+            <a:pPr marL="0" lvl="1">
+              <a:lnSpc>
+                <a:spcPct val="200000"/>
+              </a:lnSpc>
+            </a:pPr>
+            <a:r>
+              <a:rPr lang="en-US" b="1" dirty="0"/>
+              <a:t>1. How often does each violation code occur? (frequency of violation codes - find the top 5)</a:t>
+            </a:r>
+            <a:endParaRPr lang="en-US" b="1" dirty="0">
+              <a:latin typeface="Lato"/>
+            </a:endParaRPr>
+          </a:p>
+        </p:txBody>
+      </p:sp>
+      <p:pic>
+        <p:nvPicPr>
+          <p:cNvPr id="4" name="Picture 3">
+            <a:extLst>
+              <a:ext uri="{FF2B5EF4-FFF2-40B4-BE49-F238E27FC236}">
+                <a16:creationId xmlns:a16="http://schemas.microsoft.com/office/drawing/2014/main" id="{795D05AD-FBB5-4BBA-947A-4E96E06A463D}"/>
+              </a:ext>
+            </a:extLst>
+          </p:cNvPr>
+          <p:cNvPicPr>
+            <a:picLocks noChangeAspect="1"/>
+          </p:cNvPicPr>
+          <p:nvPr/>
+        </p:nvPicPr>
+        <p:blipFill>
+          <a:blip r:embed="rId4"/>
+          <a:stretch>
+            <a:fillRect/>
+          </a:stretch>
+        </p:blipFill>
+        <p:spPr>
+          <a:xfrm>
+            <a:off x="4048125" y="4519612"/>
+            <a:ext cx="4095750" cy="1685925"/>
+          </a:xfrm>
+          <a:prstGeom prst="rect">
+            <a:avLst/>
+          </a:prstGeom>
+        </p:spPr>
+      </p:pic>
+    </p:spTree>
+    <p:extLst>
+      <p:ext uri="{BB962C8B-B14F-4D97-AF65-F5344CB8AC3E}">
+        <p14:creationId xmlns:p14="http://schemas.microsoft.com/office/powerpoint/2010/main" val="833628409"/>
+      </p:ext>
+    </p:extLst>
+  </p:cSld>
+  <p:clrMapOvr>
+    <a:masterClrMapping/>
+  </p:clrMapOvr>
+</p:sld>
+</file>
+
+<file path=ppt/slides/slide11.xml><?xml version="1.0" encoding="utf-8"?>
+<p:sld xmlns:a="http://schemas.openxmlformats.org/drawingml/2006/main" xmlns:r="http://schemas.openxmlformats.org/officeDocument/2006/relationships" xmlns:p="http://schemas.openxmlformats.org/presentationml/2006/main">
+  <p:cSld>
+    <p:spTree>
+      <p:nvGrpSpPr>
+        <p:cNvPr id="1" name=""/>
+        <p:cNvGrpSpPr/>
+        <p:nvPr/>
+      </p:nvGrpSpPr>
+      <p:grpSpPr>
+        <a:xfrm>
+          <a:off x="0" y="0"/>
+          <a:ext cx="0" cy="0"/>
+          <a:chOff x="0" y="0"/>
+          <a:chExt cx="0" cy="0"/>
+        </a:xfrm>
+      </p:grpSpPr>
       <p:grpSp>
         <p:nvGrpSpPr>
           <p:cNvPr id="11" name="Group 10">
@@ -4003,10 +4243,10 @@
       </p:sp>
       <p:pic>
         <p:nvPicPr>
-          <p:cNvPr id="2" name="Picture 1">
+          <p:cNvPr id="3" name="Picture 2">
             <a:extLst>
               <a:ext uri="{FF2B5EF4-FFF2-40B4-BE49-F238E27FC236}">
-                <a16:creationId xmlns:a16="http://schemas.microsoft.com/office/drawing/2014/main" id="{8B9C1877-E77D-45DA-A63D-810C3CF6D9AC}"/>
+                <a16:creationId xmlns:a16="http://schemas.microsoft.com/office/drawing/2014/main" id="{54D43006-B91B-4B75-8CB3-9837F34E676F}"/>
               </a:ext>
             </a:extLst>
           </p:cNvPr>
@@ -4023,440 +4263,18 @@
         </p:blipFill>
         <p:spPr>
           <a:xfrm>
-            <a:off x="2057034" y="2212276"/>
-            <a:ext cx="7596920" cy="4576065"/>
+            <a:off x="2057035" y="2225165"/>
+            <a:ext cx="7459106" cy="4480256"/>
           </a:xfrm>
           <a:prstGeom prst="rect">
             <a:avLst/>
           </a:prstGeom>
-          <a:ln>
-            <a:noFill/>
-          </a:ln>
-          <a:effectLst>
-            <a:outerShdw blurRad="292100" dist="139700" dir="2700000" algn="tl" rotWithShape="0">
-              <a:srgbClr val="333333">
-                <a:alpha val="65000"/>
-              </a:srgbClr>
-            </a:outerShdw>
-          </a:effectLst>
         </p:spPr>
       </p:pic>
     </p:spTree>
     <p:extLst>
       <p:ext uri="{BB962C8B-B14F-4D97-AF65-F5344CB8AC3E}">
         <p14:creationId xmlns:p14="http://schemas.microsoft.com/office/powerpoint/2010/main" val="1177683886"/>
-      </p:ext>
-    </p:extLst>
-  </p:cSld>
-  <p:clrMapOvr>
-    <a:masterClrMapping/>
-  </p:clrMapOvr>
-</p:sld>
-</file>
-
-<file path=ppt/slides/slide11.xml><?xml version="1.0" encoding="utf-8"?>
-<p:sld xmlns:a="http://schemas.openxmlformats.org/drawingml/2006/main" xmlns:r="http://schemas.openxmlformats.org/officeDocument/2006/relationships" xmlns:p="http://schemas.openxmlformats.org/presentationml/2006/main">
-  <p:cSld>
-    <p:spTree>
-      <p:nvGrpSpPr>
-        <p:cNvPr id="1" name=""/>
-        <p:cNvGrpSpPr/>
-        <p:nvPr/>
-      </p:nvGrpSpPr>
-      <p:grpSpPr>
-        <a:xfrm>
-          <a:off x="0" y="0"/>
-          <a:ext cx="0" cy="0"/>
-          <a:chOff x="0" y="0"/>
-          <a:chExt cx="0" cy="0"/>
-        </a:xfrm>
-      </p:grpSpPr>
-      <p:pic>
-        <p:nvPicPr>
-          <p:cNvPr id="9" name="Picture 8">
-            <a:extLst>
-              <a:ext uri="{FF2B5EF4-FFF2-40B4-BE49-F238E27FC236}">
-                <a16:creationId xmlns:a16="http://schemas.microsoft.com/office/drawing/2014/main" id="{4DAC0F71-6466-48C3-9D58-92A7BE440043}"/>
-              </a:ext>
-            </a:extLst>
-          </p:cNvPr>
-          <p:cNvPicPr>
-            <a:picLocks noChangeAspect="1"/>
-          </p:cNvPicPr>
-          <p:nvPr/>
-        </p:nvPicPr>
-        <p:blipFill>
-          <a:blip r:embed="rId2"/>
-          <a:stretch>
-            <a:fillRect/>
-          </a:stretch>
-        </p:blipFill>
-        <p:spPr>
-          <a:xfrm>
-            <a:off x="7943119" y="2237589"/>
-            <a:ext cx="3497514" cy="4578713"/>
-          </a:xfrm>
-          <a:prstGeom prst="rect">
-            <a:avLst/>
-          </a:prstGeom>
-        </p:spPr>
-      </p:pic>
-      <p:pic>
-        <p:nvPicPr>
-          <p:cNvPr id="2" name="Picture 1">
-            <a:extLst>
-              <a:ext uri="{FF2B5EF4-FFF2-40B4-BE49-F238E27FC236}">
-                <a16:creationId xmlns:a16="http://schemas.microsoft.com/office/drawing/2014/main" id="{57F6BE02-E3BF-4DC8-924E-1458146E6110}"/>
-              </a:ext>
-            </a:extLst>
-          </p:cNvPr>
-          <p:cNvPicPr>
-            <a:picLocks noChangeAspect="1"/>
-          </p:cNvPicPr>
-          <p:nvPr/>
-        </p:nvPicPr>
-        <p:blipFill>
-          <a:blip r:embed="rId3"/>
-          <a:stretch>
-            <a:fillRect/>
-          </a:stretch>
-        </p:blipFill>
-        <p:spPr>
-          <a:xfrm>
-            <a:off x="714862" y="2239362"/>
-            <a:ext cx="3465316" cy="4515412"/>
-          </a:xfrm>
-          <a:prstGeom prst="rect">
-            <a:avLst/>
-          </a:prstGeom>
-          <a:ln>
-            <a:noFill/>
-          </a:ln>
-          <a:effectLst>
-            <a:outerShdw blurRad="292100" dist="139700" dir="2700000" algn="tl" rotWithShape="0">
-              <a:srgbClr val="333333">
-                <a:alpha val="65000"/>
-              </a:srgbClr>
-            </a:outerShdw>
-          </a:effectLst>
-        </p:spPr>
-      </p:pic>
-      <p:grpSp>
-        <p:nvGrpSpPr>
-          <p:cNvPr id="11" name="Group 10">
-            <a:extLst>
-              <a:ext uri="{FF2B5EF4-FFF2-40B4-BE49-F238E27FC236}">
-                <a16:creationId xmlns:a16="http://schemas.microsoft.com/office/drawing/2014/main" id="{EBBA25A6-360E-4B6F-B6E1-CF2014CF9962}"/>
-              </a:ext>
-            </a:extLst>
-          </p:cNvPr>
-          <p:cNvGrpSpPr/>
-          <p:nvPr/>
-        </p:nvGrpSpPr>
-        <p:grpSpPr>
-          <a:xfrm>
-            <a:off x="0" y="990600"/>
-            <a:ext cx="12192000" cy="807291"/>
-            <a:chOff x="0" y="895350"/>
-            <a:chExt cx="12192000" cy="807291"/>
-          </a:xfrm>
-        </p:grpSpPr>
-        <p:pic>
-          <p:nvPicPr>
-            <p:cNvPr id="12" name="Picture 11">
-              <a:extLst>
-                <a:ext uri="{FF2B5EF4-FFF2-40B4-BE49-F238E27FC236}">
-                  <a16:creationId xmlns:a16="http://schemas.microsoft.com/office/drawing/2014/main" id="{1152C58B-7A3D-453B-BEF5-0D6A80241D16}"/>
-                </a:ext>
-              </a:extLst>
-            </p:cNvPr>
-            <p:cNvPicPr>
-              <a:picLocks noChangeAspect="1"/>
-            </p:cNvPicPr>
-            <p:nvPr/>
-          </p:nvPicPr>
-          <p:blipFill>
-            <a:blip r:embed="rId4">
-              <a:extLst>
-                <a:ext uri="{28A0092B-C50C-407E-A947-70E740481C1C}">
-                  <a14:useLocalDpi xmlns:a14="http://schemas.microsoft.com/office/drawing/2010/main" val="0"/>
-                </a:ext>
-              </a:extLst>
-            </a:blip>
-            <a:stretch>
-              <a:fillRect/>
-            </a:stretch>
-          </p:blipFill>
-          <p:spPr>
-            <a:xfrm>
-              <a:off x="0" y="895350"/>
-              <a:ext cx="12192000" cy="807291"/>
-            </a:xfrm>
-            <a:prstGeom prst="rect">
-              <a:avLst/>
-            </a:prstGeom>
-          </p:spPr>
-        </p:pic>
-        <p:sp>
-          <p:nvSpPr>
-            <p:cNvPr id="13" name="Rectangle 12">
-              <a:extLst>
-                <a:ext uri="{FF2B5EF4-FFF2-40B4-BE49-F238E27FC236}">
-                  <a16:creationId xmlns:a16="http://schemas.microsoft.com/office/drawing/2014/main" id="{CF7573B2-FDB7-41CD-8FE1-311DF7F4E7B3}"/>
-                </a:ext>
-              </a:extLst>
-            </p:cNvPr>
-            <p:cNvSpPr/>
-            <p:nvPr/>
-          </p:nvSpPr>
-          <p:spPr>
-            <a:xfrm>
-              <a:off x="210706" y="1148643"/>
-              <a:ext cx="3526415" cy="553998"/>
-            </a:xfrm>
-            <a:prstGeom prst="rect">
-              <a:avLst/>
-            </a:prstGeom>
-          </p:spPr>
-          <p:txBody>
-            <a:bodyPr wrap="none">
-              <a:spAutoFit/>
-            </a:bodyPr>
-            <a:lstStyle/>
-            <a:p>
-              <a:r>
-                <a:rPr lang="en-US" sz="3000" b="1" dirty="0">
-                  <a:solidFill>
-                    <a:schemeClr val="bg1"/>
-                  </a:solidFill>
-                  <a:latin typeface="Lato" charset="0"/>
-                </a:rPr>
-                <a:t>Aggregation Tasks</a:t>
-              </a:r>
-              <a:endParaRPr lang="en-US" sz="2400" b="1" dirty="0">
-                <a:solidFill>
-                  <a:schemeClr val="bg1"/>
-                </a:solidFill>
-                <a:latin typeface="Lato" charset="0"/>
-              </a:endParaRPr>
-            </a:p>
-          </p:txBody>
-        </p:sp>
-      </p:grpSp>
-      <p:sp>
-        <p:nvSpPr>
-          <p:cNvPr id="8" name="TextBox 7">
-            <a:extLst>
-              <a:ext uri="{FF2B5EF4-FFF2-40B4-BE49-F238E27FC236}">
-                <a16:creationId xmlns:a16="http://schemas.microsoft.com/office/drawing/2014/main" id="{C4728C7A-92DB-470B-B9B8-52D86CEDDDF8}"/>
-              </a:ext>
-            </a:extLst>
-          </p:cNvPr>
-          <p:cNvSpPr txBox="1"/>
-          <p:nvPr/>
-        </p:nvSpPr>
-        <p:spPr>
-          <a:xfrm>
-            <a:off x="210706" y="1797891"/>
-            <a:ext cx="11799587" cy="369332"/>
-          </a:xfrm>
-          <a:prstGeom prst="rect">
-            <a:avLst/>
-          </a:prstGeom>
-          <a:noFill/>
-        </p:spPr>
-        <p:txBody>
-          <a:bodyPr wrap="square" rtlCol="0">
-            <a:spAutoFit/>
-          </a:bodyPr>
-          <a:lstStyle/>
-          <a:p>
-            <a:r>
-              <a:rPr lang="en-US" b="1" dirty="0"/>
-              <a:t>3. A precinct is a police station that has a certain zone of the city under its command. Find the (5 highest) frequencies of:	</a:t>
-            </a:r>
-          </a:p>
-        </p:txBody>
-      </p:sp>
-      <p:sp>
-        <p:nvSpPr>
-          <p:cNvPr id="7" name="TextBox 6">
-            <a:extLst>
-              <a:ext uri="{FF2B5EF4-FFF2-40B4-BE49-F238E27FC236}">
-                <a16:creationId xmlns:a16="http://schemas.microsoft.com/office/drawing/2014/main" id="{B63E00D9-5758-4DD6-8144-44EFC93EEED1}"/>
-              </a:ext>
-            </a:extLst>
-          </p:cNvPr>
-          <p:cNvSpPr txBox="1"/>
-          <p:nvPr/>
-        </p:nvSpPr>
-        <p:spPr>
-          <a:xfrm>
-            <a:off x="4721314" y="2510151"/>
-            <a:ext cx="2749371" cy="3970318"/>
-          </a:xfrm>
-          <a:prstGeom prst="rect">
-            <a:avLst/>
-          </a:prstGeom>
-          <a:noFill/>
-        </p:spPr>
-        <p:txBody>
-          <a:bodyPr wrap="square" rtlCol="0">
-            <a:spAutoFit/>
-          </a:bodyPr>
-          <a:lstStyle/>
-          <a:p>
-            <a:pPr marL="342900" indent="-342900">
-              <a:buAutoNum type="arabicPeriod"/>
-            </a:pPr>
-            <a:r>
-              <a:rPr lang="en-US" b="1" dirty="0"/>
-              <a:t>Violating Precincts (this is the precinct of the zone where the violation occurred)</a:t>
-            </a:r>
-          </a:p>
-          <a:p>
-            <a:pPr marL="342900" indent="-342900">
-              <a:buAutoNum type="arabicPeriod"/>
-            </a:pPr>
-            <a:endParaRPr lang="en-US" b="1" dirty="0"/>
-          </a:p>
-          <a:p>
-            <a:pPr marL="342900" indent="-342900">
-              <a:buAutoNum type="arabicPeriod"/>
-            </a:pPr>
-            <a:endParaRPr lang="en-US" b="1" dirty="0"/>
-          </a:p>
-          <a:p>
-            <a:pPr marL="342900" indent="-342900">
-              <a:buAutoNum type="arabicPeriod"/>
-            </a:pPr>
-            <a:endParaRPr lang="en-US" b="1" dirty="0"/>
-          </a:p>
-          <a:p>
-            <a:endParaRPr lang="en-US" b="1" dirty="0"/>
-          </a:p>
-          <a:p>
-            <a:pPr marL="342900" indent="-342900">
-              <a:buAutoNum type="arabicPeriod" startAt="2"/>
-            </a:pPr>
-            <a:r>
-              <a:rPr lang="en-US" b="1" dirty="0"/>
-              <a:t>Issuing Precincts (this is the precinct that issued the ticket)</a:t>
-            </a:r>
-          </a:p>
-          <a:p>
-            <a:pPr marL="342900" indent="-342900">
-              <a:buAutoNum type="arabicPeriod" startAt="2"/>
-            </a:pPr>
-            <a:endParaRPr lang="en-US" b="1" dirty="0"/>
-          </a:p>
-          <a:p>
-            <a:pPr marL="342900" indent="-342900">
-              <a:buAutoNum type="arabicPeriod" startAt="2"/>
-            </a:pPr>
-            <a:endParaRPr lang="en-US" b="1" dirty="0"/>
-          </a:p>
-          <a:p>
-            <a:endParaRPr lang="en-US" b="1" dirty="0"/>
-          </a:p>
-        </p:txBody>
-      </p:sp>
-      <p:sp>
-        <p:nvSpPr>
-          <p:cNvPr id="5" name="Arrow: Left 4">
-            <a:extLst>
-              <a:ext uri="{FF2B5EF4-FFF2-40B4-BE49-F238E27FC236}">
-                <a16:creationId xmlns:a16="http://schemas.microsoft.com/office/drawing/2014/main" id="{202B900D-1426-4B35-92FF-3640AFC5AFBF}"/>
-              </a:ext>
-            </a:extLst>
-          </p:cNvPr>
-          <p:cNvSpPr/>
-          <p:nvPr/>
-        </p:nvSpPr>
-        <p:spPr>
-          <a:xfrm>
-            <a:off x="4721314" y="3643676"/>
-            <a:ext cx="829339" cy="435935"/>
-          </a:xfrm>
-          <a:prstGeom prst="leftArrow">
-            <a:avLst/>
-          </a:prstGeom>
-        </p:spPr>
-        <p:style>
-          <a:lnRef idx="2">
-            <a:schemeClr val="accent1">
-              <a:shade val="50000"/>
-            </a:schemeClr>
-          </a:lnRef>
-          <a:fillRef idx="1">
-            <a:schemeClr val="accent1"/>
-          </a:fillRef>
-          <a:effectRef idx="0">
-            <a:schemeClr val="accent1"/>
-          </a:effectRef>
-          <a:fontRef idx="minor">
-            <a:schemeClr val="lt1"/>
-          </a:fontRef>
-        </p:style>
-        <p:txBody>
-          <a:bodyPr rtlCol="0" anchor="ctr"/>
-          <a:lstStyle/>
-          <a:p>
-            <a:pPr algn="ctr"/>
-            <a:endParaRPr lang="en-US"/>
-          </a:p>
-        </p:txBody>
-      </p:sp>
-      <p:sp>
-        <p:nvSpPr>
-          <p:cNvPr id="6" name="Arrow: Right 5">
-            <a:extLst>
-              <a:ext uri="{FF2B5EF4-FFF2-40B4-BE49-F238E27FC236}">
-                <a16:creationId xmlns:a16="http://schemas.microsoft.com/office/drawing/2014/main" id="{C7DBB1E5-A677-469C-8169-4BF357D37DF4}"/>
-              </a:ext>
-            </a:extLst>
-          </p:cNvPr>
-          <p:cNvSpPr/>
-          <p:nvPr/>
-        </p:nvSpPr>
-        <p:spPr>
-          <a:xfrm>
-            <a:off x="6647138" y="5521150"/>
-            <a:ext cx="823547" cy="465992"/>
-          </a:xfrm>
-          <a:prstGeom prst="rightArrow">
-            <a:avLst/>
-          </a:prstGeom>
-        </p:spPr>
-        <p:style>
-          <a:lnRef idx="2">
-            <a:schemeClr val="accent1">
-              <a:shade val="50000"/>
-            </a:schemeClr>
-          </a:lnRef>
-          <a:fillRef idx="1">
-            <a:schemeClr val="accent1"/>
-          </a:fillRef>
-          <a:effectRef idx="0">
-            <a:schemeClr val="accent1"/>
-          </a:effectRef>
-          <a:fontRef idx="minor">
-            <a:schemeClr val="lt1"/>
-          </a:fontRef>
-        </p:style>
-        <p:txBody>
-          <a:bodyPr rtlCol="0" anchor="ctr"/>
-          <a:lstStyle/>
-          <a:p>
-            <a:pPr algn="ctr"/>
-            <a:endParaRPr lang="en-US"/>
-          </a:p>
-        </p:txBody>
-      </p:sp>
-    </p:spTree>
-    <p:extLst>
-      <p:ext uri="{BB962C8B-B14F-4D97-AF65-F5344CB8AC3E}">
-        <p14:creationId xmlns:p14="http://schemas.microsoft.com/office/powerpoint/2010/main" val="3867679965"/>
       </p:ext>
     </p:extLst>
   </p:cSld>
@@ -4599,8 +4417,8 @@
         </p:nvSpPr>
         <p:spPr>
           <a:xfrm>
-            <a:off x="196206" y="1797891"/>
-            <a:ext cx="11799587" cy="646331"/>
+            <a:off x="210706" y="1797891"/>
+            <a:ext cx="11799587" cy="369332"/>
           </a:xfrm>
           <a:prstGeom prst="rect">
             <a:avLst/>
@@ -4613,27 +4431,252 @@
           </a:bodyPr>
           <a:lstStyle/>
           <a:p>
-            <a:pPr marL="0" lvl="1"/>
-            <a:r>
-              <a:rPr lang="en-US" b="1" dirty="0">
-                <a:latin typeface="Lato"/>
-              </a:rPr>
-              <a:t>4.	</a:t>
-            </a:r>
             <a:r>
               <a:rPr lang="en-US" b="1" dirty="0"/>
-              <a:t>Find the violation code frequency across 3 precincts which have issued the most number of tickets - do these precinct 	zones have an exceptionally high frequency of certain violation codes? Are these codes common across precincts?</a:t>
-            </a:r>
-            <a:endParaRPr lang="en-US" b="1" dirty="0">
-              <a:latin typeface="Lato"/>
-            </a:endParaRPr>
-          </a:p>
-        </p:txBody>
-      </p:sp>
+              <a:t>3. A precinct is a police station that has a certain zone of the city under its command. Find the (5 highest) frequencies of:	</a:t>
+            </a:r>
+          </a:p>
+        </p:txBody>
+      </p:sp>
+      <p:sp>
+        <p:nvSpPr>
+          <p:cNvPr id="7" name="TextBox 6">
+            <a:extLst>
+              <a:ext uri="{FF2B5EF4-FFF2-40B4-BE49-F238E27FC236}">
+                <a16:creationId xmlns:a16="http://schemas.microsoft.com/office/drawing/2014/main" id="{B63E00D9-5758-4DD6-8144-44EFC93EEED1}"/>
+              </a:ext>
+            </a:extLst>
+          </p:cNvPr>
+          <p:cNvSpPr txBox="1"/>
+          <p:nvPr/>
+        </p:nvSpPr>
+        <p:spPr>
+          <a:xfrm>
+            <a:off x="4721314" y="2510151"/>
+            <a:ext cx="2749371" cy="3970318"/>
+          </a:xfrm>
+          <a:prstGeom prst="rect">
+            <a:avLst/>
+          </a:prstGeom>
+          <a:noFill/>
+        </p:spPr>
+        <p:txBody>
+          <a:bodyPr wrap="square" rtlCol="0">
+            <a:spAutoFit/>
+          </a:bodyPr>
+          <a:lstStyle/>
+          <a:p>
+            <a:pPr marL="342900" indent="-342900">
+              <a:buAutoNum type="arabicPeriod"/>
+            </a:pPr>
+            <a:r>
+              <a:rPr lang="en-US" b="1" dirty="0"/>
+              <a:t>Violating Precincts (this is the precinct of the zone where the violation occurred)</a:t>
+            </a:r>
+          </a:p>
+          <a:p>
+            <a:pPr marL="342900" indent="-342900">
+              <a:buAutoNum type="arabicPeriod"/>
+            </a:pPr>
+            <a:endParaRPr lang="en-US" b="1" dirty="0"/>
+          </a:p>
+          <a:p>
+            <a:pPr marL="342900" indent="-342900">
+              <a:buAutoNum type="arabicPeriod"/>
+            </a:pPr>
+            <a:endParaRPr lang="en-US" b="1" dirty="0"/>
+          </a:p>
+          <a:p>
+            <a:pPr marL="342900" indent="-342900">
+              <a:buAutoNum type="arabicPeriod"/>
+            </a:pPr>
+            <a:endParaRPr lang="en-US" b="1" dirty="0"/>
+          </a:p>
+          <a:p>
+            <a:endParaRPr lang="en-US" b="1" dirty="0"/>
+          </a:p>
+          <a:p>
+            <a:pPr marL="342900" indent="-342900">
+              <a:buAutoNum type="arabicPeriod" startAt="2"/>
+            </a:pPr>
+            <a:r>
+              <a:rPr lang="en-US" b="1" dirty="0"/>
+              <a:t>Issuing Precincts (this is the precinct that issued the ticket)</a:t>
+            </a:r>
+          </a:p>
+          <a:p>
+            <a:pPr marL="342900" indent="-342900">
+              <a:buAutoNum type="arabicPeriod" startAt="2"/>
+            </a:pPr>
+            <a:endParaRPr lang="en-US" b="1" dirty="0"/>
+          </a:p>
+          <a:p>
+            <a:pPr marL="342900" indent="-342900">
+              <a:buAutoNum type="arabicPeriod" startAt="2"/>
+            </a:pPr>
+            <a:endParaRPr lang="en-US" b="1" dirty="0"/>
+          </a:p>
+          <a:p>
+            <a:endParaRPr lang="en-US" b="1" dirty="0"/>
+          </a:p>
+        </p:txBody>
+      </p:sp>
+      <p:sp>
+        <p:nvSpPr>
+          <p:cNvPr id="5" name="Arrow: Left 4">
+            <a:extLst>
+              <a:ext uri="{FF2B5EF4-FFF2-40B4-BE49-F238E27FC236}">
+                <a16:creationId xmlns:a16="http://schemas.microsoft.com/office/drawing/2014/main" id="{202B900D-1426-4B35-92FF-3640AFC5AFBF}"/>
+              </a:ext>
+            </a:extLst>
+          </p:cNvPr>
+          <p:cNvSpPr/>
+          <p:nvPr/>
+        </p:nvSpPr>
+        <p:spPr>
+          <a:xfrm>
+            <a:off x="4721314" y="3643676"/>
+            <a:ext cx="829339" cy="435935"/>
+          </a:xfrm>
+          <a:prstGeom prst="leftArrow">
+            <a:avLst/>
+          </a:prstGeom>
+        </p:spPr>
+        <p:style>
+          <a:lnRef idx="2">
+            <a:schemeClr val="accent1">
+              <a:shade val="50000"/>
+            </a:schemeClr>
+          </a:lnRef>
+          <a:fillRef idx="1">
+            <a:schemeClr val="accent1"/>
+          </a:fillRef>
+          <a:effectRef idx="0">
+            <a:schemeClr val="accent1"/>
+          </a:effectRef>
+          <a:fontRef idx="minor">
+            <a:schemeClr val="lt1"/>
+          </a:fontRef>
+        </p:style>
+        <p:txBody>
+          <a:bodyPr rtlCol="0" anchor="ctr"/>
+          <a:lstStyle/>
+          <a:p>
+            <a:pPr algn="ctr"/>
+            <a:endParaRPr lang="en-US"/>
+          </a:p>
+        </p:txBody>
+      </p:sp>
+      <p:sp>
+        <p:nvSpPr>
+          <p:cNvPr id="6" name="Arrow: Right 5">
+            <a:extLst>
+              <a:ext uri="{FF2B5EF4-FFF2-40B4-BE49-F238E27FC236}">
+                <a16:creationId xmlns:a16="http://schemas.microsoft.com/office/drawing/2014/main" id="{C7DBB1E5-A677-469C-8169-4BF357D37DF4}"/>
+              </a:ext>
+            </a:extLst>
+          </p:cNvPr>
+          <p:cNvSpPr/>
+          <p:nvPr/>
+        </p:nvSpPr>
+        <p:spPr>
+          <a:xfrm>
+            <a:off x="6647138" y="5521150"/>
+            <a:ext cx="823547" cy="465992"/>
+          </a:xfrm>
+          <a:prstGeom prst="rightArrow">
+            <a:avLst/>
+          </a:prstGeom>
+        </p:spPr>
+        <p:style>
+          <a:lnRef idx="2">
+            <a:schemeClr val="accent1">
+              <a:shade val="50000"/>
+            </a:schemeClr>
+          </a:lnRef>
+          <a:fillRef idx="1">
+            <a:schemeClr val="accent1"/>
+          </a:fillRef>
+          <a:effectRef idx="0">
+            <a:schemeClr val="accent1"/>
+          </a:effectRef>
+          <a:fontRef idx="minor">
+            <a:schemeClr val="lt1"/>
+          </a:fontRef>
+        </p:style>
+        <p:txBody>
+          <a:bodyPr rtlCol="0" anchor="ctr"/>
+          <a:lstStyle/>
+          <a:p>
+            <a:pPr algn="ctr"/>
+            <a:endParaRPr lang="en-US"/>
+          </a:p>
+        </p:txBody>
+      </p:sp>
+      <p:pic>
+        <p:nvPicPr>
+          <p:cNvPr id="3" name="Picture 2">
+            <a:extLst>
+              <a:ext uri="{FF2B5EF4-FFF2-40B4-BE49-F238E27FC236}">
+                <a16:creationId xmlns:a16="http://schemas.microsoft.com/office/drawing/2014/main" id="{EB57E667-5189-46C9-81AC-058D6458377E}"/>
+              </a:ext>
+            </a:extLst>
+          </p:cNvPr>
+          <p:cNvPicPr>
+            <a:picLocks noChangeAspect="1"/>
+          </p:cNvPicPr>
+          <p:nvPr/>
+        </p:nvPicPr>
+        <p:blipFill>
+          <a:blip r:embed="rId3"/>
+          <a:stretch>
+            <a:fillRect/>
+          </a:stretch>
+        </p:blipFill>
+        <p:spPr>
+          <a:xfrm>
+            <a:off x="665864" y="2348637"/>
+            <a:ext cx="3287213" cy="4293346"/>
+          </a:xfrm>
+          <a:prstGeom prst="rect">
+            <a:avLst/>
+          </a:prstGeom>
+        </p:spPr>
+      </p:pic>
+      <p:pic>
+        <p:nvPicPr>
+          <p:cNvPr id="4" name="Picture 3">
+            <a:extLst>
+              <a:ext uri="{FF2B5EF4-FFF2-40B4-BE49-F238E27FC236}">
+                <a16:creationId xmlns:a16="http://schemas.microsoft.com/office/drawing/2014/main" id="{8BAD7760-83C0-44E2-8B9E-A337804D1E8B}"/>
+              </a:ext>
+            </a:extLst>
+          </p:cNvPr>
+          <p:cNvPicPr>
+            <a:picLocks noChangeAspect="1"/>
+          </p:cNvPicPr>
+          <p:nvPr/>
+        </p:nvPicPr>
+        <p:blipFill>
+          <a:blip r:embed="rId4"/>
+          <a:stretch>
+            <a:fillRect/>
+          </a:stretch>
+        </p:blipFill>
+        <p:spPr>
+          <a:xfrm>
+            <a:off x="8150759" y="2348637"/>
+            <a:ext cx="3296676" cy="4293346"/>
+          </a:xfrm>
+          <a:prstGeom prst="rect">
+            <a:avLst/>
+          </a:prstGeom>
+        </p:spPr>
+      </p:pic>
     </p:spTree>
     <p:extLst>
       <p:ext uri="{BB962C8B-B14F-4D97-AF65-F5344CB8AC3E}">
-        <p14:creationId xmlns:p14="http://schemas.microsoft.com/office/powerpoint/2010/main" val="1296301190"/>
+        <p14:creationId xmlns:p14="http://schemas.microsoft.com/office/powerpoint/2010/main" val="3867679965"/>
       </p:ext>
     </p:extLst>
   </p:cSld>
@@ -4777,7 +4820,7 @@
         <p:spPr>
           <a:xfrm>
             <a:off x="196206" y="1797891"/>
-            <a:ext cx="11799587" cy="1938992"/>
+            <a:ext cx="11799587" cy="1846659"/>
           </a:xfrm>
           <a:prstGeom prst="rect">
             <a:avLst/>
@@ -4790,62 +4833,96 @@
           </a:bodyPr>
           <a:lstStyle/>
           <a:p>
-            <a:pPr marL="342900" indent="-342900">
-              <a:buAutoNum type="arabicPeriod" startAt="5"/>
+            <a:pPr marL="342900" lvl="1" indent="-342900">
+              <a:buAutoNum type="arabicPeriod" startAt="4"/>
             </a:pPr>
             <a:r>
               <a:rPr lang="en-US" b="1" dirty="0"/>
-              <a:t>You’d want to find out the properties of parking violations across different times of the day:</a:t>
-            </a:r>
-          </a:p>
-          <a:p>
-            <a:pPr marL="800100" lvl="1" indent="-342900">
-              <a:buAutoNum type="alphaLcParenR"/>
+              <a:t>Find the violation code frequency across 3 precincts which have issued the most number of tickets - do these precinct 	zones have an exceptionally high frequency of certain violation codes? Are these codes common across precincts?</a:t>
+            </a:r>
+          </a:p>
+          <a:p>
+            <a:pPr marL="457200" lvl="2">
+              <a:lnSpc>
+                <a:spcPct val="200000"/>
+              </a:lnSpc>
             </a:pPr>
             <a:r>
-              <a:rPr lang="en-US" sz="1400" b="1" dirty="0"/>
-              <a:t>The Violation Time field is specified in a strange format. Find a way to make this into a time attribute that you can use to divide into groups.</a:t>
-            </a:r>
-          </a:p>
-          <a:p>
-            <a:pPr marL="800100" lvl="1" indent="-342900">
-              <a:buAutoNum type="alphaLcParenR"/>
-            </a:pPr>
-            <a:r>
-              <a:rPr lang="en-US" sz="1400" b="1" dirty="0"/>
-              <a:t>Find a way to deal with missing values, if any.</a:t>
-            </a:r>
-          </a:p>
-          <a:p>
-            <a:pPr marL="800100" lvl="1" indent="-342900">
-              <a:buAutoNum type="alphaLcParenR"/>
-            </a:pPr>
-            <a:r>
-              <a:rPr lang="en-US" sz="1400" b="1" dirty="0"/>
-              <a:t>Divide 24 hours into 6 equal discrete bins of time. The intervals you choose are at your discretion. For each of these groups, find the 3 most commonly occurring violations</a:t>
-            </a:r>
-          </a:p>
-          <a:p>
-            <a:pPr marL="800100" lvl="1" indent="-342900">
-              <a:buAutoNum type="alphaLcParenR"/>
-            </a:pPr>
-            <a:r>
-              <a:rPr lang="en-US" sz="1400" b="1" dirty="0"/>
-              <a:t>Now, try another direction. For the 3 most commonly occurring violation codes, find the most common times of day (in terms of the bins from the previous part)</a:t>
-            </a:r>
-          </a:p>
-          <a:p>
-            <a:pPr marL="0" lvl="1"/>
+              <a:rPr lang="en-US" sz="1400" b="1" dirty="0">
+                <a:solidFill>
+                  <a:schemeClr val="tx1">
+                    <a:lumMod val="50000"/>
+                    <a:lumOff val="50000"/>
+                  </a:schemeClr>
+                </a:solidFill>
+                <a:latin typeface="Lato"/>
+              </a:rPr>
+              <a:t>	-	Precincts 0, 19, 18 and 14 are the top Precincts across all 3 years</a:t>
+            </a:r>
+          </a:p>
+          <a:p>
+            <a:pPr marL="457200" lvl="2"/>
+            <a:r>
+              <a:rPr lang="en-US" sz="1400" b="1" dirty="0">
+                <a:solidFill>
+                  <a:schemeClr val="tx1">
+                    <a:lumMod val="50000"/>
+                    <a:lumOff val="50000"/>
+                  </a:schemeClr>
+                </a:solidFill>
+                <a:latin typeface="Lato"/>
+              </a:rPr>
+              <a:t>	-	No consistency in violation codes however code 14, 46 are most common in all year/precincts</a:t>
+            </a:r>
+          </a:p>
+          <a:p>
+            <a:pPr marL="457200" lvl="2"/>
             <a:endParaRPr lang="en-US" b="1" dirty="0">
               <a:latin typeface="Lato"/>
             </a:endParaRPr>
           </a:p>
-        </p:txBody>
-      </p:sp>
+          <a:p>
+            <a:pPr marL="457200" lvl="2"/>
+            <a:endParaRPr lang="en-US" b="1" dirty="0">
+              <a:latin typeface="Lato"/>
+            </a:endParaRPr>
+          </a:p>
+        </p:txBody>
+      </p:sp>
+      <p:pic>
+        <p:nvPicPr>
+          <p:cNvPr id="3" name="Picture 2">
+            <a:extLst>
+              <a:ext uri="{FF2B5EF4-FFF2-40B4-BE49-F238E27FC236}">
+                <a16:creationId xmlns:a16="http://schemas.microsoft.com/office/drawing/2014/main" id="{B2ADB99D-26C8-467C-88A2-68F15FEC2DFE}"/>
+              </a:ext>
+            </a:extLst>
+          </p:cNvPr>
+          <p:cNvPicPr>
+            <a:picLocks noChangeAspect="1"/>
+          </p:cNvPicPr>
+          <p:nvPr/>
+        </p:nvPicPr>
+        <p:blipFill>
+          <a:blip r:embed="rId3"/>
+          <a:stretch>
+            <a:fillRect/>
+          </a:stretch>
+        </p:blipFill>
+        <p:spPr>
+          <a:xfrm>
+            <a:off x="196205" y="3315803"/>
+            <a:ext cx="11799587" cy="3467689"/>
+          </a:xfrm>
+          <a:prstGeom prst="rect">
+            <a:avLst/>
+          </a:prstGeom>
+        </p:spPr>
+      </p:pic>
     </p:spTree>
     <p:extLst>
       <p:ext uri="{BB962C8B-B14F-4D97-AF65-F5344CB8AC3E}">
-        <p14:creationId xmlns:p14="http://schemas.microsoft.com/office/powerpoint/2010/main" val="1596211054"/>
+        <p14:creationId xmlns:p14="http://schemas.microsoft.com/office/powerpoint/2010/main" val="1296301190"/>
       </p:ext>
     </p:extLst>
   </p:cSld>
@@ -5002,9 +5079,12 @@
           </a:bodyPr>
           <a:lstStyle/>
           <a:p>
+            <a:pPr marL="342900" indent="-342900">
+              <a:buAutoNum type="arabicPeriod" startAt="5"/>
+            </a:pPr>
             <a:r>
               <a:rPr lang="en-US" b="1" dirty="0"/>
-              <a:t>6.	Let’s try and find some seasonality in this data</a:t>
+              <a:t>You’d want to find out the properties of parking violations across different times of the day:</a:t>
             </a:r>
           </a:p>
           <a:p>
@@ -5013,7 +5093,7 @@
             </a:pPr>
             <a:r>
               <a:rPr lang="en-US" sz="1400" b="1" dirty="0"/>
-              <a:t>First, divide the year into some number of seasons, and find frequencies of tickets for each season.</a:t>
+              <a:t>The Violation Time field is specified in a strange format. Find a way to make this into a time attribute that you can use to divide into groups.</a:t>
             </a:r>
           </a:p>
           <a:p>
@@ -5022,7 +5102,7 @@
             </a:pPr>
             <a:r>
               <a:rPr lang="en-US" sz="1400" b="1" dirty="0"/>
-              <a:t>Then, find the 3 most common violations for each of these season</a:t>
+              <a:t>Find a way to deal with missing values, if any.</a:t>
             </a:r>
             <a:endParaRPr lang="en-US" b="1" dirty="0">
               <a:latin typeface="Lato"/>
@@ -5030,10 +5110,70 @@
           </a:p>
         </p:txBody>
       </p:sp>
+      <p:pic>
+        <p:nvPicPr>
+          <p:cNvPr id="2" name="Picture 1">
+            <a:extLst>
+              <a:ext uri="{FF2B5EF4-FFF2-40B4-BE49-F238E27FC236}">
+                <a16:creationId xmlns:a16="http://schemas.microsoft.com/office/drawing/2014/main" id="{B14AADB6-A155-464D-B8FF-CDDE36B5B9B8}"/>
+              </a:ext>
+            </a:extLst>
+          </p:cNvPr>
+          <p:cNvPicPr>
+            <a:picLocks noChangeAspect="1"/>
+          </p:cNvPicPr>
+          <p:nvPr/>
+        </p:nvPicPr>
+        <p:blipFill>
+          <a:blip r:embed="rId3"/>
+          <a:stretch>
+            <a:fillRect/>
+          </a:stretch>
+        </p:blipFill>
+        <p:spPr>
+          <a:xfrm>
+            <a:off x="1065684" y="2681761"/>
+            <a:ext cx="4248610" cy="3903450"/>
+          </a:xfrm>
+          <a:prstGeom prst="rect">
+            <a:avLst/>
+          </a:prstGeom>
+        </p:spPr>
+      </p:pic>
+      <p:pic>
+        <p:nvPicPr>
+          <p:cNvPr id="3" name="Picture 2">
+            <a:extLst>
+              <a:ext uri="{FF2B5EF4-FFF2-40B4-BE49-F238E27FC236}">
+                <a16:creationId xmlns:a16="http://schemas.microsoft.com/office/drawing/2014/main" id="{C0CE5E6C-04C7-436D-A0C3-3A0B20A7374B}"/>
+              </a:ext>
+            </a:extLst>
+          </p:cNvPr>
+          <p:cNvPicPr>
+            <a:picLocks noChangeAspect="1"/>
+          </p:cNvPicPr>
+          <p:nvPr/>
+        </p:nvPicPr>
+        <p:blipFill>
+          <a:blip r:embed="rId4"/>
+          <a:stretch>
+            <a:fillRect/>
+          </a:stretch>
+        </p:blipFill>
+        <p:spPr>
+          <a:xfrm>
+            <a:off x="6045197" y="2681761"/>
+            <a:ext cx="4382480" cy="3903450"/>
+          </a:xfrm>
+          <a:prstGeom prst="rect">
+            <a:avLst/>
+          </a:prstGeom>
+        </p:spPr>
+      </p:pic>
     </p:spTree>
     <p:extLst>
       <p:ext uri="{BB962C8B-B14F-4D97-AF65-F5344CB8AC3E}">
-        <p14:creationId xmlns:p14="http://schemas.microsoft.com/office/powerpoint/2010/main" val="2063804990"/>
+        <p14:creationId xmlns:p14="http://schemas.microsoft.com/office/powerpoint/2010/main" val="1627089824"/>
       </p:ext>
     </p:extLst>
   </p:cSld>
@@ -5177,7 +5317,7 @@
         <p:spPr>
           <a:xfrm>
             <a:off x="196206" y="1797891"/>
-            <a:ext cx="11799587" cy="2215991"/>
+            <a:ext cx="11799587" cy="800219"/>
           </a:xfrm>
           <a:prstGeom prst="rect">
             <a:avLst/>
@@ -5190,9 +5330,990 @@
           </a:bodyPr>
           <a:lstStyle/>
           <a:p>
+            <a:pPr marL="342900" indent="-342900">
+              <a:buAutoNum type="arabicPeriod" startAt="5"/>
+            </a:pPr>
             <a:r>
               <a:rPr lang="en-US" b="1" dirty="0"/>
-              <a:t>6.	The fines collected from all the parking violation constitute a revenue source for the NYC police department. Let’s 	take an example of estimating that for the 3 most commonly occurring codes.</a:t>
+              <a:t>You’d want to find out the properties of parking violations across different times of the day:</a:t>
+            </a:r>
+          </a:p>
+          <a:p>
+            <a:pPr lvl="1"/>
+            <a:r>
+              <a:rPr lang="en-US" sz="1400" b="1" dirty="0"/>
+              <a:t>c)	Divide 24 hours into 6 equal discrete bins of time. The intervals you choose are at your discretion. For each of these groups, find the 3 most 	commonly occurring violations</a:t>
+            </a:r>
+          </a:p>
+        </p:txBody>
+      </p:sp>
+      <p:pic>
+        <p:nvPicPr>
+          <p:cNvPr id="5" name="Picture 4">
+            <a:extLst>
+              <a:ext uri="{FF2B5EF4-FFF2-40B4-BE49-F238E27FC236}">
+                <a16:creationId xmlns:a16="http://schemas.microsoft.com/office/drawing/2014/main" id="{EF9963C8-A981-49B9-9670-B37575F5CBA2}"/>
+              </a:ext>
+            </a:extLst>
+          </p:cNvPr>
+          <p:cNvPicPr>
+            <a:picLocks noChangeAspect="1"/>
+          </p:cNvPicPr>
+          <p:nvPr/>
+        </p:nvPicPr>
+        <p:blipFill>
+          <a:blip r:embed="rId3"/>
+          <a:stretch>
+            <a:fillRect/>
+          </a:stretch>
+        </p:blipFill>
+        <p:spPr>
+          <a:xfrm>
+            <a:off x="1033786" y="2612254"/>
+            <a:ext cx="3109852" cy="4125151"/>
+          </a:xfrm>
+          <a:prstGeom prst="rect">
+            <a:avLst/>
+          </a:prstGeom>
+        </p:spPr>
+      </p:pic>
+      <p:pic>
+        <p:nvPicPr>
+          <p:cNvPr id="6" name="Picture 5">
+            <a:extLst>
+              <a:ext uri="{FF2B5EF4-FFF2-40B4-BE49-F238E27FC236}">
+                <a16:creationId xmlns:a16="http://schemas.microsoft.com/office/drawing/2014/main" id="{65D22A31-04E6-4D6A-B20A-B109C7144B4D}"/>
+              </a:ext>
+            </a:extLst>
+          </p:cNvPr>
+          <p:cNvPicPr>
+            <a:picLocks noChangeAspect="1"/>
+          </p:cNvPicPr>
+          <p:nvPr/>
+        </p:nvPicPr>
+        <p:blipFill>
+          <a:blip r:embed="rId4"/>
+          <a:stretch>
+            <a:fillRect/>
+          </a:stretch>
+        </p:blipFill>
+        <p:spPr>
+          <a:xfrm>
+            <a:off x="4424464" y="2612254"/>
+            <a:ext cx="3083553" cy="4111404"/>
+          </a:xfrm>
+          <a:prstGeom prst="rect">
+            <a:avLst/>
+          </a:prstGeom>
+        </p:spPr>
+      </p:pic>
+      <p:pic>
+        <p:nvPicPr>
+          <p:cNvPr id="7" name="Picture 6">
+            <a:extLst>
+              <a:ext uri="{FF2B5EF4-FFF2-40B4-BE49-F238E27FC236}">
+                <a16:creationId xmlns:a16="http://schemas.microsoft.com/office/drawing/2014/main" id="{6DA86456-1217-4F8F-832A-BE3187B51A5B}"/>
+              </a:ext>
+            </a:extLst>
+          </p:cNvPr>
+          <p:cNvPicPr>
+            <a:picLocks noChangeAspect="1"/>
+          </p:cNvPicPr>
+          <p:nvPr/>
+        </p:nvPicPr>
+        <p:blipFill>
+          <a:blip r:embed="rId5"/>
+          <a:stretch>
+            <a:fillRect/>
+          </a:stretch>
+        </p:blipFill>
+        <p:spPr>
+          <a:xfrm>
+            <a:off x="7788843" y="2605182"/>
+            <a:ext cx="3089695" cy="4114257"/>
+          </a:xfrm>
+          <a:prstGeom prst="rect">
+            <a:avLst/>
+          </a:prstGeom>
+        </p:spPr>
+      </p:pic>
+    </p:spTree>
+    <p:extLst>
+      <p:ext uri="{BB962C8B-B14F-4D97-AF65-F5344CB8AC3E}">
+        <p14:creationId xmlns:p14="http://schemas.microsoft.com/office/powerpoint/2010/main" val="3255389645"/>
+      </p:ext>
+    </p:extLst>
+  </p:cSld>
+  <p:clrMapOvr>
+    <a:masterClrMapping/>
+  </p:clrMapOvr>
+</p:sld>
+</file>
+
+<file path=ppt/slides/slide16.xml><?xml version="1.0" encoding="utf-8"?>
+<p:sld xmlns:a="http://schemas.openxmlformats.org/drawingml/2006/main" xmlns:r="http://schemas.openxmlformats.org/officeDocument/2006/relationships" xmlns:p="http://schemas.openxmlformats.org/presentationml/2006/main">
+  <p:cSld>
+    <p:spTree>
+      <p:nvGrpSpPr>
+        <p:cNvPr id="1" name=""/>
+        <p:cNvGrpSpPr/>
+        <p:nvPr/>
+      </p:nvGrpSpPr>
+      <p:grpSpPr>
+        <a:xfrm>
+          <a:off x="0" y="0"/>
+          <a:ext cx="0" cy="0"/>
+          <a:chOff x="0" y="0"/>
+          <a:chExt cx="0" cy="0"/>
+        </a:xfrm>
+      </p:grpSpPr>
+      <p:grpSp>
+        <p:nvGrpSpPr>
+          <p:cNvPr id="11" name="Group 10">
+            <a:extLst>
+              <a:ext uri="{FF2B5EF4-FFF2-40B4-BE49-F238E27FC236}">
+                <a16:creationId xmlns:a16="http://schemas.microsoft.com/office/drawing/2014/main" id="{EBBA25A6-360E-4B6F-B6E1-CF2014CF9962}"/>
+              </a:ext>
+            </a:extLst>
+          </p:cNvPr>
+          <p:cNvGrpSpPr/>
+          <p:nvPr/>
+        </p:nvGrpSpPr>
+        <p:grpSpPr>
+          <a:xfrm>
+            <a:off x="0" y="990600"/>
+            <a:ext cx="12192000" cy="807291"/>
+            <a:chOff x="0" y="895350"/>
+            <a:chExt cx="12192000" cy="807291"/>
+          </a:xfrm>
+        </p:grpSpPr>
+        <p:pic>
+          <p:nvPicPr>
+            <p:cNvPr id="12" name="Picture 11">
+              <a:extLst>
+                <a:ext uri="{FF2B5EF4-FFF2-40B4-BE49-F238E27FC236}">
+                  <a16:creationId xmlns:a16="http://schemas.microsoft.com/office/drawing/2014/main" id="{1152C58B-7A3D-453B-BEF5-0D6A80241D16}"/>
+                </a:ext>
+              </a:extLst>
+            </p:cNvPr>
+            <p:cNvPicPr>
+              <a:picLocks noChangeAspect="1"/>
+            </p:cNvPicPr>
+            <p:nvPr/>
+          </p:nvPicPr>
+          <p:blipFill>
+            <a:blip r:embed="rId2">
+              <a:extLst>
+                <a:ext uri="{28A0092B-C50C-407E-A947-70E740481C1C}">
+                  <a14:useLocalDpi xmlns:a14="http://schemas.microsoft.com/office/drawing/2010/main" val="0"/>
+                </a:ext>
+              </a:extLst>
+            </a:blip>
+            <a:stretch>
+              <a:fillRect/>
+            </a:stretch>
+          </p:blipFill>
+          <p:spPr>
+            <a:xfrm>
+              <a:off x="0" y="895350"/>
+              <a:ext cx="12192000" cy="807291"/>
+            </a:xfrm>
+            <a:prstGeom prst="rect">
+              <a:avLst/>
+            </a:prstGeom>
+          </p:spPr>
+        </p:pic>
+        <p:sp>
+          <p:nvSpPr>
+            <p:cNvPr id="13" name="Rectangle 12">
+              <a:extLst>
+                <a:ext uri="{FF2B5EF4-FFF2-40B4-BE49-F238E27FC236}">
+                  <a16:creationId xmlns:a16="http://schemas.microsoft.com/office/drawing/2014/main" id="{CF7573B2-FDB7-41CD-8FE1-311DF7F4E7B3}"/>
+                </a:ext>
+              </a:extLst>
+            </p:cNvPr>
+            <p:cNvSpPr/>
+            <p:nvPr/>
+          </p:nvSpPr>
+          <p:spPr>
+            <a:xfrm>
+              <a:off x="210706" y="1148643"/>
+              <a:ext cx="3526415" cy="553998"/>
+            </a:xfrm>
+            <a:prstGeom prst="rect">
+              <a:avLst/>
+            </a:prstGeom>
+          </p:spPr>
+          <p:txBody>
+            <a:bodyPr wrap="none">
+              <a:spAutoFit/>
+            </a:bodyPr>
+            <a:lstStyle/>
+            <a:p>
+              <a:r>
+                <a:rPr lang="en-US" sz="3000" b="1" dirty="0">
+                  <a:solidFill>
+                    <a:schemeClr val="bg1"/>
+                  </a:solidFill>
+                  <a:latin typeface="Lato" charset="0"/>
+                </a:rPr>
+                <a:t>Aggregation Tasks</a:t>
+              </a:r>
+              <a:endParaRPr lang="en-US" sz="2400" b="1" dirty="0">
+                <a:solidFill>
+                  <a:schemeClr val="bg1"/>
+                </a:solidFill>
+                <a:latin typeface="Lato" charset="0"/>
+              </a:endParaRPr>
+            </a:p>
+          </p:txBody>
+        </p:sp>
+      </p:grpSp>
+      <p:sp>
+        <p:nvSpPr>
+          <p:cNvPr id="8" name="TextBox 7">
+            <a:extLst>
+              <a:ext uri="{FF2B5EF4-FFF2-40B4-BE49-F238E27FC236}">
+                <a16:creationId xmlns:a16="http://schemas.microsoft.com/office/drawing/2014/main" id="{C4728C7A-92DB-470B-B9B8-52D86CEDDDF8}"/>
+              </a:ext>
+            </a:extLst>
+          </p:cNvPr>
+          <p:cNvSpPr txBox="1"/>
+          <p:nvPr/>
+        </p:nvSpPr>
+        <p:spPr>
+          <a:xfrm>
+            <a:off x="196206" y="1797891"/>
+            <a:ext cx="11799587" cy="1015663"/>
+          </a:xfrm>
+          <a:prstGeom prst="rect">
+            <a:avLst/>
+          </a:prstGeom>
+          <a:noFill/>
+        </p:spPr>
+        <p:txBody>
+          <a:bodyPr wrap="square" rtlCol="0">
+            <a:spAutoFit/>
+          </a:bodyPr>
+          <a:lstStyle/>
+          <a:p>
+            <a:pPr marL="342900" indent="-342900">
+              <a:buAutoNum type="arabicPeriod" startAt="5"/>
+            </a:pPr>
+            <a:r>
+              <a:rPr lang="en-US" b="1" dirty="0"/>
+              <a:t>You’d want to find out the properties of parking violations across different times of the day:</a:t>
+            </a:r>
+          </a:p>
+          <a:p>
+            <a:pPr lvl="1"/>
+            <a:r>
+              <a:rPr lang="en-US" sz="1400" b="1" dirty="0"/>
+              <a:t>d)	Now, try another direction. For the 3 most commonly occurring violation codes, find the most common times of day (in terms of the bins from 	the previous part)</a:t>
+            </a:r>
+          </a:p>
+          <a:p>
+            <a:pPr lvl="1"/>
+            <a:endParaRPr lang="en-US" sz="1400" b="1" dirty="0"/>
+          </a:p>
+        </p:txBody>
+      </p:sp>
+    </p:spTree>
+    <p:extLst>
+      <p:ext uri="{BB962C8B-B14F-4D97-AF65-F5344CB8AC3E}">
+        <p14:creationId xmlns:p14="http://schemas.microsoft.com/office/powerpoint/2010/main" val="1654216890"/>
+      </p:ext>
+    </p:extLst>
+  </p:cSld>
+  <p:clrMapOvr>
+    <a:masterClrMapping/>
+  </p:clrMapOvr>
+</p:sld>
+</file>
+
+<file path=ppt/slides/slide17.xml><?xml version="1.0" encoding="utf-8"?>
+<p:sld xmlns:a="http://schemas.openxmlformats.org/drawingml/2006/main" xmlns:r="http://schemas.openxmlformats.org/officeDocument/2006/relationships" xmlns:p="http://schemas.openxmlformats.org/presentationml/2006/main">
+  <p:cSld>
+    <p:spTree>
+      <p:nvGrpSpPr>
+        <p:cNvPr id="1" name=""/>
+        <p:cNvGrpSpPr/>
+        <p:nvPr/>
+      </p:nvGrpSpPr>
+      <p:grpSpPr>
+        <a:xfrm>
+          <a:off x="0" y="0"/>
+          <a:ext cx="0" cy="0"/>
+          <a:chOff x="0" y="0"/>
+          <a:chExt cx="0" cy="0"/>
+        </a:xfrm>
+      </p:grpSpPr>
+      <p:grpSp>
+        <p:nvGrpSpPr>
+          <p:cNvPr id="11" name="Group 10">
+            <a:extLst>
+              <a:ext uri="{FF2B5EF4-FFF2-40B4-BE49-F238E27FC236}">
+                <a16:creationId xmlns:a16="http://schemas.microsoft.com/office/drawing/2014/main" id="{EBBA25A6-360E-4B6F-B6E1-CF2014CF9962}"/>
+              </a:ext>
+            </a:extLst>
+          </p:cNvPr>
+          <p:cNvGrpSpPr/>
+          <p:nvPr/>
+        </p:nvGrpSpPr>
+        <p:grpSpPr>
+          <a:xfrm>
+            <a:off x="0" y="990600"/>
+            <a:ext cx="12192000" cy="807291"/>
+            <a:chOff x="0" y="895350"/>
+            <a:chExt cx="12192000" cy="807291"/>
+          </a:xfrm>
+        </p:grpSpPr>
+        <p:pic>
+          <p:nvPicPr>
+            <p:cNvPr id="12" name="Picture 11">
+              <a:extLst>
+                <a:ext uri="{FF2B5EF4-FFF2-40B4-BE49-F238E27FC236}">
+                  <a16:creationId xmlns:a16="http://schemas.microsoft.com/office/drawing/2014/main" id="{1152C58B-7A3D-453B-BEF5-0D6A80241D16}"/>
+                </a:ext>
+              </a:extLst>
+            </p:cNvPr>
+            <p:cNvPicPr>
+              <a:picLocks noChangeAspect="1"/>
+            </p:cNvPicPr>
+            <p:nvPr/>
+          </p:nvPicPr>
+          <p:blipFill>
+            <a:blip r:embed="rId2">
+              <a:extLst>
+                <a:ext uri="{28A0092B-C50C-407E-A947-70E740481C1C}">
+                  <a14:useLocalDpi xmlns:a14="http://schemas.microsoft.com/office/drawing/2010/main" val="0"/>
+                </a:ext>
+              </a:extLst>
+            </a:blip>
+            <a:stretch>
+              <a:fillRect/>
+            </a:stretch>
+          </p:blipFill>
+          <p:spPr>
+            <a:xfrm>
+              <a:off x="0" y="895350"/>
+              <a:ext cx="12192000" cy="807291"/>
+            </a:xfrm>
+            <a:prstGeom prst="rect">
+              <a:avLst/>
+            </a:prstGeom>
+          </p:spPr>
+        </p:pic>
+        <p:sp>
+          <p:nvSpPr>
+            <p:cNvPr id="13" name="Rectangle 12">
+              <a:extLst>
+                <a:ext uri="{FF2B5EF4-FFF2-40B4-BE49-F238E27FC236}">
+                  <a16:creationId xmlns:a16="http://schemas.microsoft.com/office/drawing/2014/main" id="{CF7573B2-FDB7-41CD-8FE1-311DF7F4E7B3}"/>
+                </a:ext>
+              </a:extLst>
+            </p:cNvPr>
+            <p:cNvSpPr/>
+            <p:nvPr/>
+          </p:nvSpPr>
+          <p:spPr>
+            <a:xfrm>
+              <a:off x="210706" y="1148643"/>
+              <a:ext cx="3526415" cy="553998"/>
+            </a:xfrm>
+            <a:prstGeom prst="rect">
+              <a:avLst/>
+            </a:prstGeom>
+          </p:spPr>
+          <p:txBody>
+            <a:bodyPr wrap="none">
+              <a:spAutoFit/>
+            </a:bodyPr>
+            <a:lstStyle/>
+            <a:p>
+              <a:r>
+                <a:rPr lang="en-US" sz="3000" b="1" dirty="0">
+                  <a:solidFill>
+                    <a:schemeClr val="bg1"/>
+                  </a:solidFill>
+                  <a:latin typeface="Lato" charset="0"/>
+                </a:rPr>
+                <a:t>Aggregation Tasks</a:t>
+              </a:r>
+              <a:endParaRPr lang="en-US" sz="2400" b="1" dirty="0">
+                <a:solidFill>
+                  <a:schemeClr val="bg1"/>
+                </a:solidFill>
+                <a:latin typeface="Lato" charset="0"/>
+              </a:endParaRPr>
+            </a:p>
+          </p:txBody>
+        </p:sp>
+      </p:grpSp>
+      <p:sp>
+        <p:nvSpPr>
+          <p:cNvPr id="8" name="TextBox 7">
+            <a:extLst>
+              <a:ext uri="{FF2B5EF4-FFF2-40B4-BE49-F238E27FC236}">
+                <a16:creationId xmlns:a16="http://schemas.microsoft.com/office/drawing/2014/main" id="{C4728C7A-92DB-470B-B9B8-52D86CEDDDF8}"/>
+              </a:ext>
+            </a:extLst>
+          </p:cNvPr>
+          <p:cNvSpPr txBox="1"/>
+          <p:nvPr/>
+        </p:nvSpPr>
+        <p:spPr>
+          <a:xfrm>
+            <a:off x="196206" y="1797891"/>
+            <a:ext cx="11799587" cy="584775"/>
+          </a:xfrm>
+          <a:prstGeom prst="rect">
+            <a:avLst/>
+          </a:prstGeom>
+          <a:noFill/>
+        </p:spPr>
+        <p:txBody>
+          <a:bodyPr wrap="square" rtlCol="0">
+            <a:spAutoFit/>
+          </a:bodyPr>
+          <a:lstStyle/>
+          <a:p>
+            <a:r>
+              <a:rPr lang="en-US" b="1" dirty="0"/>
+              <a:t>6.	Let’s try and find some seasonality in this data</a:t>
+            </a:r>
+          </a:p>
+          <a:p>
+            <a:pPr marL="800100" lvl="1" indent="-342900">
+              <a:buAutoNum type="alphaLcParenR"/>
+            </a:pPr>
+            <a:r>
+              <a:rPr lang="en-US" sz="1400" b="1" dirty="0"/>
+              <a:t>First, divide the year into some number of seasons, and find frequencies of tickets for each season.</a:t>
+            </a:r>
+          </a:p>
+        </p:txBody>
+      </p:sp>
+      <p:pic>
+        <p:nvPicPr>
+          <p:cNvPr id="2" name="Picture 1">
+            <a:extLst>
+              <a:ext uri="{FF2B5EF4-FFF2-40B4-BE49-F238E27FC236}">
+                <a16:creationId xmlns:a16="http://schemas.microsoft.com/office/drawing/2014/main" id="{D106F125-B84A-4A3A-8427-0BC5CE6E7101}"/>
+              </a:ext>
+            </a:extLst>
+          </p:cNvPr>
+          <p:cNvPicPr>
+            <a:picLocks noChangeAspect="1"/>
+          </p:cNvPicPr>
+          <p:nvPr/>
+        </p:nvPicPr>
+        <p:blipFill>
+          <a:blip r:embed="rId3"/>
+          <a:stretch>
+            <a:fillRect/>
+          </a:stretch>
+        </p:blipFill>
+        <p:spPr>
+          <a:xfrm>
+            <a:off x="1547272" y="3040187"/>
+            <a:ext cx="3695700" cy="1343025"/>
+          </a:xfrm>
+          <a:prstGeom prst="rect">
+            <a:avLst/>
+          </a:prstGeom>
+        </p:spPr>
+      </p:pic>
+      <p:pic>
+        <p:nvPicPr>
+          <p:cNvPr id="3" name="Picture 2">
+            <a:extLst>
+              <a:ext uri="{FF2B5EF4-FFF2-40B4-BE49-F238E27FC236}">
+                <a16:creationId xmlns:a16="http://schemas.microsoft.com/office/drawing/2014/main" id="{11307F53-9470-4982-8933-1230BAC54657}"/>
+              </a:ext>
+            </a:extLst>
+          </p:cNvPr>
+          <p:cNvPicPr>
+            <a:picLocks noChangeAspect="1"/>
+          </p:cNvPicPr>
+          <p:nvPr/>
+        </p:nvPicPr>
+        <p:blipFill>
+          <a:blip r:embed="rId4"/>
+          <a:stretch>
+            <a:fillRect/>
+          </a:stretch>
+        </p:blipFill>
+        <p:spPr>
+          <a:xfrm>
+            <a:off x="6427616" y="3044949"/>
+            <a:ext cx="3695700" cy="1333500"/>
+          </a:xfrm>
+          <a:prstGeom prst="rect">
+            <a:avLst/>
+          </a:prstGeom>
+        </p:spPr>
+      </p:pic>
+      <p:pic>
+        <p:nvPicPr>
+          <p:cNvPr id="4" name="Picture 3">
+            <a:extLst>
+              <a:ext uri="{FF2B5EF4-FFF2-40B4-BE49-F238E27FC236}">
+                <a16:creationId xmlns:a16="http://schemas.microsoft.com/office/drawing/2014/main" id="{AE2DFAED-03D5-485B-90BA-EA02FBF5EC40}"/>
+              </a:ext>
+            </a:extLst>
+          </p:cNvPr>
+          <p:cNvPicPr>
+            <a:picLocks noChangeAspect="1"/>
+          </p:cNvPicPr>
+          <p:nvPr/>
+        </p:nvPicPr>
+        <p:blipFill>
+          <a:blip r:embed="rId5"/>
+          <a:stretch>
+            <a:fillRect/>
+          </a:stretch>
+        </p:blipFill>
+        <p:spPr>
+          <a:xfrm>
+            <a:off x="3981229" y="4825288"/>
+            <a:ext cx="3676650" cy="1333500"/>
+          </a:xfrm>
+          <a:prstGeom prst="rect">
+            <a:avLst/>
+          </a:prstGeom>
+        </p:spPr>
+      </p:pic>
+    </p:spTree>
+    <p:extLst>
+      <p:ext uri="{BB962C8B-B14F-4D97-AF65-F5344CB8AC3E}">
+        <p14:creationId xmlns:p14="http://schemas.microsoft.com/office/powerpoint/2010/main" val="2063804990"/>
+      </p:ext>
+    </p:extLst>
+  </p:cSld>
+  <p:clrMapOvr>
+    <a:masterClrMapping/>
+  </p:clrMapOvr>
+</p:sld>
+</file>
+
+<file path=ppt/slides/slide18.xml><?xml version="1.0" encoding="utf-8"?>
+<p:sld xmlns:a="http://schemas.openxmlformats.org/drawingml/2006/main" xmlns:r="http://schemas.openxmlformats.org/officeDocument/2006/relationships" xmlns:p="http://schemas.openxmlformats.org/presentationml/2006/main">
+  <p:cSld>
+    <p:spTree>
+      <p:nvGrpSpPr>
+        <p:cNvPr id="1" name=""/>
+        <p:cNvGrpSpPr/>
+        <p:nvPr/>
+      </p:nvGrpSpPr>
+      <p:grpSpPr>
+        <a:xfrm>
+          <a:off x="0" y="0"/>
+          <a:ext cx="0" cy="0"/>
+          <a:chOff x="0" y="0"/>
+          <a:chExt cx="0" cy="0"/>
+        </a:xfrm>
+      </p:grpSpPr>
+      <p:grpSp>
+        <p:nvGrpSpPr>
+          <p:cNvPr id="11" name="Group 10">
+            <a:extLst>
+              <a:ext uri="{FF2B5EF4-FFF2-40B4-BE49-F238E27FC236}">
+                <a16:creationId xmlns:a16="http://schemas.microsoft.com/office/drawing/2014/main" id="{EBBA25A6-360E-4B6F-B6E1-CF2014CF9962}"/>
+              </a:ext>
+            </a:extLst>
+          </p:cNvPr>
+          <p:cNvGrpSpPr/>
+          <p:nvPr/>
+        </p:nvGrpSpPr>
+        <p:grpSpPr>
+          <a:xfrm>
+            <a:off x="0" y="990600"/>
+            <a:ext cx="12192000" cy="807291"/>
+            <a:chOff x="0" y="895350"/>
+            <a:chExt cx="12192000" cy="807291"/>
+          </a:xfrm>
+        </p:grpSpPr>
+        <p:pic>
+          <p:nvPicPr>
+            <p:cNvPr id="12" name="Picture 11">
+              <a:extLst>
+                <a:ext uri="{FF2B5EF4-FFF2-40B4-BE49-F238E27FC236}">
+                  <a16:creationId xmlns:a16="http://schemas.microsoft.com/office/drawing/2014/main" id="{1152C58B-7A3D-453B-BEF5-0D6A80241D16}"/>
+                </a:ext>
+              </a:extLst>
+            </p:cNvPr>
+            <p:cNvPicPr>
+              <a:picLocks noChangeAspect="1"/>
+            </p:cNvPicPr>
+            <p:nvPr/>
+          </p:nvPicPr>
+          <p:blipFill>
+            <a:blip r:embed="rId2">
+              <a:extLst>
+                <a:ext uri="{28A0092B-C50C-407E-A947-70E740481C1C}">
+                  <a14:useLocalDpi xmlns:a14="http://schemas.microsoft.com/office/drawing/2010/main" val="0"/>
+                </a:ext>
+              </a:extLst>
+            </a:blip>
+            <a:stretch>
+              <a:fillRect/>
+            </a:stretch>
+          </p:blipFill>
+          <p:spPr>
+            <a:xfrm>
+              <a:off x="0" y="895350"/>
+              <a:ext cx="12192000" cy="807291"/>
+            </a:xfrm>
+            <a:prstGeom prst="rect">
+              <a:avLst/>
+            </a:prstGeom>
+          </p:spPr>
+        </p:pic>
+        <p:sp>
+          <p:nvSpPr>
+            <p:cNvPr id="13" name="Rectangle 12">
+              <a:extLst>
+                <a:ext uri="{FF2B5EF4-FFF2-40B4-BE49-F238E27FC236}">
+                  <a16:creationId xmlns:a16="http://schemas.microsoft.com/office/drawing/2014/main" id="{CF7573B2-FDB7-41CD-8FE1-311DF7F4E7B3}"/>
+                </a:ext>
+              </a:extLst>
+            </p:cNvPr>
+            <p:cNvSpPr/>
+            <p:nvPr/>
+          </p:nvSpPr>
+          <p:spPr>
+            <a:xfrm>
+              <a:off x="210706" y="1148643"/>
+              <a:ext cx="3526415" cy="553998"/>
+            </a:xfrm>
+            <a:prstGeom prst="rect">
+              <a:avLst/>
+            </a:prstGeom>
+          </p:spPr>
+          <p:txBody>
+            <a:bodyPr wrap="none">
+              <a:spAutoFit/>
+            </a:bodyPr>
+            <a:lstStyle/>
+            <a:p>
+              <a:r>
+                <a:rPr lang="en-US" sz="3000" b="1" dirty="0">
+                  <a:solidFill>
+                    <a:schemeClr val="bg1"/>
+                  </a:solidFill>
+                  <a:latin typeface="Lato" charset="0"/>
+                </a:rPr>
+                <a:t>Aggregation Tasks</a:t>
+              </a:r>
+              <a:endParaRPr lang="en-US" sz="2400" b="1" dirty="0">
+                <a:solidFill>
+                  <a:schemeClr val="bg1"/>
+                </a:solidFill>
+                <a:latin typeface="Lato" charset="0"/>
+              </a:endParaRPr>
+            </a:p>
+          </p:txBody>
+        </p:sp>
+      </p:grpSp>
+      <p:sp>
+        <p:nvSpPr>
+          <p:cNvPr id="8" name="TextBox 7">
+            <a:extLst>
+              <a:ext uri="{FF2B5EF4-FFF2-40B4-BE49-F238E27FC236}">
+                <a16:creationId xmlns:a16="http://schemas.microsoft.com/office/drawing/2014/main" id="{C4728C7A-92DB-470B-B9B8-52D86CEDDDF8}"/>
+              </a:ext>
+            </a:extLst>
+          </p:cNvPr>
+          <p:cNvSpPr txBox="1"/>
+          <p:nvPr/>
+        </p:nvSpPr>
+        <p:spPr>
+          <a:xfrm>
+            <a:off x="196206" y="1797891"/>
+            <a:ext cx="11799587" cy="584775"/>
+          </a:xfrm>
+          <a:prstGeom prst="rect">
+            <a:avLst/>
+          </a:prstGeom>
+          <a:noFill/>
+        </p:spPr>
+        <p:txBody>
+          <a:bodyPr wrap="square" rtlCol="0">
+            <a:spAutoFit/>
+          </a:bodyPr>
+          <a:lstStyle/>
+          <a:p>
+            <a:r>
+              <a:rPr lang="en-US" b="1" dirty="0"/>
+              <a:t>6.	Let’s try and find some seasonality in this data</a:t>
+            </a:r>
+          </a:p>
+          <a:p>
+            <a:pPr lvl="1"/>
+            <a:r>
+              <a:rPr lang="en-US" sz="1400" b="1" dirty="0"/>
+              <a:t>b)	Then, find the 3 most common violations for each of these season</a:t>
+            </a:r>
+            <a:endParaRPr lang="en-US" b="1" dirty="0">
+              <a:latin typeface="Lato"/>
+            </a:endParaRPr>
+          </a:p>
+        </p:txBody>
+      </p:sp>
+      <p:pic>
+        <p:nvPicPr>
+          <p:cNvPr id="5" name="Picture 4">
+            <a:extLst>
+              <a:ext uri="{FF2B5EF4-FFF2-40B4-BE49-F238E27FC236}">
+                <a16:creationId xmlns:a16="http://schemas.microsoft.com/office/drawing/2014/main" id="{3D621F28-18AA-48DF-97E5-EB82D558E71B}"/>
+              </a:ext>
+            </a:extLst>
+          </p:cNvPr>
+          <p:cNvPicPr>
+            <a:picLocks noChangeAspect="1"/>
+          </p:cNvPicPr>
+          <p:nvPr/>
+        </p:nvPicPr>
+        <p:blipFill>
+          <a:blip r:embed="rId3"/>
+          <a:stretch>
+            <a:fillRect/>
+          </a:stretch>
+        </p:blipFill>
+        <p:spPr>
+          <a:xfrm>
+            <a:off x="461851" y="2858608"/>
+            <a:ext cx="3676650" cy="2990850"/>
+          </a:xfrm>
+          <a:prstGeom prst="rect">
+            <a:avLst/>
+          </a:prstGeom>
+        </p:spPr>
+      </p:pic>
+      <p:pic>
+        <p:nvPicPr>
+          <p:cNvPr id="6" name="Picture 5">
+            <a:extLst>
+              <a:ext uri="{FF2B5EF4-FFF2-40B4-BE49-F238E27FC236}">
+                <a16:creationId xmlns:a16="http://schemas.microsoft.com/office/drawing/2014/main" id="{3313F966-C2D6-4FA6-A3DD-C2205719270D}"/>
+              </a:ext>
+            </a:extLst>
+          </p:cNvPr>
+          <p:cNvPicPr>
+            <a:picLocks noChangeAspect="1"/>
+          </p:cNvPicPr>
+          <p:nvPr/>
+        </p:nvPicPr>
+        <p:blipFill>
+          <a:blip r:embed="rId4"/>
+          <a:stretch>
+            <a:fillRect/>
+          </a:stretch>
+        </p:blipFill>
+        <p:spPr>
+          <a:xfrm>
+            <a:off x="4243386" y="2849083"/>
+            <a:ext cx="3705225" cy="3009900"/>
+          </a:xfrm>
+          <a:prstGeom prst="rect">
+            <a:avLst/>
+          </a:prstGeom>
+        </p:spPr>
+      </p:pic>
+      <p:pic>
+        <p:nvPicPr>
+          <p:cNvPr id="7" name="Picture 6">
+            <a:extLst>
+              <a:ext uri="{FF2B5EF4-FFF2-40B4-BE49-F238E27FC236}">
+                <a16:creationId xmlns:a16="http://schemas.microsoft.com/office/drawing/2014/main" id="{04778C00-C70B-45C0-93BD-7586A31FB9D3}"/>
+              </a:ext>
+            </a:extLst>
+          </p:cNvPr>
+          <p:cNvPicPr>
+            <a:picLocks noChangeAspect="1"/>
+          </p:cNvPicPr>
+          <p:nvPr/>
+        </p:nvPicPr>
+        <p:blipFill>
+          <a:blip r:embed="rId5"/>
+          <a:stretch>
+            <a:fillRect/>
+          </a:stretch>
+        </p:blipFill>
+        <p:spPr>
+          <a:xfrm>
+            <a:off x="8053496" y="2858608"/>
+            <a:ext cx="3667125" cy="3009900"/>
+          </a:xfrm>
+          <a:prstGeom prst="rect">
+            <a:avLst/>
+          </a:prstGeom>
+        </p:spPr>
+      </p:pic>
+    </p:spTree>
+    <p:extLst>
+      <p:ext uri="{BB962C8B-B14F-4D97-AF65-F5344CB8AC3E}">
+        <p14:creationId xmlns:p14="http://schemas.microsoft.com/office/powerpoint/2010/main" val="2866829948"/>
+      </p:ext>
+    </p:extLst>
+  </p:cSld>
+  <p:clrMapOvr>
+    <a:masterClrMapping/>
+  </p:clrMapOvr>
+</p:sld>
+</file>
+
+<file path=ppt/slides/slide19.xml><?xml version="1.0" encoding="utf-8"?>
+<p:sld xmlns:a="http://schemas.openxmlformats.org/drawingml/2006/main" xmlns:r="http://schemas.openxmlformats.org/officeDocument/2006/relationships" xmlns:p="http://schemas.openxmlformats.org/presentationml/2006/main">
+  <p:cSld>
+    <p:spTree>
+      <p:nvGrpSpPr>
+        <p:cNvPr id="1" name=""/>
+        <p:cNvGrpSpPr/>
+        <p:nvPr/>
+      </p:nvGrpSpPr>
+      <p:grpSpPr>
+        <a:xfrm>
+          <a:off x="0" y="0"/>
+          <a:ext cx="0" cy="0"/>
+          <a:chOff x="0" y="0"/>
+          <a:chExt cx="0" cy="0"/>
+        </a:xfrm>
+      </p:grpSpPr>
+      <p:grpSp>
+        <p:nvGrpSpPr>
+          <p:cNvPr id="11" name="Group 10">
+            <a:extLst>
+              <a:ext uri="{FF2B5EF4-FFF2-40B4-BE49-F238E27FC236}">
+                <a16:creationId xmlns:a16="http://schemas.microsoft.com/office/drawing/2014/main" id="{EBBA25A6-360E-4B6F-B6E1-CF2014CF9962}"/>
+              </a:ext>
+            </a:extLst>
+          </p:cNvPr>
+          <p:cNvGrpSpPr/>
+          <p:nvPr/>
+        </p:nvGrpSpPr>
+        <p:grpSpPr>
+          <a:xfrm>
+            <a:off x="0" y="990600"/>
+            <a:ext cx="12192000" cy="807291"/>
+            <a:chOff x="0" y="895350"/>
+            <a:chExt cx="12192000" cy="807291"/>
+          </a:xfrm>
+        </p:grpSpPr>
+        <p:pic>
+          <p:nvPicPr>
+            <p:cNvPr id="12" name="Picture 11">
+              <a:extLst>
+                <a:ext uri="{FF2B5EF4-FFF2-40B4-BE49-F238E27FC236}">
+                  <a16:creationId xmlns:a16="http://schemas.microsoft.com/office/drawing/2014/main" id="{1152C58B-7A3D-453B-BEF5-0D6A80241D16}"/>
+                </a:ext>
+              </a:extLst>
+            </p:cNvPr>
+            <p:cNvPicPr>
+              <a:picLocks noChangeAspect="1"/>
+            </p:cNvPicPr>
+            <p:nvPr/>
+          </p:nvPicPr>
+          <p:blipFill>
+            <a:blip r:embed="rId2">
+              <a:extLst>
+                <a:ext uri="{28A0092B-C50C-407E-A947-70E740481C1C}">
+                  <a14:useLocalDpi xmlns:a14="http://schemas.microsoft.com/office/drawing/2010/main" val="0"/>
+                </a:ext>
+              </a:extLst>
+            </a:blip>
+            <a:stretch>
+              <a:fillRect/>
+            </a:stretch>
+          </p:blipFill>
+          <p:spPr>
+            <a:xfrm>
+              <a:off x="0" y="895350"/>
+              <a:ext cx="12192000" cy="807291"/>
+            </a:xfrm>
+            <a:prstGeom prst="rect">
+              <a:avLst/>
+            </a:prstGeom>
+          </p:spPr>
+        </p:pic>
+        <p:sp>
+          <p:nvSpPr>
+            <p:cNvPr id="13" name="Rectangle 12">
+              <a:extLst>
+                <a:ext uri="{FF2B5EF4-FFF2-40B4-BE49-F238E27FC236}">
+                  <a16:creationId xmlns:a16="http://schemas.microsoft.com/office/drawing/2014/main" id="{CF7573B2-FDB7-41CD-8FE1-311DF7F4E7B3}"/>
+                </a:ext>
+              </a:extLst>
+            </p:cNvPr>
+            <p:cNvSpPr/>
+            <p:nvPr/>
+          </p:nvSpPr>
+          <p:spPr>
+            <a:xfrm>
+              <a:off x="210706" y="1148643"/>
+              <a:ext cx="3526415" cy="553998"/>
+            </a:xfrm>
+            <a:prstGeom prst="rect">
+              <a:avLst/>
+            </a:prstGeom>
+          </p:spPr>
+          <p:txBody>
+            <a:bodyPr wrap="none">
+              <a:spAutoFit/>
+            </a:bodyPr>
+            <a:lstStyle/>
+            <a:p>
+              <a:r>
+                <a:rPr lang="en-US" sz="3000" b="1" dirty="0">
+                  <a:solidFill>
+                    <a:schemeClr val="bg1"/>
+                  </a:solidFill>
+                  <a:latin typeface="Lato" charset="0"/>
+                </a:rPr>
+                <a:t>Aggregation Tasks</a:t>
+              </a:r>
+              <a:endParaRPr lang="en-US" sz="2400" b="1" dirty="0">
+                <a:solidFill>
+                  <a:schemeClr val="bg1"/>
+                </a:solidFill>
+                <a:latin typeface="Lato" charset="0"/>
+              </a:endParaRPr>
+            </a:p>
+          </p:txBody>
+        </p:sp>
+      </p:grpSp>
+      <p:sp>
+        <p:nvSpPr>
+          <p:cNvPr id="8" name="TextBox 7">
+            <a:extLst>
+              <a:ext uri="{FF2B5EF4-FFF2-40B4-BE49-F238E27FC236}">
+                <a16:creationId xmlns:a16="http://schemas.microsoft.com/office/drawing/2014/main" id="{C4728C7A-92DB-470B-B9B8-52D86CEDDDF8}"/>
+              </a:ext>
+            </a:extLst>
+          </p:cNvPr>
+          <p:cNvSpPr txBox="1"/>
+          <p:nvPr/>
+        </p:nvSpPr>
+        <p:spPr>
+          <a:xfrm>
+            <a:off x="196206" y="1797891"/>
+            <a:ext cx="11799587" cy="1354217"/>
+          </a:xfrm>
+          <a:prstGeom prst="rect">
+            <a:avLst/>
+          </a:prstGeom>
+          <a:noFill/>
+        </p:spPr>
+        <p:txBody>
+          <a:bodyPr wrap="square" rtlCol="0">
+            <a:spAutoFit/>
+          </a:bodyPr>
+          <a:lstStyle/>
+          <a:p>
+            <a:r>
+              <a:rPr lang="en-US" b="1" dirty="0"/>
+              <a:t>7.	The fines collected from all the parking violation constitute a revenue source for the NYC police department. Let’s 	take an example of estimating that for the 3 most commonly occurring codes.</a:t>
             </a:r>
           </a:p>
           <a:p>
@@ -5206,40 +6327,7 @@
             </a:r>
           </a:p>
           <a:p>
-            <a:pPr marL="800100" lvl="1" indent="-342900">
-              <a:buFontTx/>
-              <a:buAutoNum type="alphaLcParenR"/>
-            </a:pPr>
-            <a:r>
-              <a:rPr lang="en-US" sz="1400" b="1" dirty="0"/>
-              <a:t>Then, search the internet for NYC parking violation code fines. You will find a website (on the nyc.gov URL) that lists these fines. They’re divided into two categories, one for the highest-density locations of the city, the other for the rest of the city. For simplicity, take an average of the two. </a:t>
-            </a:r>
-          </a:p>
-          <a:p>
-            <a:pPr marL="800100" lvl="1" indent="-342900">
-              <a:buFontTx/>
-              <a:buAutoNum type="alphaLcParenR"/>
-            </a:pPr>
-            <a:r>
-              <a:rPr lang="en-US" sz="1400" b="1" dirty="0"/>
-              <a:t>Using this information, find the total amount collected for all of the fines. State the code which has the highest total collection. </a:t>
-            </a:r>
-          </a:p>
-          <a:p>
-            <a:pPr marL="800100" lvl="1" indent="-342900">
-              <a:buFontTx/>
-              <a:buAutoNum type="alphaLcParenR"/>
-            </a:pPr>
-            <a:r>
-              <a:rPr lang="en-US" sz="1400" b="1" dirty="0"/>
-              <a:t>What can you intuitively infer from these findings?</a:t>
-            </a:r>
-          </a:p>
-          <a:p>
-            <a:pPr marL="800100" lvl="1" indent="-342900">
-              <a:buFontTx/>
-              <a:buAutoNum type="alphaLcParenR"/>
-            </a:pPr>
+            <a:pPr lvl="1"/>
             <a:endParaRPr lang="en-US" sz="1400" b="1" dirty="0"/>
           </a:p>
           <a:p>
@@ -5252,6 +6340,66 @@
           </a:p>
         </p:txBody>
       </p:sp>
+      <p:pic>
+        <p:nvPicPr>
+          <p:cNvPr id="2" name="Picture 1">
+            <a:extLst>
+              <a:ext uri="{FF2B5EF4-FFF2-40B4-BE49-F238E27FC236}">
+                <a16:creationId xmlns:a16="http://schemas.microsoft.com/office/drawing/2014/main" id="{7545A27F-E1B2-415D-919F-C2A16B8C8185}"/>
+              </a:ext>
+            </a:extLst>
+          </p:cNvPr>
+          <p:cNvPicPr>
+            <a:picLocks noChangeAspect="1"/>
+          </p:cNvPicPr>
+          <p:nvPr/>
+        </p:nvPicPr>
+        <p:blipFill>
+          <a:blip r:embed="rId3"/>
+          <a:stretch>
+            <a:fillRect/>
+          </a:stretch>
+        </p:blipFill>
+        <p:spPr>
+          <a:xfrm>
+            <a:off x="1771649" y="3150331"/>
+            <a:ext cx="8648700" cy="1143000"/>
+          </a:xfrm>
+          <a:prstGeom prst="rect">
+            <a:avLst/>
+          </a:prstGeom>
+        </p:spPr>
+      </p:pic>
+      <p:pic>
+        <p:nvPicPr>
+          <p:cNvPr id="3" name="Picture 2">
+            <a:extLst>
+              <a:ext uri="{FF2B5EF4-FFF2-40B4-BE49-F238E27FC236}">
+                <a16:creationId xmlns:a16="http://schemas.microsoft.com/office/drawing/2014/main" id="{78B2B92D-FFD9-4001-99FC-883B13225240}"/>
+              </a:ext>
+            </a:extLst>
+          </p:cNvPr>
+          <p:cNvPicPr>
+            <a:picLocks noChangeAspect="1"/>
+          </p:cNvPicPr>
+          <p:nvPr/>
+        </p:nvPicPr>
+        <p:blipFill>
+          <a:blip r:embed="rId4"/>
+          <a:stretch>
+            <a:fillRect/>
+          </a:stretch>
+        </p:blipFill>
+        <p:spPr>
+          <a:xfrm>
+            <a:off x="4257674" y="4733593"/>
+            <a:ext cx="3676650" cy="1133475"/>
+          </a:xfrm>
+          <a:prstGeom prst="rect">
+            <a:avLst/>
+          </a:prstGeom>
+        </p:spPr>
+      </p:pic>
     </p:spTree>
     <p:extLst>
       <p:ext uri="{BB962C8B-B14F-4D97-AF65-F5344CB8AC3E}">
@@ -5333,7 +6481,7 @@
         <p:spPr>
           <a:xfrm>
             <a:off x="400051" y="1955934"/>
-            <a:ext cx="11020424" cy="2431435"/>
+            <a:ext cx="11020424" cy="2800767"/>
           </a:xfrm>
           <a:prstGeom prst="rect">
             <a:avLst/>
@@ -5344,6 +6492,19 @@
             <a:spAutoFit/>
           </a:bodyPr>
           <a:lstStyle/>
+          <a:p>
+            <a:pPr marL="742950" lvl="1" indent="-285750">
+              <a:lnSpc>
+                <a:spcPct val="150000"/>
+              </a:lnSpc>
+              <a:buFont typeface="Courier New" panose="02070309020205020404" pitchFamily="49" charset="0"/>
+              <a:buChar char="o"/>
+            </a:pPr>
+            <a:r>
+              <a:rPr lang="en-US" sz="1600" b="1" dirty="0"/>
+              <a:t>About the data</a:t>
+            </a:r>
+          </a:p>
           <a:p>
             <a:pPr marL="742950" lvl="1" indent="-285750">
               <a:lnSpc>
@@ -5472,7 +6633,483 @@
 </p:sld>
 </file>
 
+<file path=ppt/slides/slide20.xml><?xml version="1.0" encoding="utf-8"?>
+<p:sld xmlns:a="http://schemas.openxmlformats.org/drawingml/2006/main" xmlns:r="http://schemas.openxmlformats.org/officeDocument/2006/relationships" xmlns:p="http://schemas.openxmlformats.org/presentationml/2006/main">
+  <p:cSld>
+    <p:spTree>
+      <p:nvGrpSpPr>
+        <p:cNvPr id="1" name=""/>
+        <p:cNvGrpSpPr/>
+        <p:nvPr/>
+      </p:nvGrpSpPr>
+      <p:grpSpPr>
+        <a:xfrm>
+          <a:off x="0" y="0"/>
+          <a:ext cx="0" cy="0"/>
+          <a:chOff x="0" y="0"/>
+          <a:chExt cx="0" cy="0"/>
+        </a:xfrm>
+      </p:grpSpPr>
+      <p:grpSp>
+        <p:nvGrpSpPr>
+          <p:cNvPr id="11" name="Group 10">
+            <a:extLst>
+              <a:ext uri="{FF2B5EF4-FFF2-40B4-BE49-F238E27FC236}">
+                <a16:creationId xmlns:a16="http://schemas.microsoft.com/office/drawing/2014/main" id="{EBBA25A6-360E-4B6F-B6E1-CF2014CF9962}"/>
+              </a:ext>
+            </a:extLst>
+          </p:cNvPr>
+          <p:cNvGrpSpPr/>
+          <p:nvPr/>
+        </p:nvGrpSpPr>
+        <p:grpSpPr>
+          <a:xfrm>
+            <a:off x="0" y="990600"/>
+            <a:ext cx="12192000" cy="807291"/>
+            <a:chOff x="0" y="895350"/>
+            <a:chExt cx="12192000" cy="807291"/>
+          </a:xfrm>
+        </p:grpSpPr>
+        <p:pic>
+          <p:nvPicPr>
+            <p:cNvPr id="12" name="Picture 11">
+              <a:extLst>
+                <a:ext uri="{FF2B5EF4-FFF2-40B4-BE49-F238E27FC236}">
+                  <a16:creationId xmlns:a16="http://schemas.microsoft.com/office/drawing/2014/main" id="{1152C58B-7A3D-453B-BEF5-0D6A80241D16}"/>
+                </a:ext>
+              </a:extLst>
+            </p:cNvPr>
+            <p:cNvPicPr>
+              <a:picLocks noChangeAspect="1"/>
+            </p:cNvPicPr>
+            <p:nvPr/>
+          </p:nvPicPr>
+          <p:blipFill>
+            <a:blip r:embed="rId2">
+              <a:extLst>
+                <a:ext uri="{28A0092B-C50C-407E-A947-70E740481C1C}">
+                  <a14:useLocalDpi xmlns:a14="http://schemas.microsoft.com/office/drawing/2010/main" val="0"/>
+                </a:ext>
+              </a:extLst>
+            </a:blip>
+            <a:stretch>
+              <a:fillRect/>
+            </a:stretch>
+          </p:blipFill>
+          <p:spPr>
+            <a:xfrm>
+              <a:off x="0" y="895350"/>
+              <a:ext cx="12192000" cy="807291"/>
+            </a:xfrm>
+            <a:prstGeom prst="rect">
+              <a:avLst/>
+            </a:prstGeom>
+          </p:spPr>
+        </p:pic>
+        <p:sp>
+          <p:nvSpPr>
+            <p:cNvPr id="13" name="Rectangle 12">
+              <a:extLst>
+                <a:ext uri="{FF2B5EF4-FFF2-40B4-BE49-F238E27FC236}">
+                  <a16:creationId xmlns:a16="http://schemas.microsoft.com/office/drawing/2014/main" id="{CF7573B2-FDB7-41CD-8FE1-311DF7F4E7B3}"/>
+                </a:ext>
+              </a:extLst>
+            </p:cNvPr>
+            <p:cNvSpPr/>
+            <p:nvPr/>
+          </p:nvSpPr>
+          <p:spPr>
+            <a:xfrm>
+              <a:off x="210706" y="1148643"/>
+              <a:ext cx="3526415" cy="553998"/>
+            </a:xfrm>
+            <a:prstGeom prst="rect">
+              <a:avLst/>
+            </a:prstGeom>
+          </p:spPr>
+          <p:txBody>
+            <a:bodyPr wrap="none">
+              <a:spAutoFit/>
+            </a:bodyPr>
+            <a:lstStyle/>
+            <a:p>
+              <a:r>
+                <a:rPr lang="en-US" sz="3000" b="1" dirty="0">
+                  <a:solidFill>
+                    <a:schemeClr val="bg1"/>
+                  </a:solidFill>
+                  <a:latin typeface="Lato" charset="0"/>
+                </a:rPr>
+                <a:t>Aggregation Tasks</a:t>
+              </a:r>
+              <a:endParaRPr lang="en-US" sz="2400" b="1" dirty="0">
+                <a:solidFill>
+                  <a:schemeClr val="bg1"/>
+                </a:solidFill>
+                <a:latin typeface="Lato" charset="0"/>
+              </a:endParaRPr>
+            </a:p>
+          </p:txBody>
+        </p:sp>
+      </p:grpSp>
+      <p:sp>
+        <p:nvSpPr>
+          <p:cNvPr id="8" name="TextBox 7">
+            <a:extLst>
+              <a:ext uri="{FF2B5EF4-FFF2-40B4-BE49-F238E27FC236}">
+                <a16:creationId xmlns:a16="http://schemas.microsoft.com/office/drawing/2014/main" id="{C4728C7A-92DB-470B-B9B8-52D86CEDDDF8}"/>
+              </a:ext>
+            </a:extLst>
+          </p:cNvPr>
+          <p:cNvSpPr txBox="1"/>
+          <p:nvPr/>
+        </p:nvSpPr>
+        <p:spPr>
+          <a:xfrm>
+            <a:off x="196206" y="1797891"/>
+            <a:ext cx="11799587" cy="2000548"/>
+          </a:xfrm>
+          <a:prstGeom prst="rect">
+            <a:avLst/>
+          </a:prstGeom>
+          <a:noFill/>
+        </p:spPr>
+        <p:txBody>
+          <a:bodyPr wrap="square" rtlCol="0">
+            <a:spAutoFit/>
+          </a:bodyPr>
+          <a:lstStyle/>
+          <a:p>
+            <a:r>
+              <a:rPr lang="en-US" b="1" dirty="0"/>
+              <a:t>7.	The fines collected from all the parking violation constitute a revenue source for the NYC police department. Let’s 	take an example of estimating that for the 3 most commonly occurring codes.</a:t>
+            </a:r>
+          </a:p>
+          <a:p>
+            <a:pPr lvl="1"/>
+            <a:r>
+              <a:rPr lang="en-US" sz="1400" b="1" dirty="0"/>
+              <a:t>b)	Then, search the internet for NYC parking violation code fines. You will find a website (on the nyc.gov URL) that lists these fines. They’re divided 	into two categories, one for the highest-density locations of the city, the other for the rest of the city. For simplicity, take an average of the two. </a:t>
+            </a:r>
+          </a:p>
+          <a:p>
+            <a:pPr lvl="1"/>
+            <a:r>
+              <a:rPr lang="en-US" sz="1400" b="1" dirty="0"/>
+              <a:t>c)	Using this information, find the total amount collected for all of the fines. State the code which has the highest total collection. </a:t>
+            </a:r>
+          </a:p>
+          <a:p>
+            <a:pPr lvl="1"/>
+            <a:r>
+              <a:rPr lang="en-US" sz="1400" b="1" dirty="0"/>
+              <a:t>d)	What can you intuitively infer from these findings?</a:t>
+            </a:r>
+          </a:p>
+          <a:p>
+            <a:pPr marL="800100" lvl="1" indent="-342900">
+              <a:buFontTx/>
+              <a:buAutoNum type="alphaLcParenR"/>
+            </a:pPr>
+            <a:endParaRPr lang="en-US" sz="1400" b="1" dirty="0"/>
+          </a:p>
+          <a:p>
+            <a:pPr marL="800100" lvl="1" indent="-342900">
+              <a:buAutoNum type="alphaLcParenR"/>
+            </a:pPr>
+            <a:endParaRPr lang="en-US" b="1" dirty="0">
+              <a:latin typeface="Lato"/>
+            </a:endParaRPr>
+          </a:p>
+        </p:txBody>
+      </p:sp>
+    </p:spTree>
+    <p:extLst>
+      <p:ext uri="{BB962C8B-B14F-4D97-AF65-F5344CB8AC3E}">
+        <p14:creationId xmlns:p14="http://schemas.microsoft.com/office/powerpoint/2010/main" val="2075955123"/>
+      </p:ext>
+    </p:extLst>
+  </p:cSld>
+  <p:clrMapOvr>
+    <a:masterClrMapping/>
+  </p:clrMapOvr>
+</p:sld>
+</file>
+
 <file path=ppt/slides/slide3.xml><?xml version="1.0" encoding="utf-8"?>
+<p:sld xmlns:a="http://schemas.openxmlformats.org/drawingml/2006/main" xmlns:r="http://schemas.openxmlformats.org/officeDocument/2006/relationships" xmlns:p="http://schemas.openxmlformats.org/presentationml/2006/main">
+  <p:cSld>
+    <p:spTree>
+      <p:nvGrpSpPr>
+        <p:cNvPr id="1" name=""/>
+        <p:cNvGrpSpPr/>
+        <p:nvPr/>
+      </p:nvGrpSpPr>
+      <p:grpSpPr>
+        <a:xfrm>
+          <a:off x="0" y="0"/>
+          <a:ext cx="0" cy="0"/>
+          <a:chOff x="0" y="0"/>
+          <a:chExt cx="0" cy="0"/>
+        </a:xfrm>
+      </p:grpSpPr>
+      <p:pic>
+        <p:nvPicPr>
+          <p:cNvPr id="6" name="Picture 5">
+            <a:extLst>
+              <a:ext uri="{FF2B5EF4-FFF2-40B4-BE49-F238E27FC236}">
+                <a16:creationId xmlns:a16="http://schemas.microsoft.com/office/drawing/2014/main" id="{BBFF3EA0-AC66-4359-BDA4-E2C2C89A47CD}"/>
+              </a:ext>
+            </a:extLst>
+          </p:cNvPr>
+          <p:cNvPicPr>
+            <a:picLocks noChangeAspect="1"/>
+          </p:cNvPicPr>
+          <p:nvPr/>
+        </p:nvPicPr>
+        <p:blipFill>
+          <a:blip r:embed="rId2">
+            <a:extLst>
+              <a:ext uri="{28A0092B-C50C-407E-A947-70E740481C1C}">
+                <a14:useLocalDpi xmlns:a14="http://schemas.microsoft.com/office/drawing/2010/main" val="0"/>
+              </a:ext>
+            </a:extLst>
+          </a:blip>
+          <a:stretch>
+            <a:fillRect/>
+          </a:stretch>
+        </p:blipFill>
+        <p:spPr>
+          <a:xfrm>
+            <a:off x="0" y="895350"/>
+            <a:ext cx="12192000" cy="807291"/>
+          </a:xfrm>
+          <a:prstGeom prst="rect">
+            <a:avLst/>
+          </a:prstGeom>
+        </p:spPr>
+      </p:pic>
+      <p:sp>
+        <p:nvSpPr>
+          <p:cNvPr id="8" name="Rectangle 7">
+            <a:extLst>
+              <a:ext uri="{FF2B5EF4-FFF2-40B4-BE49-F238E27FC236}">
+                <a16:creationId xmlns:a16="http://schemas.microsoft.com/office/drawing/2014/main" id="{6C56F38C-7050-4F99-84D0-1F03B1ACC969}"/>
+              </a:ext>
+            </a:extLst>
+          </p:cNvPr>
+          <p:cNvSpPr/>
+          <p:nvPr/>
+        </p:nvSpPr>
+        <p:spPr>
+          <a:xfrm>
+            <a:off x="400051" y="1955934"/>
+            <a:ext cx="11020424" cy="4278094"/>
+          </a:xfrm>
+          <a:prstGeom prst="rect">
+            <a:avLst/>
+          </a:prstGeom>
+        </p:spPr>
+        <p:txBody>
+          <a:bodyPr wrap="square">
+            <a:spAutoFit/>
+          </a:bodyPr>
+          <a:lstStyle/>
+          <a:p>
+            <a:pPr marL="742950" lvl="1" indent="-285750">
+              <a:lnSpc>
+                <a:spcPct val="150000"/>
+              </a:lnSpc>
+              <a:buFont typeface="Courier New" panose="02070309020205020404" pitchFamily="49" charset="0"/>
+              <a:buChar char="o"/>
+            </a:pPr>
+            <a:r>
+              <a:rPr lang="en-US" sz="1600" b="1" dirty="0"/>
+              <a:t>Data on Parking ticket issued in NYC, collected by NYC Department of Finance</a:t>
+            </a:r>
+          </a:p>
+          <a:p>
+            <a:pPr marL="742950" lvl="1" indent="-285750">
+              <a:lnSpc>
+                <a:spcPct val="150000"/>
+              </a:lnSpc>
+              <a:buFont typeface="Courier New" panose="02070309020205020404" pitchFamily="49" charset="0"/>
+              <a:buChar char="o"/>
+            </a:pPr>
+            <a:r>
+              <a:rPr lang="en-US" sz="1600" b="1" dirty="0"/>
+              <a:t>Data Source: Kaggle</a:t>
+            </a:r>
+          </a:p>
+          <a:p>
+            <a:pPr lvl="2">
+              <a:lnSpc>
+                <a:spcPct val="150000"/>
+              </a:lnSpc>
+            </a:pPr>
+            <a:r>
+              <a:rPr lang="en-US" sz="1600" b="1" dirty="0">
+                <a:hlinkClick r:id="rId3"/>
+              </a:rPr>
+              <a:t>https://www.kaggle.com/new-york-city/nyc-parking-tickets</a:t>
+            </a:r>
+            <a:endParaRPr lang="en-US" sz="1600" b="1" dirty="0"/>
+          </a:p>
+          <a:p>
+            <a:pPr marL="742950" lvl="1" indent="-285750">
+              <a:lnSpc>
+                <a:spcPct val="150000"/>
+              </a:lnSpc>
+              <a:buFont typeface="Courier New" panose="02070309020205020404" pitchFamily="49" charset="0"/>
+              <a:buChar char="o"/>
+            </a:pPr>
+            <a:r>
+              <a:rPr lang="en-US" sz="1600" b="1" dirty="0"/>
+              <a:t>2015, 2016 and 2017 data set are used for analysis</a:t>
+            </a:r>
+          </a:p>
+          <a:p>
+            <a:pPr marL="742950" lvl="1" indent="-285750">
+              <a:lnSpc>
+                <a:spcPct val="150000"/>
+              </a:lnSpc>
+              <a:buFont typeface="Courier New" panose="02070309020205020404" pitchFamily="49" charset="0"/>
+              <a:buChar char="o"/>
+            </a:pPr>
+            <a:r>
+              <a:rPr lang="en-US" sz="1600" b="1" dirty="0"/>
+              <a:t>2018 dataset lacks 8 columns that are included in the other 2 datasets</a:t>
+            </a:r>
+          </a:p>
+          <a:p>
+            <a:pPr marL="742950" lvl="1" indent="-285750">
+              <a:lnSpc>
+                <a:spcPct val="150000"/>
+              </a:lnSpc>
+              <a:buFont typeface="Courier New" panose="02070309020205020404" pitchFamily="49" charset="0"/>
+              <a:buChar char="o"/>
+            </a:pPr>
+            <a:r>
+              <a:rPr lang="en-US" sz="1600" b="1" dirty="0"/>
+              <a:t>~10 M records per year</a:t>
+            </a:r>
+          </a:p>
+          <a:p>
+            <a:pPr marL="742950" lvl="1" indent="-285750">
+              <a:lnSpc>
+                <a:spcPct val="150000"/>
+              </a:lnSpc>
+              <a:buFont typeface="Courier New" panose="02070309020205020404" pitchFamily="49" charset="0"/>
+              <a:buChar char="o"/>
+            </a:pPr>
+            <a:r>
+              <a:rPr lang="en-US" sz="1600" b="1" dirty="0"/>
+              <a:t>Total 6.6 GB of data across all three years</a:t>
+            </a:r>
+          </a:p>
+          <a:p>
+            <a:pPr marL="742950" lvl="1" indent="-285750">
+              <a:lnSpc>
+                <a:spcPct val="150000"/>
+              </a:lnSpc>
+              <a:buFont typeface="Courier New" panose="02070309020205020404" pitchFamily="49" charset="0"/>
+              <a:buChar char="o"/>
+            </a:pPr>
+            <a:r>
+              <a:rPr lang="en-US" sz="1600" b="1" dirty="0"/>
+              <a:t>The files are roughly organized by fiscal year (July 1 - June 30)</a:t>
+            </a:r>
+          </a:p>
+          <a:p>
+            <a:pPr marL="742950" lvl="1" indent="-285750">
+              <a:lnSpc>
+                <a:spcPct val="150000"/>
+              </a:lnSpc>
+              <a:buFont typeface="Courier New" panose="02070309020205020404" pitchFamily="49" charset="0"/>
+              <a:buChar char="o"/>
+            </a:pPr>
+            <a:r>
+              <a:rPr lang="en-US" sz="1600" b="1" dirty="0"/>
+              <a:t>All the analysis done for 3 different years and each metric compared across the 3 years. </a:t>
+            </a:r>
+          </a:p>
+          <a:p>
+            <a:pPr marL="742950" lvl="1" indent="-285750">
+              <a:lnSpc>
+                <a:spcPct val="150000"/>
+              </a:lnSpc>
+              <a:buFont typeface="Courier New" panose="02070309020205020404" pitchFamily="49" charset="0"/>
+              <a:buChar char="o"/>
+            </a:pPr>
+            <a:endParaRPr lang="en-IN" sz="1600" dirty="0">
+              <a:latin typeface="Lato"/>
+            </a:endParaRPr>
+          </a:p>
+          <a:p>
+            <a:pPr>
+              <a:lnSpc>
+                <a:spcPct val="200000"/>
+              </a:lnSpc>
+            </a:pPr>
+            <a:endParaRPr lang="en-US" sz="1600" dirty="0">
+              <a:latin typeface="Lato"/>
+            </a:endParaRPr>
+          </a:p>
+        </p:txBody>
+      </p:sp>
+      <p:sp>
+        <p:nvSpPr>
+          <p:cNvPr id="9" name="Rectangle 8">
+            <a:extLst>
+              <a:ext uri="{FF2B5EF4-FFF2-40B4-BE49-F238E27FC236}">
+                <a16:creationId xmlns:a16="http://schemas.microsoft.com/office/drawing/2014/main" id="{7E0C540B-58B3-4E69-B5EF-11090BB39535}"/>
+              </a:ext>
+            </a:extLst>
+          </p:cNvPr>
+          <p:cNvSpPr/>
+          <p:nvPr/>
+        </p:nvSpPr>
+        <p:spPr>
+          <a:xfrm>
+            <a:off x="210706" y="1148643"/>
+            <a:ext cx="2912977" cy="553998"/>
+          </a:xfrm>
+          <a:prstGeom prst="rect">
+            <a:avLst/>
+          </a:prstGeom>
+        </p:spPr>
+        <p:txBody>
+          <a:bodyPr wrap="none">
+            <a:spAutoFit/>
+          </a:bodyPr>
+          <a:lstStyle/>
+          <a:p>
+            <a:r>
+              <a:rPr lang="en-US" sz="3000" b="1" dirty="0">
+                <a:solidFill>
+                  <a:schemeClr val="bg1"/>
+                </a:solidFill>
+                <a:latin typeface="Lato" charset="0"/>
+              </a:rPr>
+              <a:t>About the data</a:t>
+            </a:r>
+          </a:p>
+        </p:txBody>
+      </p:sp>
+    </p:spTree>
+    <p:extLst>
+      <p:ext uri="{BB962C8B-B14F-4D97-AF65-F5344CB8AC3E}">
+        <p14:creationId xmlns:p14="http://schemas.microsoft.com/office/powerpoint/2010/main" val="3798819859"/>
+      </p:ext>
+    </p:extLst>
+  </p:cSld>
+  <p:clrMapOvr>
+    <a:masterClrMapping/>
+  </p:clrMapOvr>
+</p:sld>
+</file>
+
+<file path=ppt/slides/slide4.xml><?xml version="1.0" encoding="utf-8"?>
 <p:sld xmlns:a="http://schemas.openxmlformats.org/drawingml/2006/main" xmlns:r="http://schemas.openxmlformats.org/officeDocument/2006/relationships" xmlns:p="http://schemas.openxmlformats.org/presentationml/2006/main">
   <p:cSld>
     <p:spTree>
@@ -5688,7 +7325,7 @@
 </p:sld>
 </file>
 
-<file path=ppt/slides/slide4.xml><?xml version="1.0" encoding="utf-8"?>
+<file path=ppt/slides/slide5.xml><?xml version="1.0" encoding="utf-8"?>
 <p:sld xmlns:a="http://schemas.openxmlformats.org/drawingml/2006/main" xmlns:r="http://schemas.openxmlformats.org/officeDocument/2006/relationships" xmlns:p="http://schemas.openxmlformats.org/presentationml/2006/main">
   <p:cSld>
     <p:spTree>
@@ -5733,6 +7370,16 @@
           <a:prstGeom prst="rect">
             <a:avLst/>
           </a:prstGeom>
+          <a:ln>
+            <a:noFill/>
+          </a:ln>
+          <a:effectLst>
+            <a:outerShdw blurRad="292100" dist="139700" dir="2700000" algn="tl" rotWithShape="0">
+              <a:srgbClr val="333333">
+                <a:alpha val="65000"/>
+              </a:srgbClr>
+            </a:outerShdw>
+          </a:effectLst>
         </p:spPr>
       </p:pic>
       <p:pic>
@@ -5894,7 +7541,7 @@
 </p:sld>
 </file>
 
-<file path=ppt/slides/slide5.xml><?xml version="1.0" encoding="utf-8"?>
+<file path=ppt/slides/slide6.xml><?xml version="1.0" encoding="utf-8"?>
 <p:sld xmlns:a="http://schemas.openxmlformats.org/drawingml/2006/main" xmlns:r="http://schemas.openxmlformats.org/officeDocument/2006/relationships" xmlns:p="http://schemas.openxmlformats.org/presentationml/2006/main">
   <p:cSld>
     <p:bg>
@@ -6106,7 +7753,7 @@
 </p:sld>
 </file>
 
-<file path=ppt/slides/slide6.xml><?xml version="1.0" encoding="utf-8"?>
+<file path=ppt/slides/slide7.xml><?xml version="1.0" encoding="utf-8"?>
 <p:sld xmlns:a="http://schemas.openxmlformats.org/drawingml/2006/main" xmlns:r="http://schemas.openxmlformats.org/officeDocument/2006/relationships" xmlns:p="http://schemas.openxmlformats.org/presentationml/2006/main">
   <p:cSld>
     <p:spTree>
@@ -6304,7 +7951,7 @@
 </p:sld>
 </file>
 
-<file path=ppt/slides/slide7.xml><?xml version="1.0" encoding="utf-8"?>
+<file path=ppt/slides/slide8.xml><?xml version="1.0" encoding="utf-8"?>
 <p:sld xmlns:a="http://schemas.openxmlformats.org/drawingml/2006/main" xmlns:r="http://schemas.openxmlformats.org/officeDocument/2006/relationships" xmlns:p="http://schemas.openxmlformats.org/presentationml/2006/main">
   <p:cSld>
     <p:spTree>
@@ -6321,120 +7968,6 @@
           <a:chExt cx="0" cy="0"/>
         </a:xfrm>
       </p:grpSpPr>
-      <p:sp>
-        <p:nvSpPr>
-          <p:cNvPr id="10" name="TextBox 9">
-            <a:extLst>
-              <a:ext uri="{FF2B5EF4-FFF2-40B4-BE49-F238E27FC236}">
-                <a16:creationId xmlns:a16="http://schemas.microsoft.com/office/drawing/2014/main" id="{55C9CB18-66F2-4EA9-813E-1627AD076CA6}"/>
-              </a:ext>
-            </a:extLst>
-          </p:cNvPr>
-          <p:cNvSpPr txBox="1"/>
-          <p:nvPr/>
-        </p:nvSpPr>
-        <p:spPr>
-          <a:xfrm>
-            <a:off x="1023101" y="2190750"/>
-            <a:ext cx="9568699" cy="3416320"/>
-          </a:xfrm>
-          <a:prstGeom prst="rect">
-            <a:avLst/>
-          </a:prstGeom>
-          <a:noFill/>
-        </p:spPr>
-        <p:txBody>
-          <a:bodyPr wrap="square" rtlCol="0">
-            <a:spAutoFit/>
-          </a:bodyPr>
-          <a:lstStyle/>
-          <a:p>
-            <a:pPr marL="285750" indent="-285750">
-              <a:lnSpc>
-                <a:spcPct val="200000"/>
-              </a:lnSpc>
-              <a:buFont typeface="Arial" panose="020B0604020202020204" pitchFamily="34" charset="0"/>
-              <a:buChar char="•"/>
-            </a:pPr>
-            <a:r>
-              <a:rPr lang="en-US" dirty="0">
-                <a:latin typeface="Lato"/>
-              </a:rPr>
-              <a:t>Check for possible data inconsistencies</a:t>
-            </a:r>
-          </a:p>
-          <a:p>
-            <a:pPr marL="742950" lvl="1" indent="-285750">
-              <a:lnSpc>
-                <a:spcPct val="200000"/>
-              </a:lnSpc>
-              <a:buFont typeface="Wingdings" panose="05000000000000000000" pitchFamily="2" charset="2"/>
-              <a:buChar char="§"/>
-            </a:pPr>
-            <a:r>
-              <a:rPr lang="en-US" dirty="0">
-                <a:latin typeface="Lato"/>
-              </a:rPr>
-              <a:t>Check for duplicate records</a:t>
-            </a:r>
-          </a:p>
-          <a:p>
-            <a:pPr marL="742950" lvl="1" indent="-285750">
-              <a:lnSpc>
-                <a:spcPct val="200000"/>
-              </a:lnSpc>
-              <a:buFont typeface="Wingdings" panose="05000000000000000000" pitchFamily="2" charset="2"/>
-              <a:buChar char="§"/>
-            </a:pPr>
-            <a:r>
-              <a:rPr lang="en-US" dirty="0">
-                <a:latin typeface="Lato"/>
-              </a:rPr>
-              <a:t>Check for NA values in the columns used for analysis</a:t>
-            </a:r>
-          </a:p>
-          <a:p>
-            <a:pPr marL="285750" indent="-285750">
-              <a:lnSpc>
-                <a:spcPct val="200000"/>
-              </a:lnSpc>
-              <a:buFont typeface="Arial" panose="020B0604020202020204" pitchFamily="34" charset="0"/>
-              <a:buChar char="•"/>
-            </a:pPr>
-            <a:r>
-              <a:rPr lang="en-US" dirty="0">
-                <a:latin typeface="Lato"/>
-              </a:rPr>
-              <a:t>Status of data cleaning</a:t>
-            </a:r>
-          </a:p>
-          <a:p>
-            <a:pPr marL="742950" lvl="1" indent="-285750">
-              <a:lnSpc>
-                <a:spcPct val="200000"/>
-              </a:lnSpc>
-              <a:buFont typeface="Wingdings" panose="05000000000000000000" pitchFamily="2" charset="2"/>
-              <a:buChar char="§"/>
-            </a:pPr>
-            <a:r>
-              <a:rPr lang="en-US" dirty="0">
-                <a:latin typeface="Lato"/>
-              </a:rPr>
-              <a:t>--</a:t>
-            </a:r>
-          </a:p>
-          <a:p>
-            <a:pPr lvl="1">
-              <a:lnSpc>
-                <a:spcPct val="200000"/>
-              </a:lnSpc>
-            </a:pPr>
-            <a:endParaRPr lang="en-US" dirty="0">
-              <a:latin typeface="Lato"/>
-            </a:endParaRPr>
-          </a:p>
-        </p:txBody>
-      </p:sp>
       <p:grpSp>
         <p:nvGrpSpPr>
           <p:cNvPr id="11" name="Group 10">
@@ -6537,6 +8070,116 @@
           </p:txBody>
         </p:sp>
       </p:grpSp>
+      <p:sp>
+        <p:nvSpPr>
+          <p:cNvPr id="6" name="Rectangle 5">
+            <a:extLst>
+              <a:ext uri="{FF2B5EF4-FFF2-40B4-BE49-F238E27FC236}">
+                <a16:creationId xmlns:a16="http://schemas.microsoft.com/office/drawing/2014/main" id="{B4603E62-375A-4D7B-AA63-7E3E15899393}"/>
+              </a:ext>
+            </a:extLst>
+          </p:cNvPr>
+          <p:cNvSpPr/>
+          <p:nvPr/>
+        </p:nvSpPr>
+        <p:spPr>
+          <a:xfrm>
+            <a:off x="140677" y="1925515"/>
+            <a:ext cx="11201400" cy="2431435"/>
+          </a:xfrm>
+          <a:prstGeom prst="rect">
+            <a:avLst/>
+          </a:prstGeom>
+        </p:spPr>
+        <p:txBody>
+          <a:bodyPr wrap="square">
+            <a:spAutoFit/>
+          </a:bodyPr>
+          <a:lstStyle/>
+          <a:p>
+            <a:pPr marL="742950" lvl="1" indent="-285750">
+              <a:lnSpc>
+                <a:spcPct val="150000"/>
+              </a:lnSpc>
+              <a:buFont typeface="Courier New" panose="02070309020205020404" pitchFamily="49" charset="0"/>
+              <a:buChar char="o"/>
+            </a:pPr>
+            <a:r>
+              <a:rPr lang="en-US" sz="1600" dirty="0">
+                <a:latin typeface="Lato"/>
+              </a:rPr>
+              <a:t>Check for possible data inconsistencies </a:t>
+            </a:r>
+          </a:p>
+          <a:p>
+            <a:pPr marL="1200150" lvl="2" indent="-285750">
+              <a:lnSpc>
+                <a:spcPct val="150000"/>
+              </a:lnSpc>
+              <a:buFont typeface="Courier New" panose="02070309020205020404" pitchFamily="49" charset="0"/>
+              <a:buChar char="o"/>
+            </a:pPr>
+            <a:r>
+              <a:rPr lang="en-US" sz="1600" dirty="0">
+                <a:latin typeface="Lato"/>
+              </a:rPr>
+              <a:t>Check for duplicate records on Summons Data</a:t>
+            </a:r>
+          </a:p>
+          <a:p>
+            <a:pPr marL="1200150" lvl="2" indent="-285750">
+              <a:lnSpc>
+                <a:spcPct val="150000"/>
+              </a:lnSpc>
+              <a:buFont typeface="Courier New" panose="02070309020205020404" pitchFamily="49" charset="0"/>
+              <a:buChar char="o"/>
+            </a:pPr>
+            <a:r>
+              <a:rPr lang="en-US" sz="1600" dirty="0">
+                <a:latin typeface="Lato"/>
+              </a:rPr>
+              <a:t>Check for NA values in the columns used for analysis</a:t>
+            </a:r>
+          </a:p>
+          <a:p>
+            <a:pPr marL="742950" lvl="1" indent="-285750">
+              <a:lnSpc>
+                <a:spcPct val="150000"/>
+              </a:lnSpc>
+              <a:buFont typeface="Courier New" panose="02070309020205020404" pitchFamily="49" charset="0"/>
+              <a:buChar char="o"/>
+            </a:pPr>
+            <a:r>
+              <a:rPr lang="en-US" sz="1600" dirty="0">
+                <a:latin typeface="Lato"/>
+              </a:rPr>
+              <a:t>Status of data cleaning</a:t>
+            </a:r>
+          </a:p>
+          <a:p>
+            <a:pPr marL="742950" lvl="1" indent="-285750">
+              <a:lnSpc>
+                <a:spcPct val="150000"/>
+              </a:lnSpc>
+              <a:buFont typeface="Courier New" panose="02070309020205020404" pitchFamily="49" charset="0"/>
+              <a:buChar char="o"/>
+            </a:pPr>
+            <a:endParaRPr lang="en-IN" sz="1600" dirty="0">
+              <a:latin typeface="Lato"/>
+            </a:endParaRPr>
+          </a:p>
+          <a:p>
+            <a:pPr>
+              <a:lnSpc>
+                <a:spcPct val="200000"/>
+              </a:lnSpc>
+            </a:pPr>
+            <a:endParaRPr lang="en-US" sz="1600" dirty="0">
+              <a:latin typeface="Lato"/>
+            </a:endParaRPr>
+          </a:p>
+        </p:txBody>
+      </p:sp>
     </p:spTree>
     <p:extLst>
       <p:ext uri="{BB962C8B-B14F-4D97-AF65-F5344CB8AC3E}">
@@ -6550,7 +8193,7 @@
 </p:sld>
 </file>
 
-<file path=ppt/slides/slide8.xml><?xml version="1.0" encoding="utf-8"?>
+<file path=ppt/slides/slide9.xml><?xml version="1.0" encoding="utf-8"?>
 <p:sld xmlns:a="http://schemas.openxmlformats.org/drawingml/2006/main" xmlns:r="http://schemas.openxmlformats.org/officeDocument/2006/relationships" xmlns:p="http://schemas.openxmlformats.org/presentationml/2006/main">
   <p:cSld>
     <p:spTree>
@@ -6567,6 +8210,66 @@
           <a:chExt cx="0" cy="0"/>
         </a:xfrm>
       </p:grpSpPr>
+      <p:pic>
+        <p:nvPicPr>
+          <p:cNvPr id="3" name="Picture 2">
+            <a:extLst>
+              <a:ext uri="{FF2B5EF4-FFF2-40B4-BE49-F238E27FC236}">
+                <a16:creationId xmlns:a16="http://schemas.microsoft.com/office/drawing/2014/main" id="{AD9EF39D-B437-4672-AAE1-460ECBF7AB61}"/>
+              </a:ext>
+            </a:extLst>
+          </p:cNvPr>
+          <p:cNvPicPr>
+            <a:picLocks noChangeAspect="1"/>
+          </p:cNvPicPr>
+          <p:nvPr/>
+        </p:nvPicPr>
+        <p:blipFill>
+          <a:blip r:embed="rId2"/>
+          <a:stretch>
+            <a:fillRect/>
+          </a:stretch>
+        </p:blipFill>
+        <p:spPr>
+          <a:xfrm>
+            <a:off x="585107" y="5417993"/>
+            <a:ext cx="3190875" cy="981075"/>
+          </a:xfrm>
+          <a:prstGeom prst="rect">
+            <a:avLst/>
+          </a:prstGeom>
+        </p:spPr>
+      </p:pic>
+      <p:pic>
+        <p:nvPicPr>
+          <p:cNvPr id="2" name="Picture 1">
+            <a:extLst>
+              <a:ext uri="{FF2B5EF4-FFF2-40B4-BE49-F238E27FC236}">
+                <a16:creationId xmlns:a16="http://schemas.microsoft.com/office/drawing/2014/main" id="{58C9DDE9-FBD0-4996-8417-D407BD3286E2}"/>
+              </a:ext>
+            </a:extLst>
+          </p:cNvPr>
+          <p:cNvPicPr>
+            <a:picLocks noChangeAspect="1"/>
+          </p:cNvPicPr>
+          <p:nvPr/>
+        </p:nvPicPr>
+        <p:blipFill>
+          <a:blip r:embed="rId3"/>
+          <a:stretch>
+            <a:fillRect/>
+          </a:stretch>
+        </p:blipFill>
+        <p:spPr>
+          <a:xfrm>
+            <a:off x="566057" y="2358412"/>
+            <a:ext cx="3864824" cy="1003443"/>
+          </a:xfrm>
+          <a:prstGeom prst="rect">
+            <a:avLst/>
+          </a:prstGeom>
+        </p:spPr>
+      </p:pic>
       <p:grpSp>
         <p:nvGrpSpPr>
           <p:cNvPr id="11" name="Group 10">
@@ -6602,7 +8305,7 @@
             <p:nvPr/>
           </p:nvPicPr>
           <p:blipFill>
-            <a:blip r:embed="rId2">
+            <a:blip r:embed="rId4">
               <a:extLst>
                 <a:ext uri="{28A0092B-C50C-407E-A947-70E740481C1C}">
                   <a14:useLocalDpi xmlns:a14="http://schemas.microsoft.com/office/drawing/2010/main" val="0"/>
@@ -6712,46 +8415,6 @@
           </a:p>
         </p:txBody>
       </p:sp>
-      <p:pic>
-        <p:nvPicPr>
-          <p:cNvPr id="5" name="Picture 4">
-            <a:extLst>
-              <a:ext uri="{FF2B5EF4-FFF2-40B4-BE49-F238E27FC236}">
-                <a16:creationId xmlns:a16="http://schemas.microsoft.com/office/drawing/2014/main" id="{D092BC4A-33B6-4416-907D-834972B4BCF9}"/>
-              </a:ext>
-            </a:extLst>
-          </p:cNvPr>
-          <p:cNvPicPr>
-            <a:picLocks noChangeAspect="1"/>
-          </p:cNvPicPr>
-          <p:nvPr/>
-        </p:nvPicPr>
-        <p:blipFill>
-          <a:blip r:embed="rId3"/>
-          <a:stretch>
-            <a:fillRect/>
-          </a:stretch>
-        </p:blipFill>
-        <p:spPr>
-          <a:xfrm>
-            <a:off x="556532" y="2358412"/>
-            <a:ext cx="3219450" cy="1000125"/>
-          </a:xfrm>
-          <a:prstGeom prst="rect">
-            <a:avLst/>
-          </a:prstGeom>
-          <a:ln>
-            <a:noFill/>
-          </a:ln>
-          <a:effectLst>
-            <a:outerShdw blurRad="292100" dist="139700" dir="2700000" algn="tl" rotWithShape="0">
-              <a:srgbClr val="333333">
-                <a:alpha val="65000"/>
-              </a:srgbClr>
-            </a:outerShdw>
-          </a:effectLst>
-        </p:spPr>
-      </p:pic>
       <p:sp>
         <p:nvSpPr>
           <p:cNvPr id="10" name="TextBox 9">
@@ -6810,7 +8473,7 @@
           <p:nvPr/>
         </p:nvPicPr>
         <p:blipFill>
-          <a:blip r:embed="rId4"/>
+          <a:blip r:embed="rId5"/>
           <a:stretch>
             <a:fillRect/>
           </a:stretch>
@@ -6823,16 +8486,6 @@
           <a:prstGeom prst="rect">
             <a:avLst/>
           </a:prstGeom>
-          <a:ln>
-            <a:noFill/>
-          </a:ln>
-          <a:effectLst>
-            <a:outerShdw blurRad="292100" dist="139700" dir="2700000" algn="tl" rotWithShape="0">
-              <a:srgbClr val="333333">
-                <a:alpha val="65000"/>
-              </a:srgbClr>
-            </a:outerShdw>
-          </a:effectLst>
         </p:spPr>
       </p:pic>
       <p:sp>
@@ -6878,326 +8531,10 @@
           </a:p>
         </p:txBody>
       </p:sp>
-      <p:pic>
-        <p:nvPicPr>
-          <p:cNvPr id="9" name="Picture 8">
-            <a:extLst>
-              <a:ext uri="{FF2B5EF4-FFF2-40B4-BE49-F238E27FC236}">
-                <a16:creationId xmlns:a16="http://schemas.microsoft.com/office/drawing/2014/main" id="{60F0D0AA-EDF0-47AF-ADE7-2ED3A0FFFFCE}"/>
-              </a:ext>
-            </a:extLst>
-          </p:cNvPr>
-          <p:cNvPicPr>
-            <a:picLocks noChangeAspect="1"/>
-          </p:cNvPicPr>
-          <p:nvPr/>
-        </p:nvPicPr>
-        <p:blipFill>
-          <a:blip r:embed="rId5"/>
-          <a:stretch>
-            <a:fillRect/>
-          </a:stretch>
-        </p:blipFill>
-        <p:spPr>
-          <a:xfrm>
-            <a:off x="566057" y="5442092"/>
-            <a:ext cx="3209925" cy="981075"/>
-          </a:xfrm>
-          <a:prstGeom prst="rect">
-            <a:avLst/>
-          </a:prstGeom>
-          <a:ln>
-            <a:noFill/>
-          </a:ln>
-          <a:effectLst>
-            <a:outerShdw blurRad="292100" dist="139700" dir="2700000" algn="tl" rotWithShape="0">
-              <a:srgbClr val="333333">
-                <a:alpha val="65000"/>
-              </a:srgbClr>
-            </a:outerShdw>
-          </a:effectLst>
-        </p:spPr>
-      </p:pic>
     </p:spTree>
     <p:extLst>
       <p:ext uri="{BB962C8B-B14F-4D97-AF65-F5344CB8AC3E}">
         <p14:creationId xmlns:p14="http://schemas.microsoft.com/office/powerpoint/2010/main" val="1123040970"/>
-      </p:ext>
-    </p:extLst>
-  </p:cSld>
-  <p:clrMapOvr>
-    <a:masterClrMapping/>
-  </p:clrMapOvr>
-</p:sld>
-</file>
-
-<file path=ppt/slides/slide9.xml><?xml version="1.0" encoding="utf-8"?>
-<p:sld xmlns:a="http://schemas.openxmlformats.org/drawingml/2006/main" xmlns:r="http://schemas.openxmlformats.org/officeDocument/2006/relationships" xmlns:p="http://schemas.openxmlformats.org/presentationml/2006/main">
-  <p:cSld>
-    <p:spTree>
-      <p:nvGrpSpPr>
-        <p:cNvPr id="1" name=""/>
-        <p:cNvGrpSpPr/>
-        <p:nvPr/>
-      </p:nvGrpSpPr>
-      <p:grpSpPr>
-        <a:xfrm>
-          <a:off x="0" y="0"/>
-          <a:ext cx="0" cy="0"/>
-          <a:chOff x="0" y="0"/>
-          <a:chExt cx="0" cy="0"/>
-        </a:xfrm>
-      </p:grpSpPr>
-      <p:grpSp>
-        <p:nvGrpSpPr>
-          <p:cNvPr id="11" name="Group 10">
-            <a:extLst>
-              <a:ext uri="{FF2B5EF4-FFF2-40B4-BE49-F238E27FC236}">
-                <a16:creationId xmlns:a16="http://schemas.microsoft.com/office/drawing/2014/main" id="{EBBA25A6-360E-4B6F-B6E1-CF2014CF9962}"/>
-              </a:ext>
-            </a:extLst>
-          </p:cNvPr>
-          <p:cNvGrpSpPr/>
-          <p:nvPr/>
-        </p:nvGrpSpPr>
-        <p:grpSpPr>
-          <a:xfrm>
-            <a:off x="0" y="990600"/>
-            <a:ext cx="12192000" cy="807291"/>
-            <a:chOff x="0" y="895350"/>
-            <a:chExt cx="12192000" cy="807291"/>
-          </a:xfrm>
-        </p:grpSpPr>
-        <p:pic>
-          <p:nvPicPr>
-            <p:cNvPr id="12" name="Picture 11">
-              <a:extLst>
-                <a:ext uri="{FF2B5EF4-FFF2-40B4-BE49-F238E27FC236}">
-                  <a16:creationId xmlns:a16="http://schemas.microsoft.com/office/drawing/2014/main" id="{1152C58B-7A3D-453B-BEF5-0D6A80241D16}"/>
-                </a:ext>
-              </a:extLst>
-            </p:cNvPr>
-            <p:cNvPicPr>
-              <a:picLocks noChangeAspect="1"/>
-            </p:cNvPicPr>
-            <p:nvPr/>
-          </p:nvPicPr>
-          <p:blipFill>
-            <a:blip r:embed="rId2">
-              <a:extLst>
-                <a:ext uri="{28A0092B-C50C-407E-A947-70E740481C1C}">
-                  <a14:useLocalDpi xmlns:a14="http://schemas.microsoft.com/office/drawing/2010/main" val="0"/>
-                </a:ext>
-              </a:extLst>
-            </a:blip>
-            <a:stretch>
-              <a:fillRect/>
-            </a:stretch>
-          </p:blipFill>
-          <p:spPr>
-            <a:xfrm>
-              <a:off x="0" y="895350"/>
-              <a:ext cx="12192000" cy="807291"/>
-            </a:xfrm>
-            <a:prstGeom prst="rect">
-              <a:avLst/>
-            </a:prstGeom>
-          </p:spPr>
-        </p:pic>
-        <p:sp>
-          <p:nvSpPr>
-            <p:cNvPr id="13" name="Rectangle 12">
-              <a:extLst>
-                <a:ext uri="{FF2B5EF4-FFF2-40B4-BE49-F238E27FC236}">
-                  <a16:creationId xmlns:a16="http://schemas.microsoft.com/office/drawing/2014/main" id="{CF7573B2-FDB7-41CD-8FE1-311DF7F4E7B3}"/>
-                </a:ext>
-              </a:extLst>
-            </p:cNvPr>
-            <p:cNvSpPr/>
-            <p:nvPr/>
-          </p:nvSpPr>
-          <p:spPr>
-            <a:xfrm>
-              <a:off x="210706" y="1148643"/>
-              <a:ext cx="3526415" cy="553998"/>
-            </a:xfrm>
-            <a:prstGeom prst="rect">
-              <a:avLst/>
-            </a:prstGeom>
-          </p:spPr>
-          <p:txBody>
-            <a:bodyPr wrap="none">
-              <a:spAutoFit/>
-            </a:bodyPr>
-            <a:lstStyle/>
-            <a:p>
-              <a:r>
-                <a:rPr lang="en-US" sz="3000" b="1" dirty="0">
-                  <a:solidFill>
-                    <a:schemeClr val="bg1"/>
-                  </a:solidFill>
-                  <a:latin typeface="Lato" charset="0"/>
-                </a:rPr>
-                <a:t>Aggregation Tasks</a:t>
-              </a:r>
-              <a:endParaRPr lang="en-US" sz="2400" b="1" dirty="0">
-                <a:solidFill>
-                  <a:schemeClr val="bg1"/>
-                </a:solidFill>
-                <a:latin typeface="Lato" charset="0"/>
-              </a:endParaRPr>
-            </a:p>
-          </p:txBody>
-        </p:sp>
-      </p:grpSp>
-      <p:sp>
-        <p:nvSpPr>
-          <p:cNvPr id="8" name="TextBox 7">
-            <a:extLst>
-              <a:ext uri="{FF2B5EF4-FFF2-40B4-BE49-F238E27FC236}">
-                <a16:creationId xmlns:a16="http://schemas.microsoft.com/office/drawing/2014/main" id="{C4728C7A-92DB-470B-B9B8-52D86CEDDDF8}"/>
-              </a:ext>
-            </a:extLst>
-          </p:cNvPr>
-          <p:cNvSpPr txBox="1"/>
-          <p:nvPr/>
-        </p:nvSpPr>
-        <p:spPr>
-          <a:xfrm>
-            <a:off x="210706" y="1665800"/>
-            <a:ext cx="9988371" cy="566886"/>
-          </a:xfrm>
-          <a:prstGeom prst="rect">
-            <a:avLst/>
-          </a:prstGeom>
-          <a:noFill/>
-        </p:spPr>
-        <p:txBody>
-          <a:bodyPr wrap="square" rtlCol="0">
-            <a:spAutoFit/>
-          </a:bodyPr>
-          <a:lstStyle/>
-          <a:p>
-            <a:pPr marL="0" lvl="1">
-              <a:lnSpc>
-                <a:spcPct val="200000"/>
-              </a:lnSpc>
-            </a:pPr>
-            <a:r>
-              <a:rPr lang="en-US" b="1" dirty="0"/>
-              <a:t>1. How often does each violation code occur? (frequency of violation codes - find the top 5)</a:t>
-            </a:r>
-            <a:endParaRPr lang="en-US" b="1" dirty="0">
-              <a:latin typeface="Lato"/>
-            </a:endParaRPr>
-          </a:p>
-        </p:txBody>
-      </p:sp>
-      <p:grpSp>
-        <p:nvGrpSpPr>
-          <p:cNvPr id="2" name="Group 1">
-            <a:extLst>
-              <a:ext uri="{FF2B5EF4-FFF2-40B4-BE49-F238E27FC236}">
-                <a16:creationId xmlns:a16="http://schemas.microsoft.com/office/drawing/2014/main" id="{84D04E1B-C02F-44E1-AF7A-AFFE0C7AD69E}"/>
-              </a:ext>
-            </a:extLst>
-          </p:cNvPr>
-          <p:cNvGrpSpPr/>
-          <p:nvPr/>
-        </p:nvGrpSpPr>
-        <p:grpSpPr>
-          <a:xfrm>
-            <a:off x="1647825" y="2566987"/>
-            <a:ext cx="8896350" cy="3638550"/>
-            <a:chOff x="1647825" y="2566987"/>
-            <a:chExt cx="8896350" cy="3638550"/>
-          </a:xfrm>
-        </p:grpSpPr>
-        <p:pic>
-          <p:nvPicPr>
-            <p:cNvPr id="3" name="Picture 2">
-              <a:extLst>
-                <a:ext uri="{FF2B5EF4-FFF2-40B4-BE49-F238E27FC236}">
-                  <a16:creationId xmlns:a16="http://schemas.microsoft.com/office/drawing/2014/main" id="{2D28BA86-3D20-4613-BEFE-B365781E206F}"/>
-                </a:ext>
-              </a:extLst>
-            </p:cNvPr>
-            <p:cNvPicPr>
-              <a:picLocks noChangeAspect="1"/>
-            </p:cNvPicPr>
-            <p:nvPr/>
-          </p:nvPicPr>
-          <p:blipFill>
-            <a:blip r:embed="rId3"/>
-            <a:stretch>
-              <a:fillRect/>
-            </a:stretch>
-          </p:blipFill>
-          <p:spPr>
-            <a:xfrm>
-              <a:off x="1647825" y="2566987"/>
-              <a:ext cx="8896350" cy="1724025"/>
-            </a:xfrm>
-            <a:prstGeom prst="rect">
-              <a:avLst/>
-            </a:prstGeom>
-            <a:ln>
-              <a:noFill/>
-            </a:ln>
-            <a:effectLst>
-              <a:outerShdw blurRad="292100" dist="139700" dir="2700000" algn="tl" rotWithShape="0">
-                <a:srgbClr val="333333">
-                  <a:alpha val="65000"/>
-                </a:srgbClr>
-              </a:outerShdw>
-            </a:effectLst>
-          </p:spPr>
-        </p:pic>
-        <p:pic>
-          <p:nvPicPr>
-            <p:cNvPr id="4" name="Picture 3">
-              <a:extLst>
-                <a:ext uri="{FF2B5EF4-FFF2-40B4-BE49-F238E27FC236}">
-                  <a16:creationId xmlns:a16="http://schemas.microsoft.com/office/drawing/2014/main" id="{795D05AD-FBB5-4BBA-947A-4E96E06A463D}"/>
-                </a:ext>
-              </a:extLst>
-            </p:cNvPr>
-            <p:cNvPicPr>
-              <a:picLocks noChangeAspect="1"/>
-            </p:cNvPicPr>
-            <p:nvPr/>
-          </p:nvPicPr>
-          <p:blipFill>
-            <a:blip r:embed="rId4"/>
-            <a:stretch>
-              <a:fillRect/>
-            </a:stretch>
-          </p:blipFill>
-          <p:spPr>
-            <a:xfrm>
-              <a:off x="4048125" y="4519612"/>
-              <a:ext cx="4095750" cy="1685925"/>
-            </a:xfrm>
-            <a:prstGeom prst="rect">
-              <a:avLst/>
-            </a:prstGeom>
-            <a:ln>
-              <a:noFill/>
-            </a:ln>
-            <a:effectLst>
-              <a:outerShdw blurRad="292100" dist="139700" dir="2700000" algn="tl" rotWithShape="0">
-                <a:srgbClr val="333333">
-                  <a:alpha val="65000"/>
-                </a:srgbClr>
-              </a:outerShdw>
-            </a:effectLst>
-          </p:spPr>
-        </p:pic>
-      </p:grpSp>
-    </p:spTree>
-    <p:extLst>
-      <p:ext uri="{BB962C8B-B14F-4D97-AF65-F5344CB8AC3E}">
-        <p14:creationId xmlns:p14="http://schemas.microsoft.com/office/powerpoint/2010/main" val="833628409"/>
       </p:ext>
     </p:extLst>
   </p:cSld>

--- a/NYC Parking Tickets EDA/FayizMayamVeettil_DDA1730041_main.pptx
+++ b/NYC Parking Tickets EDA/FayizMayamVeettil_DDA1730041_main.pptx
@@ -5,7 +5,7 @@
     <p:sldMasterId id="2147483660" r:id="rId1"/>
   </p:sldMasterIdLst>
   <p:notesMasterIdLst>
-    <p:notesMasterId r:id="rId22"/>
+    <p:notesMasterId r:id="rId24"/>
   </p:notesMasterIdLst>
   <p:sldIdLst>
     <p:sldId id="256" r:id="rId2"/>
@@ -28,6 +28,8 @@
     <p:sldId id="331" r:id="rId19"/>
     <p:sldId id="326" r:id="rId20"/>
     <p:sldId id="332" r:id="rId21"/>
+    <p:sldId id="333" r:id="rId22"/>
+    <p:sldId id="334" r:id="rId23"/>
   </p:sldIdLst>
   <p:sldSz cx="12192000" cy="6858000"/>
   <p:notesSz cx="6858000" cy="9144000"/>
@@ -137,10 +139,6 @@
 </p:presentation>
 </file>
 
-<file path=ppt/revisionInfo.xml><?xml version="1.0" encoding="utf-8"?>
-<p1510:revInfo xmlns:a="http://schemas.openxmlformats.org/drawingml/2006/main" xmlns:r="http://schemas.openxmlformats.org/officeDocument/2006/relationships" xmlns:p1510="http://schemas.microsoft.com/office/powerpoint/2015/10/main"/>
-</file>
-
 <file path=ppt/notesMasters/notesMaster1.xml><?xml version="1.0" encoding="utf-8"?>
 <p:notesMaster xmlns:a="http://schemas.openxmlformats.org/drawingml/2006/main" xmlns:r="http://schemas.openxmlformats.org/officeDocument/2006/relationships" xmlns:p="http://schemas.openxmlformats.org/presentationml/2006/main">
   <p:cSld>
@@ -223,7 +221,7 @@
           <a:p>
             <a:fld id="{2E309023-AF2B-4043-B228-F191CADC9BB1}" type="datetimeFigureOut">
               <a:rPr lang="en-IN" smtClean="0"/>
-              <a:t>14-07-2018</a:t>
+              <a:t>15-07-2018</a:t>
             </a:fld>
             <a:endParaRPr lang="en-IN"/>
           </a:p>
@@ -622,7 +620,7 @@
           <a:p>
             <a:fld id="{70C018FE-C8D6-4A9C-A702-41F1E0C1C452}" type="datetimeFigureOut">
               <a:rPr lang="en-IN" smtClean="0"/>
-              <a:t>14-07-2018</a:t>
+              <a:t>15-07-2018</a:t>
             </a:fld>
             <a:endParaRPr lang="en-IN"/>
           </a:p>
@@ -792,7 +790,7 @@
           <a:p>
             <a:fld id="{70C018FE-C8D6-4A9C-A702-41F1E0C1C452}" type="datetimeFigureOut">
               <a:rPr lang="en-IN" smtClean="0"/>
-              <a:t>14-07-2018</a:t>
+              <a:t>15-07-2018</a:t>
             </a:fld>
             <a:endParaRPr lang="en-IN"/>
           </a:p>
@@ -972,7 +970,7 @@
           <a:p>
             <a:fld id="{70C018FE-C8D6-4A9C-A702-41F1E0C1C452}" type="datetimeFigureOut">
               <a:rPr lang="en-IN" smtClean="0"/>
-              <a:t>14-07-2018</a:t>
+              <a:t>15-07-2018</a:t>
             </a:fld>
             <a:endParaRPr lang="en-IN"/>
           </a:p>
@@ -1404,7 +1402,7 @@
           <a:p>
             <a:fld id="{70C018FE-C8D6-4A9C-A702-41F1E0C1C452}" type="datetimeFigureOut">
               <a:rPr lang="en-IN" smtClean="0"/>
-              <a:t>14-07-2018</a:t>
+              <a:t>15-07-2018</a:t>
             </a:fld>
             <a:endParaRPr lang="en-IN"/>
           </a:p>
@@ -1636,7 +1634,7 @@
           <a:p>
             <a:fld id="{70C018FE-C8D6-4A9C-A702-41F1E0C1C452}" type="datetimeFigureOut">
               <a:rPr lang="en-IN" smtClean="0"/>
-              <a:t>14-07-2018</a:t>
+              <a:t>15-07-2018</a:t>
             </a:fld>
             <a:endParaRPr lang="en-IN"/>
           </a:p>
@@ -2003,7 +2001,7 @@
           <a:p>
             <a:fld id="{70C018FE-C8D6-4A9C-A702-41F1E0C1C452}" type="datetimeFigureOut">
               <a:rPr lang="en-IN" smtClean="0"/>
-              <a:t>14-07-2018</a:t>
+              <a:t>15-07-2018</a:t>
             </a:fld>
             <a:endParaRPr lang="en-IN"/>
           </a:p>
@@ -2121,7 +2119,7 @@
           <a:p>
             <a:fld id="{70C018FE-C8D6-4A9C-A702-41F1E0C1C452}" type="datetimeFigureOut">
               <a:rPr lang="en-IN" smtClean="0"/>
-              <a:t>14-07-2018</a:t>
+              <a:t>15-07-2018</a:t>
             </a:fld>
             <a:endParaRPr lang="en-IN"/>
           </a:p>
@@ -2216,7 +2214,7 @@
           <a:p>
             <a:fld id="{70C018FE-C8D6-4A9C-A702-41F1E0C1C452}" type="datetimeFigureOut">
               <a:rPr lang="en-IN" smtClean="0"/>
-              <a:t>14-07-2018</a:t>
+              <a:t>15-07-2018</a:t>
             </a:fld>
             <a:endParaRPr lang="en-IN"/>
           </a:p>
@@ -2492,7 +2490,7 @@
           <a:p>
             <a:fld id="{70C018FE-C8D6-4A9C-A702-41F1E0C1C452}" type="datetimeFigureOut">
               <a:rPr lang="en-IN" smtClean="0"/>
-              <a:t>14-07-2018</a:t>
+              <a:t>15-07-2018</a:t>
             </a:fld>
             <a:endParaRPr lang="en-IN"/>
           </a:p>
@@ -2749,7 +2747,7 @@
           <a:p>
             <a:fld id="{70C018FE-C8D6-4A9C-A702-41F1E0C1C452}" type="datetimeFigureOut">
               <a:rPr lang="en-IN" smtClean="0"/>
-              <a:t>14-07-2018</a:t>
+              <a:t>15-07-2018</a:t>
             </a:fld>
             <a:endParaRPr lang="en-IN"/>
           </a:p>
@@ -2960,7 +2958,7 @@
           <a:p>
             <a:fld id="{70C018FE-C8D6-4A9C-A702-41F1E0C1C452}" type="datetimeFigureOut">
               <a:rPr lang="en-IN" smtClean="0"/>
-              <a:t>14-07-2018</a:t>
+              <a:t>15-07-2018</a:t>
             </a:fld>
             <a:endParaRPr lang="en-IN" dirty="0"/>
           </a:p>
@@ -4820,7 +4818,7 @@
         <p:spPr>
           <a:xfrm>
             <a:off x="196206" y="1797891"/>
-            <a:ext cx="11799587" cy="1846659"/>
+            <a:ext cx="11799587" cy="2062103"/>
           </a:xfrm>
           <a:prstGeom prst="rect">
             <a:avLst/>
@@ -4838,15 +4836,26 @@
             </a:pPr>
             <a:r>
               <a:rPr lang="en-US" b="1" dirty="0"/>
-              <a:t>Find the violation code frequency across 3 precincts which have issued the most number of tickets - do these precinct 	zones have an exceptionally high frequency of certain violation codes? Are these codes common across precincts?</a:t>
-            </a:r>
-          </a:p>
-          <a:p>
-            <a:pPr marL="457200" lvl="2">
-              <a:lnSpc>
-                <a:spcPct val="200000"/>
-              </a:lnSpc>
-            </a:pPr>
+              <a:t>Find the violation code frequency across 3 precincts which have issued the most number of tickets - do these precinct zones have an exceptionally high frequency of certain violation codes? Are these codes common across precincts?</a:t>
+            </a:r>
+          </a:p>
+          <a:p>
+            <a:pPr marL="457200" lvl="2"/>
+            <a:r>
+              <a:rPr lang="en-US" sz="1400" b="1" dirty="0">
+                <a:solidFill>
+                  <a:schemeClr val="tx1">
+                    <a:lumMod val="50000"/>
+                    <a:lumOff val="50000"/>
+                  </a:schemeClr>
+                </a:solidFill>
+                <a:latin typeface="Lato"/>
+              </a:rPr>
+              <a:t>	-	Assumption: Precincts Code 0 is considered as one of the Precincts</a:t>
+            </a:r>
+          </a:p>
+          <a:p>
+            <a:pPr marL="457200" lvl="2"/>
             <a:r>
               <a:rPr lang="en-US" sz="1400" b="1" dirty="0">
                 <a:solidFill>
@@ -4874,6 +4883,18 @@
               </a:rPr>
               <a:t>	-	No consistency in violation codes however code 14, 46 are most common in all year/precincts</a:t>
             </a:r>
+          </a:p>
+          <a:p>
+            <a:pPr marL="457200" lvl="2"/>
+            <a:endParaRPr lang="en-US" sz="1400" b="1" dirty="0">
+              <a:solidFill>
+                <a:schemeClr val="tx1">
+                  <a:lumMod val="50000"/>
+                  <a:lumOff val="50000"/>
+                </a:schemeClr>
+              </a:solidFill>
+              <a:latin typeface="Lato"/>
+            </a:endParaRPr>
           </a:p>
           <a:p>
             <a:pPr marL="457200" lvl="2"/>
@@ -5132,7 +5153,7 @@
         </p:blipFill>
         <p:spPr>
           <a:xfrm>
-            <a:off x="1065684" y="2681761"/>
+            <a:off x="1458876" y="2672617"/>
             <a:ext cx="4248610" cy="3903450"/>
           </a:xfrm>
           <a:prstGeom prst="rect">
@@ -5162,7 +5183,7 @@
         </p:blipFill>
         <p:spPr>
           <a:xfrm>
-            <a:off x="6045197" y="2681761"/>
+            <a:off x="6438389" y="2672617"/>
             <a:ext cx="4382480" cy="3903450"/>
           </a:xfrm>
           <a:prstGeom prst="rect">
@@ -5369,8 +5390,8 @@
         </p:blipFill>
         <p:spPr>
           <a:xfrm>
-            <a:off x="1033786" y="2612254"/>
-            <a:ext cx="3109852" cy="4125151"/>
+            <a:off x="1234954" y="2619326"/>
+            <a:ext cx="3028260" cy="4016921"/>
           </a:xfrm>
           <a:prstGeom prst="rect">
             <a:avLst/>
@@ -5399,8 +5420,8 @@
         </p:blipFill>
         <p:spPr>
           <a:xfrm>
-            <a:off x="4424464" y="2612254"/>
-            <a:ext cx="3083553" cy="4111404"/>
+            <a:off x="4625633" y="2619326"/>
+            <a:ext cx="3013828" cy="4018437"/>
           </a:xfrm>
           <a:prstGeom prst="rect">
             <a:avLst/>
@@ -5429,14 +5450,50 @@
         </p:blipFill>
         <p:spPr>
           <a:xfrm>
-            <a:off x="7788843" y="2605182"/>
-            <a:ext cx="3089695" cy="4114257"/>
+            <a:off x="7990011" y="2612254"/>
+            <a:ext cx="3021909" cy="4023993"/>
           </a:xfrm>
           <a:prstGeom prst="rect">
             <a:avLst/>
           </a:prstGeom>
         </p:spPr>
       </p:pic>
+      <p:sp>
+        <p:nvSpPr>
+          <p:cNvPr id="9" name="TextBox 8">
+            <a:extLst>
+              <a:ext uri="{FF2B5EF4-FFF2-40B4-BE49-F238E27FC236}">
+                <a16:creationId xmlns:a16="http://schemas.microsoft.com/office/drawing/2014/main" id="{E6F0EF1E-2BFE-4F51-B427-D4974262BB7C}"/>
+              </a:ext>
+            </a:extLst>
+          </p:cNvPr>
+          <p:cNvSpPr txBox="1"/>
+          <p:nvPr/>
+        </p:nvSpPr>
+        <p:spPr>
+          <a:xfrm>
+            <a:off x="4996464" y="6636247"/>
+            <a:ext cx="7128480" cy="246221"/>
+          </a:xfrm>
+          <a:prstGeom prst="rect">
+            <a:avLst/>
+          </a:prstGeom>
+          <a:noFill/>
+        </p:spPr>
+        <p:txBody>
+          <a:bodyPr wrap="square" rtlCol="0">
+            <a:spAutoFit/>
+          </a:bodyPr>
+          <a:lstStyle/>
+          <a:p>
+            <a:pPr lvl="1"/>
+            <a:r>
+              <a:rPr lang="en-US" sz="1000" b="1" dirty="0"/>
+              <a:t>* NA's in the result sets are kept separately as it's not logical to add them in any of the time bin, unless otherwise specified</a:t>
+            </a:r>
+          </a:p>
+        </p:txBody>
+      </p:sp>
     </p:spTree>
     <p:extLst>
       <p:ext uri="{BB962C8B-B14F-4D97-AF65-F5344CB8AC3E}">
@@ -5618,6 +5675,132 @@
           </a:p>
         </p:txBody>
       </p:sp>
+      <p:pic>
+        <p:nvPicPr>
+          <p:cNvPr id="2" name="Picture 1">
+            <a:extLst>
+              <a:ext uri="{FF2B5EF4-FFF2-40B4-BE49-F238E27FC236}">
+                <a16:creationId xmlns:a16="http://schemas.microsoft.com/office/drawing/2014/main" id="{F246839D-7271-49E6-8C41-D4B1052B8173}"/>
+              </a:ext>
+            </a:extLst>
+          </p:cNvPr>
+          <p:cNvPicPr>
+            <a:picLocks noChangeAspect="1"/>
+          </p:cNvPicPr>
+          <p:nvPr/>
+        </p:nvPicPr>
+        <p:blipFill>
+          <a:blip r:embed="rId3"/>
+          <a:stretch>
+            <a:fillRect/>
+          </a:stretch>
+        </p:blipFill>
+        <p:spPr>
+          <a:xfrm>
+            <a:off x="1031578" y="2597577"/>
+            <a:ext cx="2960724" cy="4090073"/>
+          </a:xfrm>
+          <a:prstGeom prst="rect">
+            <a:avLst/>
+          </a:prstGeom>
+        </p:spPr>
+      </p:pic>
+      <p:pic>
+        <p:nvPicPr>
+          <p:cNvPr id="3" name="Picture 2">
+            <a:extLst>
+              <a:ext uri="{FF2B5EF4-FFF2-40B4-BE49-F238E27FC236}">
+                <a16:creationId xmlns:a16="http://schemas.microsoft.com/office/drawing/2014/main" id="{090DEA2C-691C-4BA0-82BC-0C28B77704D8}"/>
+              </a:ext>
+            </a:extLst>
+          </p:cNvPr>
+          <p:cNvPicPr>
+            <a:picLocks noChangeAspect="1"/>
+          </p:cNvPicPr>
+          <p:nvPr/>
+        </p:nvPicPr>
+        <p:blipFill>
+          <a:blip r:embed="rId4"/>
+          <a:stretch>
+            <a:fillRect/>
+          </a:stretch>
+        </p:blipFill>
+        <p:spPr>
+          <a:xfrm>
+            <a:off x="4618141" y="2597577"/>
+            <a:ext cx="2943311" cy="3072604"/>
+          </a:xfrm>
+          <a:prstGeom prst="rect">
+            <a:avLst/>
+          </a:prstGeom>
+        </p:spPr>
+      </p:pic>
+      <p:pic>
+        <p:nvPicPr>
+          <p:cNvPr id="4" name="Picture 3">
+            <a:extLst>
+              <a:ext uri="{FF2B5EF4-FFF2-40B4-BE49-F238E27FC236}">
+                <a16:creationId xmlns:a16="http://schemas.microsoft.com/office/drawing/2014/main" id="{4966B648-5627-4573-84D0-152A372CF18B}"/>
+              </a:ext>
+            </a:extLst>
+          </p:cNvPr>
+          <p:cNvPicPr>
+            <a:picLocks noChangeAspect="1"/>
+          </p:cNvPicPr>
+          <p:nvPr/>
+        </p:nvPicPr>
+        <p:blipFill>
+          <a:blip r:embed="rId5"/>
+          <a:stretch>
+            <a:fillRect/>
+          </a:stretch>
+        </p:blipFill>
+        <p:spPr>
+          <a:xfrm>
+            <a:off x="8187291" y="2605182"/>
+            <a:ext cx="2943311" cy="3064999"/>
+          </a:xfrm>
+          <a:prstGeom prst="rect">
+            <a:avLst/>
+          </a:prstGeom>
+        </p:spPr>
+      </p:pic>
+      <p:sp>
+        <p:nvSpPr>
+          <p:cNvPr id="9" name="TextBox 8">
+            <a:extLst>
+              <a:ext uri="{FF2B5EF4-FFF2-40B4-BE49-F238E27FC236}">
+                <a16:creationId xmlns:a16="http://schemas.microsoft.com/office/drawing/2014/main" id="{F60DBBAB-20A1-4CD4-A5BC-F57CADF2AD42}"/>
+              </a:ext>
+            </a:extLst>
+          </p:cNvPr>
+          <p:cNvSpPr txBox="1"/>
+          <p:nvPr/>
+        </p:nvSpPr>
+        <p:spPr>
+          <a:xfrm>
+            <a:off x="4319456" y="6441429"/>
+            <a:ext cx="7872544" cy="246221"/>
+          </a:xfrm>
+          <a:prstGeom prst="rect">
+            <a:avLst/>
+          </a:prstGeom>
+          <a:noFill/>
+        </p:spPr>
+        <p:txBody>
+          <a:bodyPr wrap="square" rtlCol="0">
+            <a:spAutoFit/>
+          </a:bodyPr>
+          <a:lstStyle/>
+          <a:p>
+            <a:pPr lvl="1"/>
+            <a:r>
+              <a:rPr lang="en-US" sz="1000" b="1" dirty="0"/>
+              <a:t>* NA's in the result sets are kept separately as it's not logical to add them in any of the time bin, unless otherwise specified</a:t>
+            </a:r>
+          </a:p>
+        </p:txBody>
+      </p:sp>
     </p:spTree>
     <p:extLst>
       <p:ext uri="{BB962C8B-B14F-4D97-AF65-F5344CB8AC3E}">
@@ -6767,7 +6950,7 @@
         <p:spPr>
           <a:xfrm>
             <a:off x="196206" y="1797891"/>
-            <a:ext cx="11799587" cy="2000548"/>
+            <a:ext cx="11799587" cy="1785104"/>
           </a:xfrm>
           <a:prstGeom prst="rect">
             <a:avLst/>
@@ -6794,23 +6977,10 @@
           </a:p>
           <a:p>
             <a:pPr lvl="1"/>
-            <a:r>
-              <a:rPr lang="en-US" sz="1400" b="1" dirty="0"/>
-              <a:t>c)	Using this information, find the total amount collected for all of the fines. State the code which has the highest total collection. </a:t>
-            </a:r>
+            <a:endParaRPr lang="en-US" sz="1400" b="1" dirty="0"/>
           </a:p>
           <a:p>
             <a:pPr lvl="1"/>
-            <a:r>
-              <a:rPr lang="en-US" sz="1400" b="1" dirty="0"/>
-              <a:t>d)	What can you intuitively infer from these findings?</a:t>
-            </a:r>
-          </a:p>
-          <a:p>
-            <a:pPr marL="800100" lvl="1" indent="-342900">
-              <a:buFontTx/>
-              <a:buAutoNum type="alphaLcParenR"/>
-            </a:pPr>
             <a:endParaRPr lang="en-US" sz="1400" b="1" dirty="0"/>
           </a:p>
           <a:p>
@@ -6823,10 +6993,503 @@
           </a:p>
         </p:txBody>
       </p:sp>
+      <p:pic>
+        <p:nvPicPr>
+          <p:cNvPr id="2" name="Picture 1">
+            <a:extLst>
+              <a:ext uri="{FF2B5EF4-FFF2-40B4-BE49-F238E27FC236}">
+                <a16:creationId xmlns:a16="http://schemas.microsoft.com/office/drawing/2014/main" id="{5D259B8A-BA8E-44C0-BB3A-A91B13BDB92E}"/>
+              </a:ext>
+            </a:extLst>
+          </p:cNvPr>
+          <p:cNvPicPr>
+            <a:picLocks noChangeAspect="1"/>
+          </p:cNvPicPr>
+          <p:nvPr/>
+        </p:nvPicPr>
+        <p:blipFill>
+          <a:blip r:embed="rId3"/>
+          <a:stretch>
+            <a:fillRect/>
+          </a:stretch>
+        </p:blipFill>
+        <p:spPr>
+          <a:xfrm>
+            <a:off x="1295843" y="3429000"/>
+            <a:ext cx="9791700" cy="1466850"/>
+          </a:xfrm>
+          <a:prstGeom prst="rect">
+            <a:avLst/>
+          </a:prstGeom>
+        </p:spPr>
+      </p:pic>
     </p:spTree>
     <p:extLst>
       <p:ext uri="{BB962C8B-B14F-4D97-AF65-F5344CB8AC3E}">
         <p14:creationId xmlns:p14="http://schemas.microsoft.com/office/powerpoint/2010/main" val="2075955123"/>
+      </p:ext>
+    </p:extLst>
+  </p:cSld>
+  <p:clrMapOvr>
+    <a:masterClrMapping/>
+  </p:clrMapOvr>
+</p:sld>
+</file>
+
+<file path=ppt/slides/slide21.xml><?xml version="1.0" encoding="utf-8"?>
+<p:sld xmlns:a="http://schemas.openxmlformats.org/drawingml/2006/main" xmlns:r="http://schemas.openxmlformats.org/officeDocument/2006/relationships" xmlns:p="http://schemas.openxmlformats.org/presentationml/2006/main">
+  <p:cSld>
+    <p:spTree>
+      <p:nvGrpSpPr>
+        <p:cNvPr id="1" name=""/>
+        <p:cNvGrpSpPr/>
+        <p:nvPr/>
+      </p:nvGrpSpPr>
+      <p:grpSpPr>
+        <a:xfrm>
+          <a:off x="0" y="0"/>
+          <a:ext cx="0" cy="0"/>
+          <a:chOff x="0" y="0"/>
+          <a:chExt cx="0" cy="0"/>
+        </a:xfrm>
+      </p:grpSpPr>
+      <p:grpSp>
+        <p:nvGrpSpPr>
+          <p:cNvPr id="11" name="Group 10">
+            <a:extLst>
+              <a:ext uri="{FF2B5EF4-FFF2-40B4-BE49-F238E27FC236}">
+                <a16:creationId xmlns:a16="http://schemas.microsoft.com/office/drawing/2014/main" id="{EBBA25A6-360E-4B6F-B6E1-CF2014CF9962}"/>
+              </a:ext>
+            </a:extLst>
+          </p:cNvPr>
+          <p:cNvGrpSpPr/>
+          <p:nvPr/>
+        </p:nvGrpSpPr>
+        <p:grpSpPr>
+          <a:xfrm>
+            <a:off x="0" y="990600"/>
+            <a:ext cx="12192000" cy="807291"/>
+            <a:chOff x="0" y="895350"/>
+            <a:chExt cx="12192000" cy="807291"/>
+          </a:xfrm>
+        </p:grpSpPr>
+        <p:pic>
+          <p:nvPicPr>
+            <p:cNvPr id="12" name="Picture 11">
+              <a:extLst>
+                <a:ext uri="{FF2B5EF4-FFF2-40B4-BE49-F238E27FC236}">
+                  <a16:creationId xmlns:a16="http://schemas.microsoft.com/office/drawing/2014/main" id="{1152C58B-7A3D-453B-BEF5-0D6A80241D16}"/>
+                </a:ext>
+              </a:extLst>
+            </p:cNvPr>
+            <p:cNvPicPr>
+              <a:picLocks noChangeAspect="1"/>
+            </p:cNvPicPr>
+            <p:nvPr/>
+          </p:nvPicPr>
+          <p:blipFill>
+            <a:blip r:embed="rId2">
+              <a:extLst>
+                <a:ext uri="{28A0092B-C50C-407E-A947-70E740481C1C}">
+                  <a14:useLocalDpi xmlns:a14="http://schemas.microsoft.com/office/drawing/2010/main" val="0"/>
+                </a:ext>
+              </a:extLst>
+            </a:blip>
+            <a:stretch>
+              <a:fillRect/>
+            </a:stretch>
+          </p:blipFill>
+          <p:spPr>
+            <a:xfrm>
+              <a:off x="0" y="895350"/>
+              <a:ext cx="12192000" cy="807291"/>
+            </a:xfrm>
+            <a:prstGeom prst="rect">
+              <a:avLst/>
+            </a:prstGeom>
+          </p:spPr>
+        </p:pic>
+        <p:sp>
+          <p:nvSpPr>
+            <p:cNvPr id="13" name="Rectangle 12">
+              <a:extLst>
+                <a:ext uri="{FF2B5EF4-FFF2-40B4-BE49-F238E27FC236}">
+                  <a16:creationId xmlns:a16="http://schemas.microsoft.com/office/drawing/2014/main" id="{CF7573B2-FDB7-41CD-8FE1-311DF7F4E7B3}"/>
+                </a:ext>
+              </a:extLst>
+            </p:cNvPr>
+            <p:cNvSpPr/>
+            <p:nvPr/>
+          </p:nvSpPr>
+          <p:spPr>
+            <a:xfrm>
+              <a:off x="210706" y="1148643"/>
+              <a:ext cx="3526415" cy="553998"/>
+            </a:xfrm>
+            <a:prstGeom prst="rect">
+              <a:avLst/>
+            </a:prstGeom>
+          </p:spPr>
+          <p:txBody>
+            <a:bodyPr wrap="none">
+              <a:spAutoFit/>
+            </a:bodyPr>
+            <a:lstStyle/>
+            <a:p>
+              <a:r>
+                <a:rPr lang="en-US" sz="3000" b="1" dirty="0">
+                  <a:solidFill>
+                    <a:schemeClr val="bg1"/>
+                  </a:solidFill>
+                  <a:latin typeface="Lato" charset="0"/>
+                </a:rPr>
+                <a:t>Aggregation Tasks</a:t>
+              </a:r>
+              <a:endParaRPr lang="en-US" sz="2400" b="1" dirty="0">
+                <a:solidFill>
+                  <a:schemeClr val="bg1"/>
+                </a:solidFill>
+                <a:latin typeface="Lato" charset="0"/>
+              </a:endParaRPr>
+            </a:p>
+          </p:txBody>
+        </p:sp>
+      </p:grpSp>
+      <p:sp>
+        <p:nvSpPr>
+          <p:cNvPr id="8" name="TextBox 7">
+            <a:extLst>
+              <a:ext uri="{FF2B5EF4-FFF2-40B4-BE49-F238E27FC236}">
+                <a16:creationId xmlns:a16="http://schemas.microsoft.com/office/drawing/2014/main" id="{C4728C7A-92DB-470B-B9B8-52D86CEDDDF8}"/>
+              </a:ext>
+            </a:extLst>
+          </p:cNvPr>
+          <p:cNvSpPr txBox="1"/>
+          <p:nvPr/>
+        </p:nvSpPr>
+        <p:spPr>
+          <a:xfrm>
+            <a:off x="196206" y="1797891"/>
+            <a:ext cx="11799587" cy="1631216"/>
+          </a:xfrm>
+          <a:prstGeom prst="rect">
+            <a:avLst/>
+          </a:prstGeom>
+          <a:noFill/>
+        </p:spPr>
+        <p:txBody>
+          <a:bodyPr wrap="square" rtlCol="0">
+            <a:spAutoFit/>
+          </a:bodyPr>
+          <a:lstStyle/>
+          <a:p>
+            <a:pPr marL="342900" indent="-342900">
+              <a:buAutoNum type="arabicPeriod" startAt="7"/>
+            </a:pPr>
+            <a:r>
+              <a:rPr lang="en-US" b="1" dirty="0"/>
+              <a:t>  The fines collected from all the parking violation constitute a revenue source for the NYC police department. Let’s 	take an example of estimating that for the 3 most commonly occurring codes.</a:t>
+            </a:r>
+          </a:p>
+          <a:p>
+            <a:pPr marL="342900" indent="-342900">
+              <a:buAutoNum type="arabicPeriod" startAt="7"/>
+            </a:pPr>
+            <a:endParaRPr lang="en-US" b="1" dirty="0"/>
+          </a:p>
+          <a:p>
+            <a:pPr lvl="1"/>
+            <a:r>
+              <a:rPr lang="en-US" sz="1400" b="1" dirty="0"/>
+              <a:t>c)	Using this information, find the total amount collected for all of the fines. State the code which has the highest total collection. </a:t>
+            </a:r>
+          </a:p>
+          <a:p>
+            <a:pPr marL="800100" lvl="1" indent="-342900">
+              <a:buFontTx/>
+              <a:buAutoNum type="alphaLcParenR"/>
+            </a:pPr>
+            <a:endParaRPr lang="en-US" sz="1400" b="1" dirty="0"/>
+          </a:p>
+          <a:p>
+            <a:pPr marL="800100" lvl="1" indent="-342900">
+              <a:buAutoNum type="alphaLcParenR"/>
+            </a:pPr>
+            <a:endParaRPr lang="en-US" b="1" dirty="0">
+              <a:latin typeface="Lato"/>
+            </a:endParaRPr>
+          </a:p>
+        </p:txBody>
+      </p:sp>
+      <p:sp>
+        <p:nvSpPr>
+          <p:cNvPr id="6" name="TextBox 5">
+            <a:extLst>
+              <a:ext uri="{FF2B5EF4-FFF2-40B4-BE49-F238E27FC236}">
+                <a16:creationId xmlns:a16="http://schemas.microsoft.com/office/drawing/2014/main" id="{43143C86-0B79-4544-8D01-D7F4C5A39DCA}"/>
+              </a:ext>
+            </a:extLst>
+          </p:cNvPr>
+          <p:cNvSpPr txBox="1"/>
+          <p:nvPr/>
+        </p:nvSpPr>
+        <p:spPr>
+          <a:xfrm>
+            <a:off x="196205" y="4684699"/>
+            <a:ext cx="11799587" cy="2092881"/>
+          </a:xfrm>
+          <a:prstGeom prst="rect">
+            <a:avLst/>
+          </a:prstGeom>
+          <a:noFill/>
+        </p:spPr>
+        <p:txBody>
+          <a:bodyPr wrap="square" rtlCol="0">
+            <a:spAutoFit/>
+          </a:bodyPr>
+          <a:lstStyle/>
+          <a:p>
+            <a:pPr marL="800100" lvl="1" indent="-342900">
+              <a:buAutoNum type="alphaLcParenR" startAt="4"/>
+            </a:pPr>
+            <a:r>
+              <a:rPr lang="en-US" sz="1400" b="1" dirty="0"/>
+              <a:t>What can you intuitively infer from these findings?</a:t>
+            </a:r>
+          </a:p>
+          <a:p>
+            <a:pPr marL="800100" lvl="1" indent="-342900">
+              <a:buAutoNum type="alphaLcParenR" startAt="4"/>
+            </a:pPr>
+            <a:endParaRPr lang="en-US" sz="1400" b="1" dirty="0"/>
+          </a:p>
+          <a:p>
+            <a:pPr lvl="2"/>
+            <a:r>
+              <a:rPr lang="en-US" sz="1400" b="1" dirty="0"/>
+              <a:t>Top Violation by count in 3 years is with code 21 which is "Street Cleaning: No parking where parking is not allowed by sign, street marking or traffic control device. but max revenue is with code 14 which has higher fine for issue "Street Cleaning: No parking where parking is not allowed by sign, street marking or traffic control device."</a:t>
+            </a:r>
+          </a:p>
+          <a:p>
+            <a:pPr marL="800100" lvl="1" indent="-342900">
+              <a:buAutoNum type="alphaLcParenR" startAt="4"/>
+            </a:pPr>
+            <a:endParaRPr lang="en-US" sz="1400" b="1" dirty="0"/>
+          </a:p>
+          <a:p>
+            <a:pPr marL="800100" lvl="1" indent="-342900">
+              <a:buAutoNum type="alphaLcParenR" startAt="4"/>
+            </a:pPr>
+            <a:endParaRPr lang="en-US" sz="1400" b="1" dirty="0"/>
+          </a:p>
+          <a:p>
+            <a:pPr marL="800100" lvl="1" indent="-342900">
+              <a:buFontTx/>
+              <a:buAutoNum type="alphaLcParenR"/>
+            </a:pPr>
+            <a:endParaRPr lang="en-US" sz="1400" b="1" dirty="0"/>
+          </a:p>
+          <a:p>
+            <a:pPr marL="800100" lvl="1" indent="-342900">
+              <a:buAutoNum type="alphaLcParenR"/>
+            </a:pPr>
+            <a:endParaRPr lang="en-US" b="1" dirty="0">
+              <a:latin typeface="Lato"/>
+            </a:endParaRPr>
+          </a:p>
+        </p:txBody>
+      </p:sp>
+      <p:pic>
+        <p:nvPicPr>
+          <p:cNvPr id="3" name="Picture 2">
+            <a:extLst>
+              <a:ext uri="{FF2B5EF4-FFF2-40B4-BE49-F238E27FC236}">
+                <a16:creationId xmlns:a16="http://schemas.microsoft.com/office/drawing/2014/main" id="{7C492017-D139-4CB4-A0AC-FCA06D106F4C}"/>
+              </a:ext>
+            </a:extLst>
+          </p:cNvPr>
+          <p:cNvPicPr>
+            <a:picLocks noChangeAspect="1"/>
+          </p:cNvPicPr>
+          <p:nvPr/>
+        </p:nvPicPr>
+        <p:blipFill>
+          <a:blip r:embed="rId3"/>
+          <a:stretch>
+            <a:fillRect/>
+          </a:stretch>
+        </p:blipFill>
+        <p:spPr>
+          <a:xfrm>
+            <a:off x="1973913" y="3102923"/>
+            <a:ext cx="7820025" cy="1133475"/>
+          </a:xfrm>
+          <a:prstGeom prst="rect">
+            <a:avLst/>
+          </a:prstGeom>
+        </p:spPr>
+      </p:pic>
+    </p:spTree>
+    <p:extLst>
+      <p:ext uri="{BB962C8B-B14F-4D97-AF65-F5344CB8AC3E}">
+        <p14:creationId xmlns:p14="http://schemas.microsoft.com/office/powerpoint/2010/main" val="3153085018"/>
+      </p:ext>
+    </p:extLst>
+  </p:cSld>
+  <p:clrMapOvr>
+    <a:masterClrMapping/>
+  </p:clrMapOvr>
+</p:sld>
+</file>
+
+<file path=ppt/slides/slide22.xml><?xml version="1.0" encoding="utf-8"?>
+<p:sld xmlns:a="http://schemas.openxmlformats.org/drawingml/2006/main" xmlns:r="http://schemas.openxmlformats.org/officeDocument/2006/relationships" xmlns:p="http://schemas.openxmlformats.org/presentationml/2006/main">
+  <p:cSld>
+    <p:spTree>
+      <p:nvGrpSpPr>
+        <p:cNvPr id="1" name=""/>
+        <p:cNvGrpSpPr/>
+        <p:nvPr/>
+      </p:nvGrpSpPr>
+      <p:grpSpPr>
+        <a:xfrm>
+          <a:off x="0" y="0"/>
+          <a:ext cx="0" cy="0"/>
+          <a:chOff x="0" y="0"/>
+          <a:chExt cx="0" cy="0"/>
+        </a:xfrm>
+      </p:grpSpPr>
+      <p:sp>
+        <p:nvSpPr>
+          <p:cNvPr id="3" name="Subtitle 2"/>
+          <p:cNvSpPr>
+            <a:spLocks noGrp="1"/>
+          </p:cNvSpPr>
+          <p:nvPr>
+            <p:ph type="subTitle" idx="1"/>
+          </p:nvPr>
+        </p:nvSpPr>
+        <p:spPr>
+          <a:xfrm>
+            <a:off x="5760542" y="4811430"/>
+            <a:ext cx="6138856" cy="1531917"/>
+          </a:xfrm>
+        </p:spPr>
+        <p:txBody>
+          <a:bodyPr>
+            <a:normAutofit/>
+          </a:bodyPr>
+          <a:lstStyle/>
+          <a:p>
+            <a:pPr algn="r"/>
+            <a:r>
+              <a:rPr lang="en-IN" sz="1800" dirty="0">
+                <a:latin typeface="Lato" panose="020F0502020204030203"/>
+              </a:rPr>
+              <a:t>Merin Jose</a:t>
+            </a:r>
+          </a:p>
+          <a:p>
+            <a:pPr algn="r"/>
+            <a:r>
+              <a:rPr lang="en-IN" sz="1800" dirty="0">
+                <a:latin typeface="Lato" panose="020F0502020204030203"/>
+              </a:rPr>
+              <a:t>Suresh </a:t>
+            </a:r>
+            <a:r>
+              <a:rPr lang="en-IN" sz="1800" dirty="0" err="1">
+                <a:latin typeface="Lato" panose="020F0502020204030203"/>
+              </a:rPr>
+              <a:t>Balla</a:t>
+            </a:r>
+            <a:endParaRPr lang="en-IN" sz="1800" dirty="0">
+              <a:latin typeface="Lato" panose="020F0502020204030203"/>
+            </a:endParaRPr>
+          </a:p>
+          <a:p>
+            <a:pPr algn="r"/>
+            <a:r>
+              <a:rPr lang="en-IN" sz="1800" dirty="0">
+                <a:latin typeface="Lato" panose="020F0502020204030203"/>
+              </a:rPr>
+              <a:t>Deepak </a:t>
+            </a:r>
+            <a:r>
+              <a:rPr lang="en-IN" sz="1800" dirty="0" err="1">
+                <a:latin typeface="Lato" panose="020F0502020204030203"/>
+              </a:rPr>
+              <a:t>Aneja</a:t>
+            </a:r>
+            <a:endParaRPr lang="en-IN" sz="1800" dirty="0">
+              <a:latin typeface="Lato" panose="020F0502020204030203"/>
+            </a:endParaRPr>
+          </a:p>
+          <a:p>
+            <a:pPr algn="r"/>
+            <a:r>
+              <a:rPr lang="en-IN" sz="1800" dirty="0">
+                <a:latin typeface="Lato" panose="020F0502020204030203"/>
+              </a:rPr>
+              <a:t>Fayiz Mayam Veettil</a:t>
+            </a:r>
+          </a:p>
+          <a:p>
+            <a:pPr marL="457200" indent="-457200" algn="l">
+              <a:buFont typeface="+mj-lt"/>
+              <a:buAutoNum type="arabicPeriod"/>
+            </a:pPr>
+            <a:endParaRPr lang="en-IN" sz="1800" dirty="0"/>
+          </a:p>
+        </p:txBody>
+      </p:sp>
+      <p:sp>
+        <p:nvSpPr>
+          <p:cNvPr id="7" name="Title 1">
+            <a:extLst>
+              <a:ext uri="{FF2B5EF4-FFF2-40B4-BE49-F238E27FC236}">
+                <a16:creationId xmlns:a16="http://schemas.microsoft.com/office/drawing/2014/main" id="{06ED631A-0337-465F-8039-C7101C9480FA}"/>
+              </a:ext>
+            </a:extLst>
+          </p:cNvPr>
+          <p:cNvSpPr>
+            <a:spLocks noGrp="1"/>
+          </p:cNvSpPr>
+          <p:nvPr>
+            <p:ph type="ctrTitle"/>
+          </p:nvPr>
+        </p:nvSpPr>
+        <p:spPr>
+          <a:xfrm>
+            <a:off x="1391478" y="1438275"/>
+            <a:ext cx="9144000" cy="2100056"/>
+          </a:xfrm>
+        </p:spPr>
+        <p:txBody>
+          <a:bodyPr>
+            <a:normAutofit/>
+          </a:bodyPr>
+          <a:lstStyle/>
+          <a:p>
+            <a:pPr>
+              <a:lnSpc>
+                <a:spcPct val="150000"/>
+              </a:lnSpc>
+            </a:pPr>
+            <a:r>
+              <a:rPr lang="en-US" sz="3200" b="1" dirty="0"/>
+              <a:t>Thanks</a:t>
+            </a:r>
+            <a:endParaRPr lang="en-IN" sz="2400" dirty="0">
+              <a:latin typeface="Lato" panose="020F0502020204030203"/>
+            </a:endParaRPr>
+          </a:p>
+        </p:txBody>
+      </p:sp>
+    </p:spTree>
+    <p:extLst>
+      <p:ext uri="{BB962C8B-B14F-4D97-AF65-F5344CB8AC3E}">
+        <p14:creationId xmlns:p14="http://schemas.microsoft.com/office/powerpoint/2010/main" val="177390757"/>
       </p:ext>
     </p:extLst>
   </p:cSld>
@@ -6904,7 +7567,7 @@
         <p:spPr>
           <a:xfrm>
             <a:off x="400051" y="1955934"/>
-            <a:ext cx="11020424" cy="4278094"/>
+            <a:ext cx="9631972" cy="3832139"/>
           </a:xfrm>
           <a:prstGeom prst="rect">
             <a:avLst/>
@@ -6965,7 +7628,7 @@
             </a:pPr>
             <a:r>
               <a:rPr lang="en-US" sz="1600" b="1" dirty="0"/>
-              <a:t>2015, 2016 and 2017 data set are used for analysis</a:t>
+              <a:t>2015, 2016 and 2017 data sets are used for analysis</a:t>
             </a:r>
           </a:p>
           <a:p>
@@ -6978,7 +7641,7 @@
             </a:pPr>
             <a:r>
               <a:rPr lang="en-US" sz="1600" b="1" dirty="0"/>
-              <a:t>2018 dataset lacks 8 columns that are included in the other 2 datasets</a:t>
+              <a:t>Total 6.6 GB of data across all three years</a:t>
             </a:r>
           </a:p>
           <a:p>
@@ -6991,7 +7654,7 @@
             </a:pPr>
             <a:r>
               <a:rPr lang="en-US" sz="1600" b="1" dirty="0"/>
-              <a:t>~10 M records per year</a:t>
+              <a:t>The files are roughly organized by fiscal year (July 1 - June 30) of NYC government, hence all the analysis done based on fiscal year and each metric compared across the 3 years. </a:t>
             </a:r>
           </a:p>
           <a:p>
@@ -7004,33 +7667,7 @@
             </a:pPr>
             <a:r>
               <a:rPr lang="en-US" sz="1600" b="1" dirty="0"/>
-              <a:t>Total 6.6 GB of data across all three years</a:t>
-            </a:r>
-          </a:p>
-          <a:p>
-            <a:pPr marL="742950" lvl="1" indent="-285750">
-              <a:lnSpc>
-                <a:spcPct val="150000"/>
-              </a:lnSpc>
-              <a:buFont typeface="Courier New" panose="02070309020205020404" pitchFamily="49" charset="0"/>
-              <a:buChar char="o"/>
-            </a:pPr>
-            <a:r>
-              <a:rPr lang="en-US" sz="1600" b="1" dirty="0"/>
-              <a:t>The files are roughly organized by fiscal year (July 1 - June 30)</a:t>
-            </a:r>
-          </a:p>
-          <a:p>
-            <a:pPr marL="742950" lvl="1" indent="-285750">
-              <a:lnSpc>
-                <a:spcPct val="150000"/>
-              </a:lnSpc>
-              <a:buFont typeface="Courier New" panose="02070309020205020404" pitchFamily="49" charset="0"/>
-              <a:buChar char="o"/>
-            </a:pPr>
-            <a:r>
-              <a:rPr lang="en-US" sz="1600" b="1" dirty="0"/>
-              <a:t>All the analysis done for 3 different years and each metric compared across the 3 years. </a:t>
+              <a:t>External data from nyc.gov for Violation Code Fines are used for revenue analysis</a:t>
             </a:r>
           </a:p>
           <a:p>
@@ -8085,7 +8722,7 @@
         <p:spPr>
           <a:xfrm>
             <a:off x="140677" y="1925515"/>
-            <a:ext cx="11201400" cy="2431435"/>
+            <a:ext cx="11201400" cy="4940135"/>
           </a:xfrm>
           <a:prstGeom prst="rect">
             <a:avLst/>
@@ -8123,7 +8760,7 @@
               <a:rPr lang="en-US" sz="1600" dirty="0">
                 <a:latin typeface="Lato"/>
               </a:rPr>
-              <a:t>Check for duplicate records on Summons Data</a:t>
+              <a:t>Check for duplicate records on Summons Number</a:t>
             </a:r>
           </a:p>
           <a:p>
@@ -8155,6 +8792,106 @@
               </a:rPr>
               <a:t>Status of data cleaning</a:t>
             </a:r>
+          </a:p>
+          <a:p>
+            <a:pPr marL="1200150" lvl="2" indent="-285750">
+              <a:lnSpc>
+                <a:spcPct val="150000"/>
+              </a:lnSpc>
+              <a:buFont typeface="Courier New" panose="02070309020205020404" pitchFamily="49" charset="0"/>
+              <a:buChar char="o"/>
+            </a:pPr>
+            <a:r>
+              <a:rPr lang="en-US" sz="1600" dirty="0"/>
+              <a:t> 2017 dataset lacks 8 columns that are included in the other 2 datasets</a:t>
+            </a:r>
+          </a:p>
+          <a:p>
+            <a:pPr marL="1200150" lvl="2" indent="-285750">
+              <a:lnSpc>
+                <a:spcPct val="150000"/>
+              </a:lnSpc>
+              <a:buFont typeface="Courier New" panose="02070309020205020404" pitchFamily="49" charset="0"/>
+              <a:buChar char="o"/>
+            </a:pPr>
+            <a:r>
+              <a:rPr lang="en-US" sz="1600" dirty="0"/>
+              <a:t>Each files contains data from current year July 1</a:t>
+            </a:r>
+            <a:r>
+              <a:rPr lang="en-US" sz="1600" baseline="30000" dirty="0"/>
+              <a:t>st</a:t>
+            </a:r>
+            <a:r>
+              <a:rPr lang="en-US" sz="1600" dirty="0"/>
+              <a:t>  to June 30</a:t>
+            </a:r>
+            <a:r>
+              <a:rPr lang="en-US" sz="1600" baseline="30000" dirty="0"/>
+              <a:t>th</a:t>
+            </a:r>
+            <a:r>
+              <a:rPr lang="en-US" sz="1600" dirty="0"/>
+              <a:t> next year</a:t>
+            </a:r>
+          </a:p>
+          <a:p>
+            <a:pPr marL="1200150" lvl="2" indent="-285750">
+              <a:lnSpc>
+                <a:spcPct val="150000"/>
+              </a:lnSpc>
+              <a:buFont typeface="Courier New" panose="02070309020205020404" pitchFamily="49" charset="0"/>
+              <a:buChar char="o"/>
+            </a:pPr>
+            <a:r>
+              <a:rPr lang="en-US" sz="1600" dirty="0"/>
+              <a:t>~10 M records per year</a:t>
+            </a:r>
+          </a:p>
+          <a:p>
+            <a:pPr marL="1200150" lvl="2" indent="-285750">
+              <a:lnSpc>
+                <a:spcPct val="150000"/>
+              </a:lnSpc>
+              <a:buFont typeface="Courier New" panose="02070309020205020404" pitchFamily="49" charset="0"/>
+              <a:buChar char="o"/>
+            </a:pPr>
+            <a:r>
+              <a:rPr lang="en-US" sz="1600" dirty="0"/>
+              <a:t>857,977 number of records found duplicated and cleaned in 2015 data file</a:t>
+            </a:r>
+          </a:p>
+          <a:p>
+            <a:pPr marL="1200150" lvl="2" indent="-285750">
+              <a:lnSpc>
+                <a:spcPct val="150000"/>
+              </a:lnSpc>
+              <a:buFont typeface="Courier New" panose="02070309020205020404" pitchFamily="49" charset="0"/>
+              <a:buChar char="o"/>
+            </a:pPr>
+            <a:endParaRPr lang="en-US" sz="1600" dirty="0"/>
+          </a:p>
+          <a:p>
+            <a:pPr marL="1200150" lvl="2" indent="-285750">
+              <a:lnSpc>
+                <a:spcPct val="150000"/>
+              </a:lnSpc>
+              <a:buFont typeface="Courier New" panose="02070309020205020404" pitchFamily="49" charset="0"/>
+              <a:buChar char="o"/>
+            </a:pPr>
+            <a:endParaRPr lang="en-US" sz="1600" dirty="0"/>
+          </a:p>
+          <a:p>
+            <a:pPr marL="1200150" lvl="2" indent="-285750">
+              <a:lnSpc>
+                <a:spcPct val="150000"/>
+              </a:lnSpc>
+              <a:buFont typeface="Courier New" panose="02070309020205020404" pitchFamily="49" charset="0"/>
+              <a:buChar char="o"/>
+            </a:pPr>
+            <a:endParaRPr lang="en-US" sz="1600" dirty="0">
+              <a:latin typeface="Lato"/>
+            </a:endParaRPr>
           </a:p>
           <a:p>
             <a:pPr marL="742950" lvl="1" indent="-285750">
